--- a/Documents/Week 5/Socket Programming.pptx
+++ b/Documents/Week 5/Socket Programming.pptx
@@ -5,26 +5,33 @@
     <p:sldMasterId id="2147483648" r:id="rId1"/>
   </p:sldMasterIdLst>
   <p:notesMasterIdLst>
-    <p:notesMasterId r:id="rId16"/>
+    <p:notesMasterId r:id="rId23"/>
   </p:notesMasterIdLst>
   <p:handoutMasterIdLst>
-    <p:handoutMasterId r:id="rId17"/>
+    <p:handoutMasterId r:id="rId24"/>
   </p:handoutMasterIdLst>
   <p:sldIdLst>
     <p:sldId id="256" r:id="rId2"/>
     <p:sldId id="377" r:id="rId3"/>
     <p:sldId id="378" r:id="rId4"/>
-    <p:sldId id="379" r:id="rId5"/>
-    <p:sldId id="380" r:id="rId6"/>
-    <p:sldId id="381" r:id="rId7"/>
-    <p:sldId id="382" r:id="rId8"/>
-    <p:sldId id="383" r:id="rId9"/>
-    <p:sldId id="384" r:id="rId10"/>
-    <p:sldId id="385" r:id="rId11"/>
-    <p:sldId id="386" r:id="rId12"/>
-    <p:sldId id="387" r:id="rId13"/>
-    <p:sldId id="388" r:id="rId14"/>
-    <p:sldId id="390" r:id="rId15"/>
+    <p:sldId id="391" r:id="rId5"/>
+    <p:sldId id="379" r:id="rId6"/>
+    <p:sldId id="380" r:id="rId7"/>
+    <p:sldId id="393" r:id="rId8"/>
+    <p:sldId id="394" r:id="rId9"/>
+    <p:sldId id="395" r:id="rId10"/>
+    <p:sldId id="397" r:id="rId11"/>
+    <p:sldId id="381" r:id="rId12"/>
+    <p:sldId id="399" r:id="rId13"/>
+    <p:sldId id="382" r:id="rId14"/>
+    <p:sldId id="383" r:id="rId15"/>
+    <p:sldId id="384" r:id="rId16"/>
+    <p:sldId id="385" r:id="rId17"/>
+    <p:sldId id="386" r:id="rId18"/>
+    <p:sldId id="387" r:id="rId19"/>
+    <p:sldId id="388" r:id="rId20"/>
+    <p:sldId id="400" r:id="rId21"/>
+    <p:sldId id="390" r:id="rId22"/>
   </p:sldIdLst>
   <p:sldSz cx="9144000" cy="6858000" type="screen4x3"/>
   <p:notesSz cx="6858000" cy="9144000"/>
@@ -121,6 +128,36 @@
     </a:lvl9pPr>
     <a:extLst/>
   </p:defaultTextStyle>
+  <p:extLst>
+    <p:ext uri="{EFAFB233-063F-42B5-8137-9DF3F51BA10A}">
+      <p15:sldGuideLst xmlns:p15="http://schemas.microsoft.com/office/powerpoint/2012/main">
+        <p15:guide id="1" orient="horz" pos="2160">
+          <p15:clr>
+            <a:srgbClr val="A4A3A4"/>
+          </p15:clr>
+        </p15:guide>
+        <p15:guide id="2" pos="2880">
+          <p15:clr>
+            <a:srgbClr val="A4A3A4"/>
+          </p15:clr>
+        </p15:guide>
+      </p15:sldGuideLst>
+    </p:ext>
+    <p:ext uri="{2D200454-40CA-4A62-9FC3-DE9A4176ACB9}">
+      <p15:notesGuideLst xmlns:p15="http://schemas.microsoft.com/office/powerpoint/2012/main">
+        <p15:guide id="1" orient="horz" pos="2880">
+          <p15:clr>
+            <a:srgbClr val="A4A3A4"/>
+          </p15:clr>
+        </p15:guide>
+        <p15:guide id="2" pos="2160">
+          <p15:clr>
+            <a:srgbClr val="A4A3A4"/>
+          </p15:clr>
+        </p15:guide>
+      </p15:notesGuideLst>
+    </p:ext>
+  </p:extLst>
 </p:presentation>
 </file>
 
@@ -207,7 +244,7 @@
             <a:fld id="{E613903A-B8B5-4602-B0B5-8C472DB8A55D}" type="datetimeFigureOut">
               <a:rPr lang="en-US" smtClean="0"/>
               <a:pPr/>
-              <a:t>3/26/2014</a:t>
+              <a:t>3/15/2015</a:t>
             </a:fld>
             <a:endParaRPr lang="en-NZ"/>
           </a:p>
@@ -281,6 +318,11 @@
         </p:txBody>
       </p:sp>
     </p:spTree>
+    <p:extLst>
+      <p:ext uri="{BB962C8B-B14F-4D97-AF65-F5344CB8AC3E}">
+        <p14:creationId xmlns:p14="http://schemas.microsoft.com/office/powerpoint/2010/main" val="1143666204"/>
+      </p:ext>
+    </p:extLst>
   </p:cSld>
   <p:clrMap bg1="lt1" tx1="dk1" bg2="lt2" tx2="dk2" accent1="accent1" accent2="accent2" accent3="accent3" accent4="accent4" accent5="accent5" accent6="accent6" hlink="hlink" folHlink="folHlink"/>
 </p:handoutMaster>
@@ -371,7 +413,7 @@
             <a:fld id="{A8ADFD5B-A66C-449C-B6E8-FB716D07777D}" type="datetimeFigureOut">
               <a:rPr lang="en-US" smtClean="0"/>
               <a:pPr/>
-              <a:t>3/26/2014</a:t>
+              <a:t>3/15/2015</a:t>
             </a:fld>
             <a:endParaRPr lang="en-US"/>
           </a:p>
@@ -547,6 +589,11 @@
         </p:txBody>
       </p:sp>
     </p:spTree>
+    <p:extLst>
+      <p:ext uri="{BB962C8B-B14F-4D97-AF65-F5344CB8AC3E}">
+        <p14:creationId xmlns:p14="http://schemas.microsoft.com/office/powerpoint/2010/main" val="2678466760"/>
+      </p:ext>
+    </p:extLst>
   </p:cSld>
   <p:clrMap bg1="lt1" tx1="dk1" bg2="lt2" tx2="dk2" accent1="accent1" accent2="accent2" accent3="accent3" accent4="accent4" accent5="accent5" accent6="accent6" hlink="hlink" folHlink="folHlink"/>
   <p:notesStyle>
@@ -727,6 +774,11 @@
         </p:txBody>
       </p:sp>
     </p:spTree>
+    <p:extLst>
+      <p:ext uri="{BB962C8B-B14F-4D97-AF65-F5344CB8AC3E}">
+        <p14:creationId xmlns:p14="http://schemas.microsoft.com/office/powerpoint/2010/main" val="3413688618"/>
+      </p:ext>
+    </p:extLst>
   </p:cSld>
   <p:clrMapOvr>
     <a:masterClrMapping/>
@@ -807,13 +859,18 @@
               <a:pPr>
                 <a:defRPr/>
               </a:pPr>
-              <a:t>10</a:t>
+              <a:t>11</a:t>
             </a:fld>
             <a:endParaRPr lang="en-AU"/>
           </a:p>
         </p:txBody>
       </p:sp>
     </p:spTree>
+    <p:extLst>
+      <p:ext uri="{BB962C8B-B14F-4D97-AF65-F5344CB8AC3E}">
+        <p14:creationId xmlns:p14="http://schemas.microsoft.com/office/powerpoint/2010/main" val="2836738509"/>
+      </p:ext>
+    </p:extLst>
   </p:cSld>
   <p:clrMapOvr>
     <a:masterClrMapping/>
@@ -840,67 +897,187 @@
       </p:grpSpPr>
       <p:sp>
         <p:nvSpPr>
-          <p:cNvPr id="2" name="Slide Image Placeholder 1"/>
-          <p:cNvSpPr>
-            <a:spLocks noGrp="1" noRot="1" noChangeAspect="1"/>
+          <p:cNvPr id="124930" name="Rectangle 5"/>
+          <p:cNvSpPr>
+            <a:spLocks noGrp="1" noChangeArrowheads="1"/>
+          </p:cNvSpPr>
+          <p:nvPr>
+            <p:ph type="sldNum" sz="quarter" idx="5"/>
+          </p:nvPr>
+        </p:nvSpPr>
+        <p:spPr>
+          <a:noFill/>
+        </p:spPr>
+        <p:txBody>
+          <a:bodyPr/>
+          <a:lstStyle>
+            <a:lvl1pPr defTabSz="792163">
+              <a:defRPr sz="2000" b="1">
+                <a:solidFill>
+                  <a:schemeClr val="bg1"/>
+                </a:solidFill>
+                <a:latin typeface="Arial" charset="0"/>
+              </a:defRPr>
+            </a:lvl1pPr>
+            <a:lvl2pPr marL="742950" indent="-285750" defTabSz="792163">
+              <a:defRPr sz="2000" b="1">
+                <a:solidFill>
+                  <a:schemeClr val="bg1"/>
+                </a:solidFill>
+                <a:latin typeface="Arial" charset="0"/>
+              </a:defRPr>
+            </a:lvl2pPr>
+            <a:lvl3pPr marL="1143000" indent="-228600" defTabSz="792163">
+              <a:defRPr sz="2000" b="1">
+                <a:solidFill>
+                  <a:schemeClr val="bg1"/>
+                </a:solidFill>
+                <a:latin typeface="Arial" charset="0"/>
+              </a:defRPr>
+            </a:lvl3pPr>
+            <a:lvl4pPr marL="1600200" indent="-228600" defTabSz="792163">
+              <a:defRPr sz="2000" b="1">
+                <a:solidFill>
+                  <a:schemeClr val="bg1"/>
+                </a:solidFill>
+                <a:latin typeface="Arial" charset="0"/>
+              </a:defRPr>
+            </a:lvl4pPr>
+            <a:lvl5pPr marL="2057400" indent="-228600" defTabSz="792163">
+              <a:defRPr sz="2000" b="1">
+                <a:solidFill>
+                  <a:schemeClr val="bg1"/>
+                </a:solidFill>
+                <a:latin typeface="Arial" charset="0"/>
+              </a:defRPr>
+            </a:lvl5pPr>
+            <a:lvl6pPr marL="2514600" indent="-228600" algn="ctr" defTabSz="792163" eaLnBrk="0" fontAlgn="base" hangingPunct="0">
+              <a:spcBef>
+                <a:spcPct val="0"/>
+              </a:spcBef>
+              <a:spcAft>
+                <a:spcPct val="0"/>
+              </a:spcAft>
+              <a:defRPr sz="2000" b="1">
+                <a:solidFill>
+                  <a:schemeClr val="bg1"/>
+                </a:solidFill>
+                <a:latin typeface="Arial" charset="0"/>
+              </a:defRPr>
+            </a:lvl6pPr>
+            <a:lvl7pPr marL="2971800" indent="-228600" algn="ctr" defTabSz="792163" eaLnBrk="0" fontAlgn="base" hangingPunct="0">
+              <a:spcBef>
+                <a:spcPct val="0"/>
+              </a:spcBef>
+              <a:spcAft>
+                <a:spcPct val="0"/>
+              </a:spcAft>
+              <a:defRPr sz="2000" b="1">
+                <a:solidFill>
+                  <a:schemeClr val="bg1"/>
+                </a:solidFill>
+                <a:latin typeface="Arial" charset="0"/>
+              </a:defRPr>
+            </a:lvl7pPr>
+            <a:lvl8pPr marL="3429000" indent="-228600" algn="ctr" defTabSz="792163" eaLnBrk="0" fontAlgn="base" hangingPunct="0">
+              <a:spcBef>
+                <a:spcPct val="0"/>
+              </a:spcBef>
+              <a:spcAft>
+                <a:spcPct val="0"/>
+              </a:spcAft>
+              <a:defRPr sz="2000" b="1">
+                <a:solidFill>
+                  <a:schemeClr val="bg1"/>
+                </a:solidFill>
+                <a:latin typeface="Arial" charset="0"/>
+              </a:defRPr>
+            </a:lvl8pPr>
+            <a:lvl9pPr marL="3886200" indent="-228600" algn="ctr" defTabSz="792163" eaLnBrk="0" fontAlgn="base" hangingPunct="0">
+              <a:spcBef>
+                <a:spcPct val="0"/>
+              </a:spcBef>
+              <a:spcAft>
+                <a:spcPct val="0"/>
+              </a:spcAft>
+              <a:defRPr sz="2000" b="1">
+                <a:solidFill>
+                  <a:schemeClr val="bg1"/>
+                </a:solidFill>
+                <a:latin typeface="Arial" charset="0"/>
+              </a:defRPr>
+            </a:lvl9pPr>
+          </a:lstStyle>
+          <a:p>
+            <a:fld id="{32496E34-6E8A-4C91-BDD9-157F14FCE887}" type="slidenum">
+              <a:rPr lang="zh-CN" altLang="en-US" sz="1000" b="0">
+                <a:solidFill>
+                  <a:schemeClr val="tx1"/>
+                </a:solidFill>
+                <a:latin typeface="Times New Roman" pitchFamily="18" charset="0"/>
+              </a:rPr>
+              <a:pPr/>
+              <a:t>12</a:t>
+            </a:fld>
+            <a:endParaRPr lang="en-US" altLang="zh-CN" sz="1000" b="0">
+              <a:solidFill>
+                <a:schemeClr val="tx1"/>
+              </a:solidFill>
+              <a:latin typeface="Times New Roman" pitchFamily="18" charset="0"/>
+            </a:endParaRPr>
+          </a:p>
+        </p:txBody>
+      </p:sp>
+      <p:sp>
+        <p:nvSpPr>
+          <p:cNvPr id="124931" name="Rectangle 2"/>
+          <p:cNvSpPr>
+            <a:spLocks noGrp="1" noRot="1" noChangeAspect="1" noChangeArrowheads="1" noTextEdit="1"/>
           </p:cNvSpPr>
           <p:nvPr>
             <p:ph type="sldImg"/>
           </p:nvPr>
         </p:nvSpPr>
-        <p:spPr/>
-      </p:sp>
-      <p:sp>
-        <p:nvSpPr>
-          <p:cNvPr id="3" name="Notes Placeholder 2"/>
-          <p:cNvSpPr>
-            <a:spLocks noGrp="1"/>
+        <p:spPr>
+          <a:xfrm>
+            <a:off x="1147763" y="687388"/>
+            <a:ext cx="4565650" cy="3425825"/>
+          </a:xfrm>
+          <a:ln/>
+        </p:spPr>
+      </p:sp>
+      <p:sp>
+        <p:nvSpPr>
+          <p:cNvPr id="124932" name="Rectangle 3"/>
+          <p:cNvSpPr>
+            <a:spLocks noGrp="1" noChangeArrowheads="1"/>
           </p:cNvSpPr>
           <p:nvPr>
             <p:ph type="body" idx="1"/>
           </p:nvPr>
         </p:nvSpPr>
-        <p:spPr/>
-        <p:txBody>
-          <a:bodyPr>
-            <a:normAutofit/>
-          </a:bodyPr>
-          <a:lstStyle/>
-          <a:p>
-            <a:endParaRPr lang="en-NZ"/>
-          </a:p>
-        </p:txBody>
-      </p:sp>
-      <p:sp>
-        <p:nvSpPr>
-          <p:cNvPr id="4" name="Slide Number Placeholder 3"/>
-          <p:cNvSpPr>
-            <a:spLocks noGrp="1"/>
-          </p:cNvSpPr>
-          <p:nvPr>
-            <p:ph type="sldNum" sz="quarter" idx="10"/>
-          </p:nvPr>
-        </p:nvSpPr>
-        <p:spPr/>
+        <p:spPr>
+          <a:xfrm>
+            <a:off x="915890" y="4342991"/>
+            <a:ext cx="5026221" cy="4113982"/>
+          </a:xfrm>
+          <a:noFill/>
+        </p:spPr>
         <p:txBody>
           <a:bodyPr/>
           <a:lstStyle/>
           <a:p>
-            <a:pPr>
-              <a:defRPr/>
-            </a:pPr>
-            <a:fld id="{3F4D4738-3197-40DF-973A-B7D4BBB89C36}" type="slidenum">
-              <a:rPr lang="en-AU" smtClean="0"/>
-              <a:pPr>
-                <a:defRPr/>
-              </a:pPr>
-              <a:t>11</a:t>
-            </a:fld>
-            <a:endParaRPr lang="en-AU"/>
+            <a:pPr marL="0" indent="0"/>
+            <a:endParaRPr lang="zh-CN" altLang="en-US" smtClean="0"/>
           </a:p>
         </p:txBody>
       </p:sp>
     </p:spTree>
+    <p:extLst>
+      <p:ext uri="{BB962C8B-B14F-4D97-AF65-F5344CB8AC3E}">
+        <p14:creationId xmlns:p14="http://schemas.microsoft.com/office/powerpoint/2010/main" val="886808537"/>
+      </p:ext>
+    </p:extLst>
   </p:cSld>
   <p:clrMapOvr>
     <a:masterClrMapping/>
@@ -981,13 +1158,18 @@
               <a:pPr>
                 <a:defRPr/>
               </a:pPr>
-              <a:t>12</a:t>
+              <a:t>13</a:t>
             </a:fld>
             <a:endParaRPr lang="en-AU"/>
           </a:p>
         </p:txBody>
       </p:sp>
     </p:spTree>
+    <p:extLst>
+      <p:ext uri="{BB962C8B-B14F-4D97-AF65-F5344CB8AC3E}">
+        <p14:creationId xmlns:p14="http://schemas.microsoft.com/office/powerpoint/2010/main" val="62755822"/>
+      </p:ext>
+    </p:extLst>
   </p:cSld>
   <p:clrMapOvr>
     <a:masterClrMapping/>
@@ -1068,13 +1250,18 @@
               <a:pPr>
                 <a:defRPr/>
               </a:pPr>
-              <a:t>13</a:t>
+              <a:t>14</a:t>
             </a:fld>
             <a:endParaRPr lang="en-AU"/>
           </a:p>
         </p:txBody>
       </p:sp>
     </p:spTree>
+    <p:extLst>
+      <p:ext uri="{BB962C8B-B14F-4D97-AF65-F5344CB8AC3E}">
+        <p14:creationId xmlns:p14="http://schemas.microsoft.com/office/powerpoint/2010/main" val="993940591"/>
+      </p:ext>
+    </p:extLst>
   </p:cSld>
   <p:clrMapOvr>
     <a:masterClrMapping/>
@@ -1155,13 +1342,478 @@
               <a:pPr>
                 <a:defRPr/>
               </a:pPr>
-              <a:t>14</a:t>
+              <a:t>15</a:t>
             </a:fld>
             <a:endParaRPr lang="en-AU"/>
           </a:p>
         </p:txBody>
       </p:sp>
     </p:spTree>
+    <p:extLst>
+      <p:ext uri="{BB962C8B-B14F-4D97-AF65-F5344CB8AC3E}">
+        <p14:creationId xmlns:p14="http://schemas.microsoft.com/office/powerpoint/2010/main" val="3006238055"/>
+      </p:ext>
+    </p:extLst>
+  </p:cSld>
+  <p:clrMapOvr>
+    <a:masterClrMapping/>
+  </p:clrMapOvr>
+</p:notes>
+</file>
+
+<file path=ppt/notesSlides/notesSlide15.xml><?xml version="1.0" encoding="utf-8"?>
+<p:notes xmlns:a="http://schemas.openxmlformats.org/drawingml/2006/main" xmlns:r="http://schemas.openxmlformats.org/officeDocument/2006/relationships" xmlns:p="http://schemas.openxmlformats.org/presentationml/2006/main">
+  <p:cSld>
+    <p:spTree>
+      <p:nvGrpSpPr>
+        <p:cNvPr id="1" name=""/>
+        <p:cNvGrpSpPr/>
+        <p:nvPr/>
+      </p:nvGrpSpPr>
+      <p:grpSpPr>
+        <a:xfrm>
+          <a:off x="0" y="0"/>
+          <a:ext cx="0" cy="0"/>
+          <a:chOff x="0" y="0"/>
+          <a:chExt cx="0" cy="0"/>
+        </a:xfrm>
+      </p:grpSpPr>
+      <p:sp>
+        <p:nvSpPr>
+          <p:cNvPr id="2" name="Slide Image Placeholder 1"/>
+          <p:cNvSpPr>
+            <a:spLocks noGrp="1" noRot="1" noChangeAspect="1"/>
+          </p:cNvSpPr>
+          <p:nvPr>
+            <p:ph type="sldImg"/>
+          </p:nvPr>
+        </p:nvSpPr>
+        <p:spPr/>
+      </p:sp>
+      <p:sp>
+        <p:nvSpPr>
+          <p:cNvPr id="3" name="Notes Placeholder 2"/>
+          <p:cNvSpPr>
+            <a:spLocks noGrp="1"/>
+          </p:cNvSpPr>
+          <p:nvPr>
+            <p:ph type="body" idx="1"/>
+          </p:nvPr>
+        </p:nvSpPr>
+        <p:spPr/>
+        <p:txBody>
+          <a:bodyPr>
+            <a:normAutofit/>
+          </a:bodyPr>
+          <a:lstStyle/>
+          <a:p>
+            <a:endParaRPr lang="en-NZ"/>
+          </a:p>
+        </p:txBody>
+      </p:sp>
+      <p:sp>
+        <p:nvSpPr>
+          <p:cNvPr id="4" name="Slide Number Placeholder 3"/>
+          <p:cNvSpPr>
+            <a:spLocks noGrp="1"/>
+          </p:cNvSpPr>
+          <p:nvPr>
+            <p:ph type="sldNum" sz="quarter" idx="10"/>
+          </p:nvPr>
+        </p:nvSpPr>
+        <p:spPr/>
+        <p:txBody>
+          <a:bodyPr/>
+          <a:lstStyle/>
+          <a:p>
+            <a:pPr>
+              <a:defRPr/>
+            </a:pPr>
+            <a:fld id="{3F4D4738-3197-40DF-973A-B7D4BBB89C36}" type="slidenum">
+              <a:rPr lang="en-AU" smtClean="0"/>
+              <a:pPr>
+                <a:defRPr/>
+              </a:pPr>
+              <a:t>16</a:t>
+            </a:fld>
+            <a:endParaRPr lang="en-AU"/>
+          </a:p>
+        </p:txBody>
+      </p:sp>
+    </p:spTree>
+    <p:extLst>
+      <p:ext uri="{BB962C8B-B14F-4D97-AF65-F5344CB8AC3E}">
+        <p14:creationId xmlns:p14="http://schemas.microsoft.com/office/powerpoint/2010/main" val="304001137"/>
+      </p:ext>
+    </p:extLst>
+  </p:cSld>
+  <p:clrMapOvr>
+    <a:masterClrMapping/>
+  </p:clrMapOvr>
+</p:notes>
+</file>
+
+<file path=ppt/notesSlides/notesSlide16.xml><?xml version="1.0" encoding="utf-8"?>
+<p:notes xmlns:a="http://schemas.openxmlformats.org/drawingml/2006/main" xmlns:r="http://schemas.openxmlformats.org/officeDocument/2006/relationships" xmlns:p="http://schemas.openxmlformats.org/presentationml/2006/main">
+  <p:cSld>
+    <p:spTree>
+      <p:nvGrpSpPr>
+        <p:cNvPr id="1" name=""/>
+        <p:cNvGrpSpPr/>
+        <p:nvPr/>
+      </p:nvGrpSpPr>
+      <p:grpSpPr>
+        <a:xfrm>
+          <a:off x="0" y="0"/>
+          <a:ext cx="0" cy="0"/>
+          <a:chOff x="0" y="0"/>
+          <a:chExt cx="0" cy="0"/>
+        </a:xfrm>
+      </p:grpSpPr>
+      <p:sp>
+        <p:nvSpPr>
+          <p:cNvPr id="2" name="Slide Image Placeholder 1"/>
+          <p:cNvSpPr>
+            <a:spLocks noGrp="1" noRot="1" noChangeAspect="1"/>
+          </p:cNvSpPr>
+          <p:nvPr>
+            <p:ph type="sldImg"/>
+          </p:nvPr>
+        </p:nvSpPr>
+        <p:spPr/>
+      </p:sp>
+      <p:sp>
+        <p:nvSpPr>
+          <p:cNvPr id="3" name="Notes Placeholder 2"/>
+          <p:cNvSpPr>
+            <a:spLocks noGrp="1"/>
+          </p:cNvSpPr>
+          <p:nvPr>
+            <p:ph type="body" idx="1"/>
+          </p:nvPr>
+        </p:nvSpPr>
+        <p:spPr/>
+        <p:txBody>
+          <a:bodyPr>
+            <a:normAutofit/>
+          </a:bodyPr>
+          <a:lstStyle/>
+          <a:p>
+            <a:endParaRPr lang="en-NZ"/>
+          </a:p>
+        </p:txBody>
+      </p:sp>
+      <p:sp>
+        <p:nvSpPr>
+          <p:cNvPr id="4" name="Slide Number Placeholder 3"/>
+          <p:cNvSpPr>
+            <a:spLocks noGrp="1"/>
+          </p:cNvSpPr>
+          <p:nvPr>
+            <p:ph type="sldNum" sz="quarter" idx="10"/>
+          </p:nvPr>
+        </p:nvSpPr>
+        <p:spPr/>
+        <p:txBody>
+          <a:bodyPr/>
+          <a:lstStyle/>
+          <a:p>
+            <a:pPr>
+              <a:defRPr/>
+            </a:pPr>
+            <a:fld id="{3F4D4738-3197-40DF-973A-B7D4BBB89C36}" type="slidenum">
+              <a:rPr lang="en-AU" smtClean="0"/>
+              <a:pPr>
+                <a:defRPr/>
+              </a:pPr>
+              <a:t>17</a:t>
+            </a:fld>
+            <a:endParaRPr lang="en-AU"/>
+          </a:p>
+        </p:txBody>
+      </p:sp>
+    </p:spTree>
+    <p:extLst>
+      <p:ext uri="{BB962C8B-B14F-4D97-AF65-F5344CB8AC3E}">
+        <p14:creationId xmlns:p14="http://schemas.microsoft.com/office/powerpoint/2010/main" val="2944340664"/>
+      </p:ext>
+    </p:extLst>
+  </p:cSld>
+  <p:clrMapOvr>
+    <a:masterClrMapping/>
+  </p:clrMapOvr>
+</p:notes>
+</file>
+
+<file path=ppt/notesSlides/notesSlide17.xml><?xml version="1.0" encoding="utf-8"?>
+<p:notes xmlns:a="http://schemas.openxmlformats.org/drawingml/2006/main" xmlns:r="http://schemas.openxmlformats.org/officeDocument/2006/relationships" xmlns:p="http://schemas.openxmlformats.org/presentationml/2006/main">
+  <p:cSld>
+    <p:spTree>
+      <p:nvGrpSpPr>
+        <p:cNvPr id="1" name=""/>
+        <p:cNvGrpSpPr/>
+        <p:nvPr/>
+      </p:nvGrpSpPr>
+      <p:grpSpPr>
+        <a:xfrm>
+          <a:off x="0" y="0"/>
+          <a:ext cx="0" cy="0"/>
+          <a:chOff x="0" y="0"/>
+          <a:chExt cx="0" cy="0"/>
+        </a:xfrm>
+      </p:grpSpPr>
+      <p:sp>
+        <p:nvSpPr>
+          <p:cNvPr id="2" name="Slide Image Placeholder 1"/>
+          <p:cNvSpPr>
+            <a:spLocks noGrp="1" noRot="1" noChangeAspect="1"/>
+          </p:cNvSpPr>
+          <p:nvPr>
+            <p:ph type="sldImg"/>
+          </p:nvPr>
+        </p:nvSpPr>
+        <p:spPr/>
+      </p:sp>
+      <p:sp>
+        <p:nvSpPr>
+          <p:cNvPr id="3" name="Notes Placeholder 2"/>
+          <p:cNvSpPr>
+            <a:spLocks noGrp="1"/>
+          </p:cNvSpPr>
+          <p:nvPr>
+            <p:ph type="body" idx="1"/>
+          </p:nvPr>
+        </p:nvSpPr>
+        <p:spPr/>
+        <p:txBody>
+          <a:bodyPr>
+            <a:normAutofit/>
+          </a:bodyPr>
+          <a:lstStyle/>
+          <a:p>
+            <a:endParaRPr lang="en-NZ"/>
+          </a:p>
+        </p:txBody>
+      </p:sp>
+      <p:sp>
+        <p:nvSpPr>
+          <p:cNvPr id="4" name="Slide Number Placeholder 3"/>
+          <p:cNvSpPr>
+            <a:spLocks noGrp="1"/>
+          </p:cNvSpPr>
+          <p:nvPr>
+            <p:ph type="sldNum" sz="quarter" idx="10"/>
+          </p:nvPr>
+        </p:nvSpPr>
+        <p:spPr/>
+        <p:txBody>
+          <a:bodyPr/>
+          <a:lstStyle/>
+          <a:p>
+            <a:pPr>
+              <a:defRPr/>
+            </a:pPr>
+            <a:fld id="{3F4D4738-3197-40DF-973A-B7D4BBB89C36}" type="slidenum">
+              <a:rPr lang="en-AU" smtClean="0"/>
+              <a:pPr>
+                <a:defRPr/>
+              </a:pPr>
+              <a:t>18</a:t>
+            </a:fld>
+            <a:endParaRPr lang="en-AU"/>
+          </a:p>
+        </p:txBody>
+      </p:sp>
+    </p:spTree>
+    <p:extLst>
+      <p:ext uri="{BB962C8B-B14F-4D97-AF65-F5344CB8AC3E}">
+        <p14:creationId xmlns:p14="http://schemas.microsoft.com/office/powerpoint/2010/main" val="629478235"/>
+      </p:ext>
+    </p:extLst>
+  </p:cSld>
+  <p:clrMapOvr>
+    <a:masterClrMapping/>
+  </p:clrMapOvr>
+</p:notes>
+</file>
+
+<file path=ppt/notesSlides/notesSlide18.xml><?xml version="1.0" encoding="utf-8"?>
+<p:notes xmlns:a="http://schemas.openxmlformats.org/drawingml/2006/main" xmlns:r="http://schemas.openxmlformats.org/officeDocument/2006/relationships" xmlns:p="http://schemas.openxmlformats.org/presentationml/2006/main">
+  <p:cSld>
+    <p:spTree>
+      <p:nvGrpSpPr>
+        <p:cNvPr id="1" name=""/>
+        <p:cNvGrpSpPr/>
+        <p:nvPr/>
+      </p:nvGrpSpPr>
+      <p:grpSpPr>
+        <a:xfrm>
+          <a:off x="0" y="0"/>
+          <a:ext cx="0" cy="0"/>
+          <a:chOff x="0" y="0"/>
+          <a:chExt cx="0" cy="0"/>
+        </a:xfrm>
+      </p:grpSpPr>
+      <p:sp>
+        <p:nvSpPr>
+          <p:cNvPr id="2" name="Slide Image Placeholder 1"/>
+          <p:cNvSpPr>
+            <a:spLocks noGrp="1" noRot="1" noChangeAspect="1"/>
+          </p:cNvSpPr>
+          <p:nvPr>
+            <p:ph type="sldImg"/>
+          </p:nvPr>
+        </p:nvSpPr>
+        <p:spPr/>
+      </p:sp>
+      <p:sp>
+        <p:nvSpPr>
+          <p:cNvPr id="3" name="Notes Placeholder 2"/>
+          <p:cNvSpPr>
+            <a:spLocks noGrp="1"/>
+          </p:cNvSpPr>
+          <p:nvPr>
+            <p:ph type="body" idx="1"/>
+          </p:nvPr>
+        </p:nvSpPr>
+        <p:spPr/>
+        <p:txBody>
+          <a:bodyPr>
+            <a:normAutofit/>
+          </a:bodyPr>
+          <a:lstStyle/>
+          <a:p>
+            <a:endParaRPr lang="en-NZ"/>
+          </a:p>
+        </p:txBody>
+      </p:sp>
+      <p:sp>
+        <p:nvSpPr>
+          <p:cNvPr id="4" name="Slide Number Placeholder 3"/>
+          <p:cNvSpPr>
+            <a:spLocks noGrp="1"/>
+          </p:cNvSpPr>
+          <p:nvPr>
+            <p:ph type="sldNum" sz="quarter" idx="10"/>
+          </p:nvPr>
+        </p:nvSpPr>
+        <p:spPr/>
+        <p:txBody>
+          <a:bodyPr/>
+          <a:lstStyle/>
+          <a:p>
+            <a:pPr>
+              <a:defRPr/>
+            </a:pPr>
+            <a:fld id="{3F4D4738-3197-40DF-973A-B7D4BBB89C36}" type="slidenum">
+              <a:rPr lang="en-AU" smtClean="0"/>
+              <a:pPr>
+                <a:defRPr/>
+              </a:pPr>
+              <a:t>19</a:t>
+            </a:fld>
+            <a:endParaRPr lang="en-AU"/>
+          </a:p>
+        </p:txBody>
+      </p:sp>
+    </p:spTree>
+    <p:extLst>
+      <p:ext uri="{BB962C8B-B14F-4D97-AF65-F5344CB8AC3E}">
+        <p14:creationId xmlns:p14="http://schemas.microsoft.com/office/powerpoint/2010/main" val="4233475248"/>
+      </p:ext>
+    </p:extLst>
+  </p:cSld>
+  <p:clrMapOvr>
+    <a:masterClrMapping/>
+  </p:clrMapOvr>
+</p:notes>
+</file>
+
+<file path=ppt/notesSlides/notesSlide19.xml><?xml version="1.0" encoding="utf-8"?>
+<p:notes xmlns:a="http://schemas.openxmlformats.org/drawingml/2006/main" xmlns:r="http://schemas.openxmlformats.org/officeDocument/2006/relationships" xmlns:p="http://schemas.openxmlformats.org/presentationml/2006/main">
+  <p:cSld>
+    <p:spTree>
+      <p:nvGrpSpPr>
+        <p:cNvPr id="1" name=""/>
+        <p:cNvGrpSpPr/>
+        <p:nvPr/>
+      </p:nvGrpSpPr>
+      <p:grpSpPr>
+        <a:xfrm>
+          <a:off x="0" y="0"/>
+          <a:ext cx="0" cy="0"/>
+          <a:chOff x="0" y="0"/>
+          <a:chExt cx="0" cy="0"/>
+        </a:xfrm>
+      </p:grpSpPr>
+      <p:sp>
+        <p:nvSpPr>
+          <p:cNvPr id="2" name="Slide Image Placeholder 1"/>
+          <p:cNvSpPr>
+            <a:spLocks noGrp="1" noRot="1" noChangeAspect="1"/>
+          </p:cNvSpPr>
+          <p:nvPr>
+            <p:ph type="sldImg"/>
+          </p:nvPr>
+        </p:nvSpPr>
+        <p:spPr/>
+      </p:sp>
+      <p:sp>
+        <p:nvSpPr>
+          <p:cNvPr id="3" name="Notes Placeholder 2"/>
+          <p:cNvSpPr>
+            <a:spLocks noGrp="1"/>
+          </p:cNvSpPr>
+          <p:nvPr>
+            <p:ph type="body" idx="1"/>
+          </p:nvPr>
+        </p:nvSpPr>
+        <p:spPr/>
+        <p:txBody>
+          <a:bodyPr>
+            <a:normAutofit/>
+          </a:bodyPr>
+          <a:lstStyle/>
+          <a:p>
+            <a:endParaRPr lang="en-NZ"/>
+          </a:p>
+        </p:txBody>
+      </p:sp>
+      <p:sp>
+        <p:nvSpPr>
+          <p:cNvPr id="4" name="Slide Number Placeholder 3"/>
+          <p:cNvSpPr>
+            <a:spLocks noGrp="1"/>
+          </p:cNvSpPr>
+          <p:nvPr>
+            <p:ph type="sldNum" sz="quarter" idx="10"/>
+          </p:nvPr>
+        </p:nvSpPr>
+        <p:spPr/>
+        <p:txBody>
+          <a:bodyPr/>
+          <a:lstStyle/>
+          <a:p>
+            <a:pPr>
+              <a:defRPr/>
+            </a:pPr>
+            <a:fld id="{3F4D4738-3197-40DF-973A-B7D4BBB89C36}" type="slidenum">
+              <a:rPr lang="en-AU" smtClean="0"/>
+              <a:pPr>
+                <a:defRPr/>
+              </a:pPr>
+              <a:t>21</a:t>
+            </a:fld>
+            <a:endParaRPr lang="en-AU"/>
+          </a:p>
+        </p:txBody>
+      </p:sp>
+    </p:spTree>
+    <p:extLst>
+      <p:ext uri="{BB962C8B-B14F-4D97-AF65-F5344CB8AC3E}">
+        <p14:creationId xmlns:p14="http://schemas.microsoft.com/office/powerpoint/2010/main" val="2952806242"/>
+      </p:ext>
+    </p:extLst>
   </p:cSld>
   <p:clrMapOvr>
     <a:masterClrMapping/>
@@ -1249,6 +1901,11 @@
         </p:txBody>
       </p:sp>
     </p:spTree>
+    <p:extLst>
+      <p:ext uri="{BB962C8B-B14F-4D97-AF65-F5344CB8AC3E}">
+        <p14:creationId xmlns:p14="http://schemas.microsoft.com/office/powerpoint/2010/main" val="3438315218"/>
+      </p:ext>
+    </p:extLst>
   </p:cSld>
   <p:clrMapOvr>
     <a:masterClrMapping/>
@@ -1336,6 +1993,11 @@
         </p:txBody>
       </p:sp>
     </p:spTree>
+    <p:extLst>
+      <p:ext uri="{BB962C8B-B14F-4D97-AF65-F5344CB8AC3E}">
+        <p14:creationId xmlns:p14="http://schemas.microsoft.com/office/powerpoint/2010/main" val="423910555"/>
+      </p:ext>
+    </p:extLst>
   </p:cSld>
   <p:clrMapOvr>
     <a:masterClrMapping/>
@@ -1416,13 +2078,18 @@
               <a:pPr>
                 <a:defRPr/>
               </a:pPr>
-              <a:t>4</a:t>
+              <a:t>5</a:t>
             </a:fld>
             <a:endParaRPr lang="en-AU"/>
           </a:p>
         </p:txBody>
       </p:sp>
     </p:spTree>
+    <p:extLst>
+      <p:ext uri="{BB962C8B-B14F-4D97-AF65-F5344CB8AC3E}">
+        <p14:creationId xmlns:p14="http://schemas.microsoft.com/office/powerpoint/2010/main" val="49105616"/>
+      </p:ext>
+    </p:extLst>
   </p:cSld>
   <p:clrMapOvr>
     <a:masterClrMapping/>
@@ -1503,13 +2170,18 @@
               <a:pPr>
                 <a:defRPr/>
               </a:pPr>
-              <a:t>5</a:t>
+              <a:t>6</a:t>
             </a:fld>
             <a:endParaRPr lang="en-AU"/>
           </a:p>
         </p:txBody>
       </p:sp>
     </p:spTree>
+    <p:extLst>
+      <p:ext uri="{BB962C8B-B14F-4D97-AF65-F5344CB8AC3E}">
+        <p14:creationId xmlns:p14="http://schemas.microsoft.com/office/powerpoint/2010/main" val="2162901378"/>
+      </p:ext>
+    </p:extLst>
   </p:cSld>
   <p:clrMapOvr>
     <a:masterClrMapping/>
@@ -1536,67 +2208,178 @@
       </p:grpSpPr>
       <p:sp>
         <p:nvSpPr>
-          <p:cNvPr id="2" name="Slide Image Placeholder 1"/>
-          <p:cNvSpPr>
-            <a:spLocks noGrp="1" noRot="1" noChangeAspect="1"/>
+          <p:cNvPr id="119810" name="Rectangle 5"/>
+          <p:cNvSpPr>
+            <a:spLocks noGrp="1" noChangeArrowheads="1"/>
+          </p:cNvSpPr>
+          <p:nvPr>
+            <p:ph type="sldNum" sz="quarter" idx="5"/>
+          </p:nvPr>
+        </p:nvSpPr>
+        <p:spPr>
+          <a:noFill/>
+        </p:spPr>
+        <p:txBody>
+          <a:bodyPr/>
+          <a:lstStyle>
+            <a:lvl1pPr defTabSz="792163">
+              <a:defRPr sz="2000" b="1">
+                <a:solidFill>
+                  <a:schemeClr val="bg1"/>
+                </a:solidFill>
+                <a:latin typeface="Arial" charset="0"/>
+              </a:defRPr>
+            </a:lvl1pPr>
+            <a:lvl2pPr marL="742950" indent="-285750" defTabSz="792163">
+              <a:defRPr sz="2000" b="1">
+                <a:solidFill>
+                  <a:schemeClr val="bg1"/>
+                </a:solidFill>
+                <a:latin typeface="Arial" charset="0"/>
+              </a:defRPr>
+            </a:lvl2pPr>
+            <a:lvl3pPr marL="1143000" indent="-228600" defTabSz="792163">
+              <a:defRPr sz="2000" b="1">
+                <a:solidFill>
+                  <a:schemeClr val="bg1"/>
+                </a:solidFill>
+                <a:latin typeface="Arial" charset="0"/>
+              </a:defRPr>
+            </a:lvl3pPr>
+            <a:lvl4pPr marL="1600200" indent="-228600" defTabSz="792163">
+              <a:defRPr sz="2000" b="1">
+                <a:solidFill>
+                  <a:schemeClr val="bg1"/>
+                </a:solidFill>
+                <a:latin typeface="Arial" charset="0"/>
+              </a:defRPr>
+            </a:lvl4pPr>
+            <a:lvl5pPr marL="2057400" indent="-228600" defTabSz="792163">
+              <a:defRPr sz="2000" b="1">
+                <a:solidFill>
+                  <a:schemeClr val="bg1"/>
+                </a:solidFill>
+                <a:latin typeface="Arial" charset="0"/>
+              </a:defRPr>
+            </a:lvl5pPr>
+            <a:lvl6pPr marL="2514600" indent="-228600" algn="ctr" defTabSz="792163" eaLnBrk="0" fontAlgn="base" hangingPunct="0">
+              <a:spcBef>
+                <a:spcPct val="0"/>
+              </a:spcBef>
+              <a:spcAft>
+                <a:spcPct val="0"/>
+              </a:spcAft>
+              <a:defRPr sz="2000" b="1">
+                <a:solidFill>
+                  <a:schemeClr val="bg1"/>
+                </a:solidFill>
+                <a:latin typeface="Arial" charset="0"/>
+              </a:defRPr>
+            </a:lvl6pPr>
+            <a:lvl7pPr marL="2971800" indent="-228600" algn="ctr" defTabSz="792163" eaLnBrk="0" fontAlgn="base" hangingPunct="0">
+              <a:spcBef>
+                <a:spcPct val="0"/>
+              </a:spcBef>
+              <a:spcAft>
+                <a:spcPct val="0"/>
+              </a:spcAft>
+              <a:defRPr sz="2000" b="1">
+                <a:solidFill>
+                  <a:schemeClr val="bg1"/>
+                </a:solidFill>
+                <a:latin typeface="Arial" charset="0"/>
+              </a:defRPr>
+            </a:lvl7pPr>
+            <a:lvl8pPr marL="3429000" indent="-228600" algn="ctr" defTabSz="792163" eaLnBrk="0" fontAlgn="base" hangingPunct="0">
+              <a:spcBef>
+                <a:spcPct val="0"/>
+              </a:spcBef>
+              <a:spcAft>
+                <a:spcPct val="0"/>
+              </a:spcAft>
+              <a:defRPr sz="2000" b="1">
+                <a:solidFill>
+                  <a:schemeClr val="bg1"/>
+                </a:solidFill>
+                <a:latin typeface="Arial" charset="0"/>
+              </a:defRPr>
+            </a:lvl8pPr>
+            <a:lvl9pPr marL="3886200" indent="-228600" algn="ctr" defTabSz="792163" eaLnBrk="0" fontAlgn="base" hangingPunct="0">
+              <a:spcBef>
+                <a:spcPct val="0"/>
+              </a:spcBef>
+              <a:spcAft>
+                <a:spcPct val="0"/>
+              </a:spcAft>
+              <a:defRPr sz="2000" b="1">
+                <a:solidFill>
+                  <a:schemeClr val="bg1"/>
+                </a:solidFill>
+                <a:latin typeface="Arial" charset="0"/>
+              </a:defRPr>
+            </a:lvl9pPr>
+          </a:lstStyle>
+          <a:p>
+            <a:fld id="{2AE703E8-EB75-456E-BCEE-BB9F70ED8497}" type="slidenum">
+              <a:rPr lang="zh-CN" altLang="en-US" sz="1000" b="0">
+                <a:solidFill>
+                  <a:schemeClr val="tx1"/>
+                </a:solidFill>
+                <a:latin typeface="Times New Roman" pitchFamily="18" charset="0"/>
+              </a:rPr>
+              <a:pPr/>
+              <a:t>7</a:t>
+            </a:fld>
+            <a:endParaRPr lang="en-US" altLang="zh-CN" sz="1000" b="0">
+              <a:solidFill>
+                <a:schemeClr val="tx1"/>
+              </a:solidFill>
+              <a:latin typeface="Times New Roman" pitchFamily="18" charset="0"/>
+            </a:endParaRPr>
+          </a:p>
+        </p:txBody>
+      </p:sp>
+      <p:sp>
+        <p:nvSpPr>
+          <p:cNvPr id="119811" name="Rectangle 2"/>
+          <p:cNvSpPr>
+            <a:spLocks noGrp="1" noRot="1" noChangeAspect="1" noChangeArrowheads="1" noTextEdit="1"/>
           </p:cNvSpPr>
           <p:nvPr>
             <p:ph type="sldImg"/>
           </p:nvPr>
         </p:nvSpPr>
-        <p:spPr/>
-      </p:sp>
-      <p:sp>
-        <p:nvSpPr>
-          <p:cNvPr id="3" name="Notes Placeholder 2"/>
-          <p:cNvSpPr>
-            <a:spLocks noGrp="1"/>
+        <p:spPr>
+          <a:ln/>
+        </p:spPr>
+      </p:sp>
+      <p:sp>
+        <p:nvSpPr>
+          <p:cNvPr id="119812" name="Rectangle 3"/>
+          <p:cNvSpPr>
+            <a:spLocks noGrp="1" noChangeArrowheads="1"/>
           </p:cNvSpPr>
           <p:nvPr>
             <p:ph type="body" idx="1"/>
           </p:nvPr>
         </p:nvSpPr>
-        <p:spPr/>
-        <p:txBody>
-          <a:bodyPr>
-            <a:normAutofit/>
-          </a:bodyPr>
-          <a:lstStyle/>
-          <a:p>
-            <a:endParaRPr lang="en-NZ"/>
-          </a:p>
-        </p:txBody>
-      </p:sp>
-      <p:sp>
-        <p:nvSpPr>
-          <p:cNvPr id="4" name="Slide Number Placeholder 3"/>
-          <p:cNvSpPr>
-            <a:spLocks noGrp="1"/>
-          </p:cNvSpPr>
-          <p:nvPr>
-            <p:ph type="sldNum" sz="quarter" idx="10"/>
-          </p:nvPr>
-        </p:nvSpPr>
-        <p:spPr/>
+        <p:spPr>
+          <a:noFill/>
+        </p:spPr>
         <p:txBody>
           <a:bodyPr/>
           <a:lstStyle/>
           <a:p>
-            <a:pPr>
-              <a:defRPr/>
-            </a:pPr>
-            <a:fld id="{3F4D4738-3197-40DF-973A-B7D4BBB89C36}" type="slidenum">
-              <a:rPr lang="en-AU" smtClean="0"/>
-              <a:pPr>
-                <a:defRPr/>
-              </a:pPr>
-              <a:t>6</a:t>
-            </a:fld>
-            <a:endParaRPr lang="en-AU"/>
+            <a:endParaRPr lang="zh-CN" altLang="en-US" smtClean="0"/>
           </a:p>
         </p:txBody>
       </p:sp>
     </p:spTree>
+    <p:extLst>
+      <p:ext uri="{BB962C8B-B14F-4D97-AF65-F5344CB8AC3E}">
+        <p14:creationId xmlns:p14="http://schemas.microsoft.com/office/powerpoint/2010/main" val="4245649160"/>
+      </p:ext>
+    </p:extLst>
   </p:cSld>
   <p:clrMapOvr>
     <a:masterClrMapping/>
@@ -1623,67 +2406,187 @@
       </p:grpSpPr>
       <p:sp>
         <p:nvSpPr>
-          <p:cNvPr id="2" name="Slide Image Placeholder 1"/>
-          <p:cNvSpPr>
-            <a:spLocks noGrp="1" noRot="1" noChangeAspect="1"/>
+          <p:cNvPr id="120834" name="Rectangle 5"/>
+          <p:cNvSpPr>
+            <a:spLocks noGrp="1" noChangeArrowheads="1"/>
+          </p:cNvSpPr>
+          <p:nvPr>
+            <p:ph type="sldNum" sz="quarter" idx="5"/>
+          </p:nvPr>
+        </p:nvSpPr>
+        <p:spPr>
+          <a:noFill/>
+        </p:spPr>
+        <p:txBody>
+          <a:bodyPr/>
+          <a:lstStyle>
+            <a:lvl1pPr defTabSz="792163">
+              <a:defRPr sz="2000" b="1">
+                <a:solidFill>
+                  <a:schemeClr val="bg1"/>
+                </a:solidFill>
+                <a:latin typeface="Arial" charset="0"/>
+              </a:defRPr>
+            </a:lvl1pPr>
+            <a:lvl2pPr marL="742950" indent="-285750" defTabSz="792163">
+              <a:defRPr sz="2000" b="1">
+                <a:solidFill>
+                  <a:schemeClr val="bg1"/>
+                </a:solidFill>
+                <a:latin typeface="Arial" charset="0"/>
+              </a:defRPr>
+            </a:lvl2pPr>
+            <a:lvl3pPr marL="1143000" indent="-228600" defTabSz="792163">
+              <a:defRPr sz="2000" b="1">
+                <a:solidFill>
+                  <a:schemeClr val="bg1"/>
+                </a:solidFill>
+                <a:latin typeface="Arial" charset="0"/>
+              </a:defRPr>
+            </a:lvl3pPr>
+            <a:lvl4pPr marL="1600200" indent="-228600" defTabSz="792163">
+              <a:defRPr sz="2000" b="1">
+                <a:solidFill>
+                  <a:schemeClr val="bg1"/>
+                </a:solidFill>
+                <a:latin typeface="Arial" charset="0"/>
+              </a:defRPr>
+            </a:lvl4pPr>
+            <a:lvl5pPr marL="2057400" indent="-228600" defTabSz="792163">
+              <a:defRPr sz="2000" b="1">
+                <a:solidFill>
+                  <a:schemeClr val="bg1"/>
+                </a:solidFill>
+                <a:latin typeface="Arial" charset="0"/>
+              </a:defRPr>
+            </a:lvl5pPr>
+            <a:lvl6pPr marL="2514600" indent="-228600" algn="ctr" defTabSz="792163" eaLnBrk="0" fontAlgn="base" hangingPunct="0">
+              <a:spcBef>
+                <a:spcPct val="0"/>
+              </a:spcBef>
+              <a:spcAft>
+                <a:spcPct val="0"/>
+              </a:spcAft>
+              <a:defRPr sz="2000" b="1">
+                <a:solidFill>
+                  <a:schemeClr val="bg1"/>
+                </a:solidFill>
+                <a:latin typeface="Arial" charset="0"/>
+              </a:defRPr>
+            </a:lvl6pPr>
+            <a:lvl7pPr marL="2971800" indent="-228600" algn="ctr" defTabSz="792163" eaLnBrk="0" fontAlgn="base" hangingPunct="0">
+              <a:spcBef>
+                <a:spcPct val="0"/>
+              </a:spcBef>
+              <a:spcAft>
+                <a:spcPct val="0"/>
+              </a:spcAft>
+              <a:defRPr sz="2000" b="1">
+                <a:solidFill>
+                  <a:schemeClr val="bg1"/>
+                </a:solidFill>
+                <a:latin typeface="Arial" charset="0"/>
+              </a:defRPr>
+            </a:lvl7pPr>
+            <a:lvl8pPr marL="3429000" indent="-228600" algn="ctr" defTabSz="792163" eaLnBrk="0" fontAlgn="base" hangingPunct="0">
+              <a:spcBef>
+                <a:spcPct val="0"/>
+              </a:spcBef>
+              <a:spcAft>
+                <a:spcPct val="0"/>
+              </a:spcAft>
+              <a:defRPr sz="2000" b="1">
+                <a:solidFill>
+                  <a:schemeClr val="bg1"/>
+                </a:solidFill>
+                <a:latin typeface="Arial" charset="0"/>
+              </a:defRPr>
+            </a:lvl8pPr>
+            <a:lvl9pPr marL="3886200" indent="-228600" algn="ctr" defTabSz="792163" eaLnBrk="0" fontAlgn="base" hangingPunct="0">
+              <a:spcBef>
+                <a:spcPct val="0"/>
+              </a:spcBef>
+              <a:spcAft>
+                <a:spcPct val="0"/>
+              </a:spcAft>
+              <a:defRPr sz="2000" b="1">
+                <a:solidFill>
+                  <a:schemeClr val="bg1"/>
+                </a:solidFill>
+                <a:latin typeface="Arial" charset="0"/>
+              </a:defRPr>
+            </a:lvl9pPr>
+          </a:lstStyle>
+          <a:p>
+            <a:fld id="{1226FEEC-AF49-4EA4-9B11-451623799C84}" type="slidenum">
+              <a:rPr lang="zh-CN" altLang="en-US" sz="1000" b="0">
+                <a:solidFill>
+                  <a:schemeClr val="tx1"/>
+                </a:solidFill>
+                <a:latin typeface="Times New Roman" pitchFamily="18" charset="0"/>
+              </a:rPr>
+              <a:pPr/>
+              <a:t>8</a:t>
+            </a:fld>
+            <a:endParaRPr lang="en-US" altLang="zh-CN" sz="1000" b="0">
+              <a:solidFill>
+                <a:schemeClr val="tx1"/>
+              </a:solidFill>
+              <a:latin typeface="Times New Roman" pitchFamily="18" charset="0"/>
+            </a:endParaRPr>
+          </a:p>
+        </p:txBody>
+      </p:sp>
+      <p:sp>
+        <p:nvSpPr>
+          <p:cNvPr id="120835" name="Rectangle 2"/>
+          <p:cNvSpPr>
+            <a:spLocks noGrp="1" noRot="1" noChangeAspect="1" noChangeArrowheads="1" noTextEdit="1"/>
           </p:cNvSpPr>
           <p:nvPr>
             <p:ph type="sldImg"/>
           </p:nvPr>
         </p:nvSpPr>
-        <p:spPr/>
-      </p:sp>
-      <p:sp>
-        <p:nvSpPr>
-          <p:cNvPr id="3" name="Notes Placeholder 2"/>
-          <p:cNvSpPr>
-            <a:spLocks noGrp="1"/>
+        <p:spPr>
+          <a:xfrm>
+            <a:off x="1147763" y="687388"/>
+            <a:ext cx="4565650" cy="3425825"/>
+          </a:xfrm>
+          <a:ln/>
+        </p:spPr>
+      </p:sp>
+      <p:sp>
+        <p:nvSpPr>
+          <p:cNvPr id="120836" name="Rectangle 3"/>
+          <p:cNvSpPr>
+            <a:spLocks noGrp="1" noChangeArrowheads="1"/>
           </p:cNvSpPr>
           <p:nvPr>
             <p:ph type="body" idx="1"/>
           </p:nvPr>
         </p:nvSpPr>
-        <p:spPr/>
-        <p:txBody>
-          <a:bodyPr>
-            <a:normAutofit/>
-          </a:bodyPr>
-          <a:lstStyle/>
-          <a:p>
-            <a:endParaRPr lang="en-NZ"/>
-          </a:p>
-        </p:txBody>
-      </p:sp>
-      <p:sp>
-        <p:nvSpPr>
-          <p:cNvPr id="4" name="Slide Number Placeholder 3"/>
-          <p:cNvSpPr>
-            <a:spLocks noGrp="1"/>
-          </p:cNvSpPr>
-          <p:nvPr>
-            <p:ph type="sldNum" sz="quarter" idx="10"/>
-          </p:nvPr>
-        </p:nvSpPr>
-        <p:spPr/>
+        <p:spPr>
+          <a:xfrm>
+            <a:off x="915890" y="4342991"/>
+            <a:ext cx="5026221" cy="4113982"/>
+          </a:xfrm>
+          <a:noFill/>
+        </p:spPr>
         <p:txBody>
           <a:bodyPr/>
           <a:lstStyle/>
           <a:p>
-            <a:pPr>
-              <a:defRPr/>
-            </a:pPr>
-            <a:fld id="{3F4D4738-3197-40DF-973A-B7D4BBB89C36}" type="slidenum">
-              <a:rPr lang="en-AU" smtClean="0"/>
-              <a:pPr>
-                <a:defRPr/>
-              </a:pPr>
-              <a:t>7</a:t>
-            </a:fld>
-            <a:endParaRPr lang="en-AU"/>
+            <a:pPr marL="0" indent="0"/>
+            <a:endParaRPr lang="zh-CN" altLang="en-US" smtClean="0"/>
           </a:p>
         </p:txBody>
       </p:sp>
     </p:spTree>
+    <p:extLst>
+      <p:ext uri="{BB962C8B-B14F-4D97-AF65-F5344CB8AC3E}">
+        <p14:creationId xmlns:p14="http://schemas.microsoft.com/office/powerpoint/2010/main" val="3310624374"/>
+      </p:ext>
+    </p:extLst>
   </p:cSld>
   <p:clrMapOvr>
     <a:masterClrMapping/>
@@ -1710,67 +2613,187 @@
       </p:grpSpPr>
       <p:sp>
         <p:nvSpPr>
-          <p:cNvPr id="2" name="Slide Image Placeholder 1"/>
-          <p:cNvSpPr>
-            <a:spLocks noGrp="1" noRot="1" noChangeAspect="1"/>
+          <p:cNvPr id="121858" name="Rectangle 5"/>
+          <p:cNvSpPr>
+            <a:spLocks noGrp="1" noChangeArrowheads="1"/>
+          </p:cNvSpPr>
+          <p:nvPr>
+            <p:ph type="sldNum" sz="quarter" idx="5"/>
+          </p:nvPr>
+        </p:nvSpPr>
+        <p:spPr>
+          <a:noFill/>
+        </p:spPr>
+        <p:txBody>
+          <a:bodyPr/>
+          <a:lstStyle>
+            <a:lvl1pPr defTabSz="792163">
+              <a:defRPr sz="2000" b="1">
+                <a:solidFill>
+                  <a:schemeClr val="bg1"/>
+                </a:solidFill>
+                <a:latin typeface="Arial" charset="0"/>
+              </a:defRPr>
+            </a:lvl1pPr>
+            <a:lvl2pPr marL="742950" indent="-285750" defTabSz="792163">
+              <a:defRPr sz="2000" b="1">
+                <a:solidFill>
+                  <a:schemeClr val="bg1"/>
+                </a:solidFill>
+                <a:latin typeface="Arial" charset="0"/>
+              </a:defRPr>
+            </a:lvl2pPr>
+            <a:lvl3pPr marL="1143000" indent="-228600" defTabSz="792163">
+              <a:defRPr sz="2000" b="1">
+                <a:solidFill>
+                  <a:schemeClr val="bg1"/>
+                </a:solidFill>
+                <a:latin typeface="Arial" charset="0"/>
+              </a:defRPr>
+            </a:lvl3pPr>
+            <a:lvl4pPr marL="1600200" indent="-228600" defTabSz="792163">
+              <a:defRPr sz="2000" b="1">
+                <a:solidFill>
+                  <a:schemeClr val="bg1"/>
+                </a:solidFill>
+                <a:latin typeface="Arial" charset="0"/>
+              </a:defRPr>
+            </a:lvl4pPr>
+            <a:lvl5pPr marL="2057400" indent="-228600" defTabSz="792163">
+              <a:defRPr sz="2000" b="1">
+                <a:solidFill>
+                  <a:schemeClr val="bg1"/>
+                </a:solidFill>
+                <a:latin typeface="Arial" charset="0"/>
+              </a:defRPr>
+            </a:lvl5pPr>
+            <a:lvl6pPr marL="2514600" indent="-228600" algn="ctr" defTabSz="792163" eaLnBrk="0" fontAlgn="base" hangingPunct="0">
+              <a:spcBef>
+                <a:spcPct val="0"/>
+              </a:spcBef>
+              <a:spcAft>
+                <a:spcPct val="0"/>
+              </a:spcAft>
+              <a:defRPr sz="2000" b="1">
+                <a:solidFill>
+                  <a:schemeClr val="bg1"/>
+                </a:solidFill>
+                <a:latin typeface="Arial" charset="0"/>
+              </a:defRPr>
+            </a:lvl6pPr>
+            <a:lvl7pPr marL="2971800" indent="-228600" algn="ctr" defTabSz="792163" eaLnBrk="0" fontAlgn="base" hangingPunct="0">
+              <a:spcBef>
+                <a:spcPct val="0"/>
+              </a:spcBef>
+              <a:spcAft>
+                <a:spcPct val="0"/>
+              </a:spcAft>
+              <a:defRPr sz="2000" b="1">
+                <a:solidFill>
+                  <a:schemeClr val="bg1"/>
+                </a:solidFill>
+                <a:latin typeface="Arial" charset="0"/>
+              </a:defRPr>
+            </a:lvl7pPr>
+            <a:lvl8pPr marL="3429000" indent="-228600" algn="ctr" defTabSz="792163" eaLnBrk="0" fontAlgn="base" hangingPunct="0">
+              <a:spcBef>
+                <a:spcPct val="0"/>
+              </a:spcBef>
+              <a:spcAft>
+                <a:spcPct val="0"/>
+              </a:spcAft>
+              <a:defRPr sz="2000" b="1">
+                <a:solidFill>
+                  <a:schemeClr val="bg1"/>
+                </a:solidFill>
+                <a:latin typeface="Arial" charset="0"/>
+              </a:defRPr>
+            </a:lvl8pPr>
+            <a:lvl9pPr marL="3886200" indent="-228600" algn="ctr" defTabSz="792163" eaLnBrk="0" fontAlgn="base" hangingPunct="0">
+              <a:spcBef>
+                <a:spcPct val="0"/>
+              </a:spcBef>
+              <a:spcAft>
+                <a:spcPct val="0"/>
+              </a:spcAft>
+              <a:defRPr sz="2000" b="1">
+                <a:solidFill>
+                  <a:schemeClr val="bg1"/>
+                </a:solidFill>
+                <a:latin typeface="Arial" charset="0"/>
+              </a:defRPr>
+            </a:lvl9pPr>
+          </a:lstStyle>
+          <a:p>
+            <a:fld id="{6BE59985-0397-44F7-A47B-2EC1BC77B93F}" type="slidenum">
+              <a:rPr lang="zh-CN" altLang="en-US" sz="1000" b="0">
+                <a:solidFill>
+                  <a:schemeClr val="tx1"/>
+                </a:solidFill>
+                <a:latin typeface="Times New Roman" pitchFamily="18" charset="0"/>
+              </a:rPr>
+              <a:pPr/>
+              <a:t>9</a:t>
+            </a:fld>
+            <a:endParaRPr lang="en-US" altLang="zh-CN" sz="1000" b="0">
+              <a:solidFill>
+                <a:schemeClr val="tx1"/>
+              </a:solidFill>
+              <a:latin typeface="Times New Roman" pitchFamily="18" charset="0"/>
+            </a:endParaRPr>
+          </a:p>
+        </p:txBody>
+      </p:sp>
+      <p:sp>
+        <p:nvSpPr>
+          <p:cNvPr id="121859" name="Rectangle 2"/>
+          <p:cNvSpPr>
+            <a:spLocks noGrp="1" noRot="1" noChangeAspect="1" noChangeArrowheads="1" noTextEdit="1"/>
           </p:cNvSpPr>
           <p:nvPr>
             <p:ph type="sldImg"/>
           </p:nvPr>
         </p:nvSpPr>
-        <p:spPr/>
-      </p:sp>
-      <p:sp>
-        <p:nvSpPr>
-          <p:cNvPr id="3" name="Notes Placeholder 2"/>
-          <p:cNvSpPr>
-            <a:spLocks noGrp="1"/>
+        <p:spPr>
+          <a:xfrm>
+            <a:off x="1147763" y="687388"/>
+            <a:ext cx="4565650" cy="3425825"/>
+          </a:xfrm>
+          <a:ln/>
+        </p:spPr>
+      </p:sp>
+      <p:sp>
+        <p:nvSpPr>
+          <p:cNvPr id="121860" name="Rectangle 3"/>
+          <p:cNvSpPr>
+            <a:spLocks noGrp="1" noChangeArrowheads="1"/>
           </p:cNvSpPr>
           <p:nvPr>
             <p:ph type="body" idx="1"/>
           </p:nvPr>
         </p:nvSpPr>
-        <p:spPr/>
-        <p:txBody>
-          <a:bodyPr>
-            <a:normAutofit/>
-          </a:bodyPr>
-          <a:lstStyle/>
-          <a:p>
-            <a:endParaRPr lang="en-NZ"/>
-          </a:p>
-        </p:txBody>
-      </p:sp>
-      <p:sp>
-        <p:nvSpPr>
-          <p:cNvPr id="4" name="Slide Number Placeholder 3"/>
-          <p:cNvSpPr>
-            <a:spLocks noGrp="1"/>
-          </p:cNvSpPr>
-          <p:nvPr>
-            <p:ph type="sldNum" sz="quarter" idx="10"/>
-          </p:nvPr>
-        </p:nvSpPr>
-        <p:spPr/>
+        <p:spPr>
+          <a:xfrm>
+            <a:off x="915890" y="4342991"/>
+            <a:ext cx="5026221" cy="4113982"/>
+          </a:xfrm>
+          <a:noFill/>
+        </p:spPr>
         <p:txBody>
           <a:bodyPr/>
           <a:lstStyle/>
           <a:p>
-            <a:pPr>
-              <a:defRPr/>
-            </a:pPr>
-            <a:fld id="{3F4D4738-3197-40DF-973A-B7D4BBB89C36}" type="slidenum">
-              <a:rPr lang="en-AU" smtClean="0"/>
-              <a:pPr>
-                <a:defRPr/>
-              </a:pPr>
-              <a:t>8</a:t>
-            </a:fld>
-            <a:endParaRPr lang="en-AU"/>
+            <a:pPr marL="0" indent="0"/>
+            <a:endParaRPr lang="zh-CN" altLang="en-US" smtClean="0"/>
           </a:p>
         </p:txBody>
       </p:sp>
     </p:spTree>
+    <p:extLst>
+      <p:ext uri="{BB962C8B-B14F-4D97-AF65-F5344CB8AC3E}">
+        <p14:creationId xmlns:p14="http://schemas.microsoft.com/office/powerpoint/2010/main" val="2881566636"/>
+      </p:ext>
+    </p:extLst>
   </p:cSld>
   <p:clrMapOvr>
     <a:masterClrMapping/>
@@ -1797,67 +2820,178 @@
       </p:grpSpPr>
       <p:sp>
         <p:nvSpPr>
-          <p:cNvPr id="2" name="Slide Image Placeholder 1"/>
-          <p:cNvSpPr>
-            <a:spLocks noGrp="1" noRot="1" noChangeAspect="1"/>
+          <p:cNvPr id="122882" name="Rectangle 5"/>
+          <p:cNvSpPr>
+            <a:spLocks noGrp="1" noChangeArrowheads="1"/>
+          </p:cNvSpPr>
+          <p:nvPr>
+            <p:ph type="sldNum" sz="quarter" idx="5"/>
+          </p:nvPr>
+        </p:nvSpPr>
+        <p:spPr>
+          <a:noFill/>
+        </p:spPr>
+        <p:txBody>
+          <a:bodyPr/>
+          <a:lstStyle>
+            <a:lvl1pPr defTabSz="792163">
+              <a:defRPr sz="2000" b="1">
+                <a:solidFill>
+                  <a:schemeClr val="bg1"/>
+                </a:solidFill>
+                <a:latin typeface="Arial" charset="0"/>
+              </a:defRPr>
+            </a:lvl1pPr>
+            <a:lvl2pPr marL="742950" indent="-285750" defTabSz="792163">
+              <a:defRPr sz="2000" b="1">
+                <a:solidFill>
+                  <a:schemeClr val="bg1"/>
+                </a:solidFill>
+                <a:latin typeface="Arial" charset="0"/>
+              </a:defRPr>
+            </a:lvl2pPr>
+            <a:lvl3pPr marL="1143000" indent="-228600" defTabSz="792163">
+              <a:defRPr sz="2000" b="1">
+                <a:solidFill>
+                  <a:schemeClr val="bg1"/>
+                </a:solidFill>
+                <a:latin typeface="Arial" charset="0"/>
+              </a:defRPr>
+            </a:lvl3pPr>
+            <a:lvl4pPr marL="1600200" indent="-228600" defTabSz="792163">
+              <a:defRPr sz="2000" b="1">
+                <a:solidFill>
+                  <a:schemeClr val="bg1"/>
+                </a:solidFill>
+                <a:latin typeface="Arial" charset="0"/>
+              </a:defRPr>
+            </a:lvl4pPr>
+            <a:lvl5pPr marL="2057400" indent="-228600" defTabSz="792163">
+              <a:defRPr sz="2000" b="1">
+                <a:solidFill>
+                  <a:schemeClr val="bg1"/>
+                </a:solidFill>
+                <a:latin typeface="Arial" charset="0"/>
+              </a:defRPr>
+            </a:lvl5pPr>
+            <a:lvl6pPr marL="2514600" indent="-228600" algn="ctr" defTabSz="792163" eaLnBrk="0" fontAlgn="base" hangingPunct="0">
+              <a:spcBef>
+                <a:spcPct val="0"/>
+              </a:spcBef>
+              <a:spcAft>
+                <a:spcPct val="0"/>
+              </a:spcAft>
+              <a:defRPr sz="2000" b="1">
+                <a:solidFill>
+                  <a:schemeClr val="bg1"/>
+                </a:solidFill>
+                <a:latin typeface="Arial" charset="0"/>
+              </a:defRPr>
+            </a:lvl6pPr>
+            <a:lvl7pPr marL="2971800" indent="-228600" algn="ctr" defTabSz="792163" eaLnBrk="0" fontAlgn="base" hangingPunct="0">
+              <a:spcBef>
+                <a:spcPct val="0"/>
+              </a:spcBef>
+              <a:spcAft>
+                <a:spcPct val="0"/>
+              </a:spcAft>
+              <a:defRPr sz="2000" b="1">
+                <a:solidFill>
+                  <a:schemeClr val="bg1"/>
+                </a:solidFill>
+                <a:latin typeface="Arial" charset="0"/>
+              </a:defRPr>
+            </a:lvl7pPr>
+            <a:lvl8pPr marL="3429000" indent="-228600" algn="ctr" defTabSz="792163" eaLnBrk="0" fontAlgn="base" hangingPunct="0">
+              <a:spcBef>
+                <a:spcPct val="0"/>
+              </a:spcBef>
+              <a:spcAft>
+                <a:spcPct val="0"/>
+              </a:spcAft>
+              <a:defRPr sz="2000" b="1">
+                <a:solidFill>
+                  <a:schemeClr val="bg1"/>
+                </a:solidFill>
+                <a:latin typeface="Arial" charset="0"/>
+              </a:defRPr>
+            </a:lvl8pPr>
+            <a:lvl9pPr marL="3886200" indent="-228600" algn="ctr" defTabSz="792163" eaLnBrk="0" fontAlgn="base" hangingPunct="0">
+              <a:spcBef>
+                <a:spcPct val="0"/>
+              </a:spcBef>
+              <a:spcAft>
+                <a:spcPct val="0"/>
+              </a:spcAft>
+              <a:defRPr sz="2000" b="1">
+                <a:solidFill>
+                  <a:schemeClr val="bg1"/>
+                </a:solidFill>
+                <a:latin typeface="Arial" charset="0"/>
+              </a:defRPr>
+            </a:lvl9pPr>
+          </a:lstStyle>
+          <a:p>
+            <a:fld id="{27A08AAD-4000-4606-9FF6-AEE2AB8E59E8}" type="slidenum">
+              <a:rPr lang="zh-CN" altLang="en-US" sz="1000" b="0">
+                <a:solidFill>
+                  <a:schemeClr val="tx1"/>
+                </a:solidFill>
+                <a:latin typeface="Times New Roman" pitchFamily="18" charset="0"/>
+              </a:rPr>
+              <a:pPr/>
+              <a:t>10</a:t>
+            </a:fld>
+            <a:endParaRPr lang="en-US" altLang="zh-CN" sz="1000" b="0">
+              <a:solidFill>
+                <a:schemeClr val="tx1"/>
+              </a:solidFill>
+              <a:latin typeface="Times New Roman" pitchFamily="18" charset="0"/>
+            </a:endParaRPr>
+          </a:p>
+        </p:txBody>
+      </p:sp>
+      <p:sp>
+        <p:nvSpPr>
+          <p:cNvPr id="122883" name="Rectangle 2"/>
+          <p:cNvSpPr>
+            <a:spLocks noGrp="1" noRot="1" noChangeAspect="1" noChangeArrowheads="1" noTextEdit="1"/>
           </p:cNvSpPr>
           <p:nvPr>
             <p:ph type="sldImg"/>
           </p:nvPr>
         </p:nvSpPr>
-        <p:spPr/>
-      </p:sp>
-      <p:sp>
-        <p:nvSpPr>
-          <p:cNvPr id="3" name="Notes Placeholder 2"/>
-          <p:cNvSpPr>
-            <a:spLocks noGrp="1"/>
+        <p:spPr>
+          <a:ln/>
+        </p:spPr>
+      </p:sp>
+      <p:sp>
+        <p:nvSpPr>
+          <p:cNvPr id="122884" name="Rectangle 3"/>
+          <p:cNvSpPr>
+            <a:spLocks noGrp="1" noChangeArrowheads="1"/>
           </p:cNvSpPr>
           <p:nvPr>
             <p:ph type="body" idx="1"/>
           </p:nvPr>
         </p:nvSpPr>
-        <p:spPr/>
-        <p:txBody>
-          <a:bodyPr>
-            <a:normAutofit/>
-          </a:bodyPr>
-          <a:lstStyle/>
-          <a:p>
-            <a:endParaRPr lang="en-NZ"/>
-          </a:p>
-        </p:txBody>
-      </p:sp>
-      <p:sp>
-        <p:nvSpPr>
-          <p:cNvPr id="4" name="Slide Number Placeholder 3"/>
-          <p:cNvSpPr>
-            <a:spLocks noGrp="1"/>
-          </p:cNvSpPr>
-          <p:nvPr>
-            <p:ph type="sldNum" sz="quarter" idx="10"/>
-          </p:nvPr>
-        </p:nvSpPr>
-        <p:spPr/>
+        <p:spPr>
+          <a:noFill/>
+        </p:spPr>
         <p:txBody>
           <a:bodyPr/>
           <a:lstStyle/>
           <a:p>
-            <a:pPr>
-              <a:defRPr/>
-            </a:pPr>
-            <a:fld id="{3F4D4738-3197-40DF-973A-B7D4BBB89C36}" type="slidenum">
-              <a:rPr lang="en-AU" smtClean="0"/>
-              <a:pPr>
-                <a:defRPr/>
-              </a:pPr>
-              <a:t>9</a:t>
-            </a:fld>
-            <a:endParaRPr lang="en-AU"/>
+            <a:endParaRPr lang="zh-CN" altLang="en-US" smtClean="0"/>
           </a:p>
         </p:txBody>
       </p:sp>
     </p:spTree>
+    <p:extLst>
+      <p:ext uri="{BB962C8B-B14F-4D97-AF65-F5344CB8AC3E}">
+        <p14:creationId xmlns:p14="http://schemas.microsoft.com/office/powerpoint/2010/main" val="3691741321"/>
+      </p:ext>
+    </p:extLst>
   </p:cSld>
   <p:clrMapOvr>
     <a:masterClrMapping/>
@@ -2136,7 +3270,7 @@
                 </a:solidFill>
               </a:rPr>
               <a:pPr algn="ctr"/>
-              <a:t>3/26/2014</a:t>
+              <a:t>3/15/2015</a:t>
             </a:fld>
             <a:endParaRPr lang="en-US" sz="2000" dirty="0">
               <a:solidFill>
@@ -2605,7 +3739,7 @@
             <a:fld id="{1AD18AD3-3CE8-43DF-9519-0CE09E5A5B13}" type="datetime1">
               <a:rPr lang="en-US" smtClean="0"/>
               <a:pPr/>
-              <a:t>3/26/2014</a:t>
+              <a:t>3/15/2015</a:t>
             </a:fld>
             <a:endParaRPr lang="en-US"/>
           </a:p>
@@ -3105,7 +4239,7 @@
             <a:fld id="{A4F74A13-0F99-4BDF-830A-2C64F08FBEA2}" type="datetime1">
               <a:rPr lang="en-US" smtClean="0"/>
               <a:pPr/>
-              <a:t>3/26/2014</a:t>
+              <a:t>3/15/2015</a:t>
             </a:fld>
             <a:endParaRPr lang="en-US"/>
           </a:p>
@@ -3369,7 +4503,7 @@
             <a:fld id="{AAD27745-9C0E-4338-8AE1-C73B2B0AE541}" type="datetime1">
               <a:rPr lang="en-US" smtClean="0"/>
               <a:pPr/>
-              <a:t>3/26/2014</a:t>
+              <a:t>3/15/2015</a:t>
             </a:fld>
             <a:endParaRPr lang="en-US"/>
           </a:p>
@@ -3625,7 +4759,7 @@
             <a:fld id="{AB7A63FC-A3AF-487E-B6EE-07AF4A4C83CD}" type="datetime1">
               <a:rPr lang="en-US" smtClean="0"/>
               <a:pPr/>
-              <a:t>3/26/2014</a:t>
+              <a:t>3/15/2015</a:t>
             </a:fld>
             <a:endParaRPr lang="en-US"/>
           </a:p>
@@ -3839,7 +4973,7 @@
             <a:fld id="{072F2C37-0788-4C48-A1F0-02CF2F89760A}" type="datetime1">
               <a:rPr lang="en-US" smtClean="0"/>
               <a:pPr/>
-              <a:t>3/26/2014</a:t>
+              <a:t>3/15/2015</a:t>
             </a:fld>
             <a:endParaRPr lang="en-US"/>
           </a:p>
@@ -3944,7 +5078,7 @@
             <a:fld id="{1971D7C2-ECDD-4253-A46B-5D73BD5CD815}" type="datetime1">
               <a:rPr lang="en-US" smtClean="0"/>
               <a:pPr/>
-              <a:t>3/26/2014</a:t>
+              <a:t>3/15/2015</a:t>
             </a:fld>
             <a:endParaRPr lang="en-US"/>
           </a:p>
@@ -4096,7 +5230,7 @@
             <a:fld id="{CE9E1F25-5926-42E7-9751-02D2D00C352F}" type="datetime1">
               <a:rPr lang="en-US" smtClean="0"/>
               <a:pPr/>
-              <a:t>3/26/2014</a:t>
+              <a:t>3/15/2015</a:t>
             </a:fld>
             <a:endParaRPr lang="en-US"/>
           </a:p>
@@ -4684,7 +5818,7 @@
             <a:fld id="{E3965B5F-D443-40C1-9BB4-E8FD76C1056C}" type="datetime1">
               <a:rPr lang="en-US" smtClean="0"/>
               <a:pPr/>
-              <a:t>3/26/2014</a:t>
+              <a:t>3/15/2015</a:t>
             </a:fld>
             <a:endParaRPr lang="en-US"/>
           </a:p>
@@ -4884,7 +6018,7 @@
             <a:fld id="{A9F4B5FD-BA4E-4BA2-81DF-2BA71E9EE121}" type="datetime1">
               <a:rPr lang="en-US" smtClean="0"/>
               <a:pPr/>
-              <a:t>3/26/2014</a:t>
+              <a:t>3/15/2015</a:t>
             </a:fld>
             <a:endParaRPr lang="en-US" sz="1400" dirty="0">
               <a:solidFill>
@@ -5612,513 +6746,109 @@
           <a:chExt cx="0" cy="0"/>
         </a:xfrm>
       </p:grpSpPr>
-      <p:sp>
-        <p:nvSpPr>
-          <p:cNvPr id="2" name="Title 1"/>
-          <p:cNvSpPr>
-            <a:spLocks noGrp="1"/>
-          </p:cNvSpPr>
-          <p:nvPr>
-            <p:ph type="title"/>
-          </p:nvPr>
-        </p:nvSpPr>
-        <p:spPr/>
-        <p:txBody>
-          <a:bodyPr/>
-          <a:lstStyle/>
-          <a:p>
-            <a:r>
-              <a:rPr lang="en-NZ" dirty="0" smtClean="0"/>
-              <a:t>Echo Client</a:t>
-            </a:r>
-            <a:endParaRPr lang="en-NZ" dirty="0"/>
-          </a:p>
-        </p:txBody>
-      </p:sp>
-      <p:sp>
-        <p:nvSpPr>
-          <p:cNvPr id="4" name="Content Placeholder 3"/>
-          <p:cNvSpPr>
-            <a:spLocks noGrp="1"/>
-          </p:cNvSpPr>
-          <p:nvPr>
-            <p:ph sz="quarter" idx="13"/>
-          </p:nvPr>
-        </p:nvSpPr>
-        <p:spPr/>
-        <p:txBody>
-          <a:bodyPr>
-            <a:normAutofit/>
-          </a:bodyPr>
-          <a:lstStyle/>
-          <a:p>
-            <a:pPr>
-              <a:buNone/>
-            </a:pPr>
-            <a:r>
-              <a:rPr lang="en-NZ" sz="1400" dirty="0" smtClean="0">
-                <a:solidFill>
-                  <a:srgbClr val="000000"/>
-                </a:solidFill>
-                <a:latin typeface="Consolas" pitchFamily="49" charset="0"/>
-              </a:rPr>
-              <a:t>Socket client = </a:t>
-            </a:r>
-            <a:r>
-              <a:rPr lang="en-NZ" sz="1400" dirty="0" smtClean="0">
-                <a:solidFill>
-                  <a:srgbClr val="7F0055"/>
-                </a:solidFill>
-                <a:latin typeface="Consolas" pitchFamily="49" charset="0"/>
-              </a:rPr>
-              <a:t>new</a:t>
-            </a:r>
-            <a:r>
-              <a:rPr lang="en-NZ" sz="1400" dirty="0" smtClean="0">
-                <a:solidFill>
-                  <a:srgbClr val="000000"/>
-                </a:solidFill>
-                <a:latin typeface="Consolas" pitchFamily="49" charset="0"/>
-              </a:rPr>
-              <a:t> Socket(</a:t>
-            </a:r>
-            <a:r>
-              <a:rPr lang="en-NZ" sz="1400" dirty="0" smtClean="0">
-                <a:solidFill>
-                  <a:srgbClr val="2A00FF"/>
-                </a:solidFill>
-                <a:latin typeface="Consolas" pitchFamily="49" charset="0"/>
-              </a:rPr>
-              <a:t>"localhost"</a:t>
-            </a:r>
-            <a:r>
-              <a:rPr lang="en-NZ" sz="1400" dirty="0" smtClean="0">
-                <a:solidFill>
-                  <a:srgbClr val="000000"/>
-                </a:solidFill>
-                <a:latin typeface="Consolas" pitchFamily="49" charset="0"/>
-              </a:rPr>
-              <a:t>,5000);</a:t>
-            </a:r>
-          </a:p>
-          <a:p>
-            <a:pPr>
-              <a:buNone/>
-            </a:pPr>
-            <a:r>
-              <a:rPr lang="en-NZ" sz="1400" dirty="0" smtClean="0">
-                <a:solidFill>
-                  <a:srgbClr val="000000"/>
-                </a:solidFill>
-                <a:latin typeface="Consolas" pitchFamily="49" charset="0"/>
-              </a:rPr>
-              <a:t>            </a:t>
-            </a:r>
-          </a:p>
-          <a:p>
-            <a:pPr>
-              <a:buNone/>
-            </a:pPr>
-            <a:r>
-              <a:rPr lang="en-NZ" sz="1400" dirty="0" err="1" smtClean="0">
-                <a:solidFill>
-                  <a:srgbClr val="000000"/>
-                </a:solidFill>
-                <a:latin typeface="Consolas" pitchFamily="49" charset="0"/>
-              </a:rPr>
-              <a:t>DataOutputStream</a:t>
-            </a:r>
-            <a:r>
-              <a:rPr lang="en-NZ" sz="1400" dirty="0" smtClean="0">
-                <a:solidFill>
-                  <a:srgbClr val="000000"/>
-                </a:solidFill>
-                <a:latin typeface="Consolas" pitchFamily="49" charset="0"/>
-              </a:rPr>
-              <a:t> dos = </a:t>
-            </a:r>
-            <a:r>
-              <a:rPr lang="en-NZ" sz="1400" dirty="0" smtClean="0">
-                <a:solidFill>
-                  <a:srgbClr val="7F0055"/>
-                </a:solidFill>
-                <a:latin typeface="Consolas" pitchFamily="49" charset="0"/>
-              </a:rPr>
-              <a:t>new</a:t>
-            </a:r>
-            <a:r>
-              <a:rPr lang="en-NZ" sz="1400" dirty="0" smtClean="0">
-                <a:solidFill>
-                  <a:srgbClr val="000000"/>
-                </a:solidFill>
-                <a:latin typeface="Consolas" pitchFamily="49" charset="0"/>
-              </a:rPr>
-              <a:t> </a:t>
-            </a:r>
-            <a:r>
-              <a:rPr lang="en-NZ" sz="1400" dirty="0" err="1" smtClean="0">
-                <a:solidFill>
-                  <a:srgbClr val="000000"/>
-                </a:solidFill>
-                <a:latin typeface="Consolas" pitchFamily="49" charset="0"/>
-              </a:rPr>
-              <a:t>DataOutputStream</a:t>
-            </a:r>
-            <a:r>
-              <a:rPr lang="en-NZ" sz="1400" dirty="0" smtClean="0">
-                <a:solidFill>
-                  <a:srgbClr val="000000"/>
-                </a:solidFill>
-                <a:latin typeface="Consolas" pitchFamily="49" charset="0"/>
-              </a:rPr>
-              <a:t>(</a:t>
-            </a:r>
-            <a:r>
-              <a:rPr lang="en-NZ" sz="1400" dirty="0" err="1" smtClean="0">
-                <a:solidFill>
-                  <a:srgbClr val="000000"/>
-                </a:solidFill>
-                <a:latin typeface="Consolas" pitchFamily="49" charset="0"/>
-              </a:rPr>
-              <a:t>client.getOutputStream</a:t>
-            </a:r>
-            <a:r>
-              <a:rPr lang="en-NZ" sz="1400" dirty="0" smtClean="0">
-                <a:solidFill>
-                  <a:srgbClr val="000000"/>
-                </a:solidFill>
-                <a:latin typeface="Consolas" pitchFamily="49" charset="0"/>
-              </a:rPr>
-              <a:t>());</a:t>
-            </a:r>
-          </a:p>
-          <a:p>
-            <a:pPr>
-              <a:buNone/>
-            </a:pPr>
-            <a:r>
-              <a:rPr lang="en-NZ" sz="1400" dirty="0" err="1" smtClean="0">
-                <a:solidFill>
-                  <a:srgbClr val="000000"/>
-                </a:solidFill>
-                <a:latin typeface="Consolas" pitchFamily="49" charset="0"/>
-              </a:rPr>
-              <a:t>DataInputStream</a:t>
-            </a:r>
-            <a:r>
-              <a:rPr lang="en-NZ" sz="1400" dirty="0" smtClean="0">
-                <a:solidFill>
-                  <a:srgbClr val="000000"/>
-                </a:solidFill>
-                <a:latin typeface="Consolas" pitchFamily="49" charset="0"/>
-              </a:rPr>
-              <a:t> </a:t>
-            </a:r>
-            <a:r>
-              <a:rPr lang="en-NZ" sz="1400" dirty="0" err="1" smtClean="0">
-                <a:solidFill>
-                  <a:srgbClr val="000000"/>
-                </a:solidFill>
-                <a:latin typeface="Consolas" pitchFamily="49" charset="0"/>
-              </a:rPr>
-              <a:t>dis</a:t>
-            </a:r>
-            <a:r>
-              <a:rPr lang="en-NZ" sz="1400" dirty="0" smtClean="0">
-                <a:solidFill>
-                  <a:srgbClr val="000000"/>
-                </a:solidFill>
-                <a:latin typeface="Consolas" pitchFamily="49" charset="0"/>
-              </a:rPr>
-              <a:t> = </a:t>
-            </a:r>
-            <a:r>
-              <a:rPr lang="en-NZ" sz="1400" dirty="0" smtClean="0">
-                <a:solidFill>
-                  <a:srgbClr val="7F0055"/>
-                </a:solidFill>
-                <a:latin typeface="Consolas" pitchFamily="49" charset="0"/>
-              </a:rPr>
-              <a:t>new</a:t>
-            </a:r>
-            <a:r>
-              <a:rPr lang="en-NZ" sz="1400" dirty="0" smtClean="0">
-                <a:solidFill>
-                  <a:srgbClr val="000000"/>
-                </a:solidFill>
-                <a:latin typeface="Consolas" pitchFamily="49" charset="0"/>
-              </a:rPr>
-              <a:t> </a:t>
-            </a:r>
-            <a:r>
-              <a:rPr lang="en-NZ" sz="1400" dirty="0" err="1" smtClean="0">
-                <a:solidFill>
-                  <a:srgbClr val="000000"/>
-                </a:solidFill>
-                <a:latin typeface="Consolas" pitchFamily="49" charset="0"/>
-              </a:rPr>
-              <a:t>DataInputStream</a:t>
-            </a:r>
-            <a:r>
-              <a:rPr lang="en-NZ" sz="1400" dirty="0" smtClean="0">
-                <a:solidFill>
-                  <a:srgbClr val="000000"/>
-                </a:solidFill>
-                <a:latin typeface="Consolas" pitchFamily="49" charset="0"/>
-              </a:rPr>
-              <a:t>(</a:t>
-            </a:r>
-            <a:r>
-              <a:rPr lang="en-NZ" sz="1400" dirty="0" err="1" smtClean="0">
-                <a:solidFill>
-                  <a:srgbClr val="000000"/>
-                </a:solidFill>
-                <a:latin typeface="Consolas" pitchFamily="49" charset="0"/>
-              </a:rPr>
-              <a:t>client.getInputStream</a:t>
-            </a:r>
-            <a:r>
-              <a:rPr lang="en-NZ" sz="1400" dirty="0" smtClean="0">
-                <a:solidFill>
-                  <a:srgbClr val="000000"/>
-                </a:solidFill>
-                <a:latin typeface="Consolas" pitchFamily="49" charset="0"/>
-              </a:rPr>
-              <a:t>());</a:t>
-            </a:r>
-          </a:p>
-          <a:p>
-            <a:pPr>
-              <a:buNone/>
-            </a:pPr>
-            <a:r>
-              <a:rPr lang="en-NZ" sz="1400" dirty="0" smtClean="0">
-                <a:solidFill>
-                  <a:srgbClr val="000000"/>
-                </a:solidFill>
-                <a:latin typeface="Consolas" pitchFamily="49" charset="0"/>
-              </a:rPr>
-              <a:t>            </a:t>
-            </a:r>
-          </a:p>
-          <a:p>
-            <a:pPr>
-              <a:buNone/>
-            </a:pPr>
-            <a:r>
-              <a:rPr lang="en-NZ" sz="1400" dirty="0" err="1" smtClean="0">
-                <a:solidFill>
-                  <a:srgbClr val="000000"/>
-                </a:solidFill>
-                <a:latin typeface="Consolas" pitchFamily="49" charset="0"/>
-              </a:rPr>
-              <a:t>dos.writeUTF</a:t>
-            </a:r>
-            <a:r>
-              <a:rPr lang="en-NZ" sz="1400" dirty="0" smtClean="0">
-                <a:solidFill>
-                  <a:srgbClr val="000000"/>
-                </a:solidFill>
-                <a:latin typeface="Consolas" pitchFamily="49" charset="0"/>
-              </a:rPr>
-              <a:t>(</a:t>
-            </a:r>
-            <a:r>
-              <a:rPr lang="en-NZ" sz="1400" dirty="0" smtClean="0">
-                <a:solidFill>
-                  <a:srgbClr val="2A00FF"/>
-                </a:solidFill>
-                <a:latin typeface="Consolas" pitchFamily="49" charset="0"/>
-              </a:rPr>
-              <a:t>"Test Message"</a:t>
-            </a:r>
-            <a:r>
-              <a:rPr lang="en-NZ" sz="1400" dirty="0" smtClean="0">
-                <a:solidFill>
-                  <a:srgbClr val="000000"/>
-                </a:solidFill>
-                <a:latin typeface="Consolas" pitchFamily="49" charset="0"/>
-              </a:rPr>
-              <a:t>);</a:t>
-            </a:r>
-          </a:p>
-          <a:p>
-            <a:pPr>
-              <a:buNone/>
-            </a:pPr>
-            <a:r>
-              <a:rPr lang="en-NZ" sz="1400" dirty="0" smtClean="0">
-                <a:solidFill>
-                  <a:srgbClr val="000000"/>
-                </a:solidFill>
-                <a:latin typeface="Consolas" pitchFamily="49" charset="0"/>
-              </a:rPr>
-              <a:t>            </a:t>
-            </a:r>
-          </a:p>
-          <a:p>
-            <a:pPr>
-              <a:buNone/>
-            </a:pPr>
-            <a:r>
-              <a:rPr lang="en-NZ" sz="1400" dirty="0" smtClean="0">
-                <a:solidFill>
-                  <a:srgbClr val="000000"/>
-                </a:solidFill>
-                <a:latin typeface="Consolas" pitchFamily="49" charset="0"/>
-              </a:rPr>
-              <a:t>String </a:t>
-            </a:r>
-            <a:r>
-              <a:rPr lang="en-NZ" sz="1400" dirty="0" err="1" smtClean="0">
-                <a:solidFill>
-                  <a:srgbClr val="000000"/>
-                </a:solidFill>
-                <a:latin typeface="Consolas" pitchFamily="49" charset="0"/>
-              </a:rPr>
-              <a:t>resp</a:t>
-            </a:r>
-            <a:r>
-              <a:rPr lang="en-NZ" sz="1400" dirty="0" smtClean="0">
-                <a:solidFill>
-                  <a:srgbClr val="000000"/>
-                </a:solidFill>
-                <a:latin typeface="Consolas" pitchFamily="49" charset="0"/>
-              </a:rPr>
-              <a:t> = </a:t>
-            </a:r>
-            <a:r>
-              <a:rPr lang="en-NZ" sz="1400" dirty="0" err="1" smtClean="0">
-                <a:solidFill>
-                  <a:srgbClr val="000000"/>
-                </a:solidFill>
-                <a:latin typeface="Consolas" pitchFamily="49" charset="0"/>
-              </a:rPr>
-              <a:t>dis.readUTF</a:t>
-            </a:r>
-            <a:r>
-              <a:rPr lang="en-NZ" sz="1400" dirty="0" smtClean="0">
-                <a:solidFill>
-                  <a:srgbClr val="000000"/>
-                </a:solidFill>
-                <a:latin typeface="Consolas" pitchFamily="49" charset="0"/>
-              </a:rPr>
-              <a:t>();</a:t>
-            </a:r>
-          </a:p>
-          <a:p>
-            <a:pPr>
-              <a:buNone/>
-            </a:pPr>
-            <a:r>
-              <a:rPr lang="en-NZ" sz="1400" dirty="0" err="1" smtClean="0">
-                <a:solidFill>
-                  <a:srgbClr val="000000"/>
-                </a:solidFill>
-                <a:latin typeface="Consolas" pitchFamily="49" charset="0"/>
-              </a:rPr>
-              <a:t>System.</a:t>
-            </a:r>
-            <a:r>
-              <a:rPr lang="en-NZ" sz="1400" i="1" dirty="0" err="1" smtClean="0">
-                <a:solidFill>
-                  <a:srgbClr val="0000C0"/>
-                </a:solidFill>
-                <a:latin typeface="Consolas" pitchFamily="49" charset="0"/>
-              </a:rPr>
-              <a:t>out</a:t>
-            </a:r>
-            <a:r>
-              <a:rPr lang="en-NZ" sz="1400" i="1" dirty="0" err="1" smtClean="0">
-                <a:solidFill>
-                  <a:srgbClr val="000000"/>
-                </a:solidFill>
-                <a:latin typeface="Consolas" pitchFamily="49" charset="0"/>
-              </a:rPr>
-              <a:t>.println</a:t>
-            </a:r>
-            <a:r>
-              <a:rPr lang="en-NZ" sz="1400" i="1" dirty="0" smtClean="0">
-                <a:solidFill>
-                  <a:srgbClr val="000000"/>
-                </a:solidFill>
-                <a:latin typeface="Consolas" pitchFamily="49" charset="0"/>
-              </a:rPr>
-              <a:t>(</a:t>
-            </a:r>
-            <a:r>
-              <a:rPr lang="en-NZ" sz="1400" i="1" dirty="0" err="1" smtClean="0">
-                <a:solidFill>
-                  <a:srgbClr val="000000"/>
-                </a:solidFill>
-                <a:latin typeface="Consolas" pitchFamily="49" charset="0"/>
-              </a:rPr>
-              <a:t>resp</a:t>
-            </a:r>
-            <a:r>
-              <a:rPr lang="en-NZ" sz="1400" i="1" dirty="0" smtClean="0">
-                <a:solidFill>
-                  <a:srgbClr val="000000"/>
-                </a:solidFill>
-                <a:latin typeface="Consolas" pitchFamily="49" charset="0"/>
-              </a:rPr>
-              <a:t>);</a:t>
-            </a:r>
-          </a:p>
-          <a:p>
-            <a:pPr>
-              <a:buNone/>
-            </a:pPr>
-            <a:r>
-              <a:rPr lang="en-NZ" sz="1400" dirty="0" smtClean="0">
-                <a:solidFill>
-                  <a:srgbClr val="000000"/>
-                </a:solidFill>
-                <a:latin typeface="Consolas" pitchFamily="49" charset="0"/>
-              </a:rPr>
-              <a:t>            </a:t>
-            </a:r>
-          </a:p>
-          <a:p>
-            <a:pPr>
-              <a:buNone/>
-            </a:pPr>
-            <a:r>
-              <a:rPr lang="en-NZ" sz="1400" dirty="0" err="1" smtClean="0">
-                <a:solidFill>
-                  <a:srgbClr val="000000"/>
-                </a:solidFill>
-                <a:latin typeface="Consolas" pitchFamily="49" charset="0"/>
-              </a:rPr>
-              <a:t>client.close</a:t>
-            </a:r>
-            <a:r>
-              <a:rPr lang="en-NZ" sz="1400" dirty="0" smtClean="0">
-                <a:solidFill>
-                  <a:srgbClr val="000000"/>
-                </a:solidFill>
-                <a:latin typeface="Consolas" pitchFamily="49" charset="0"/>
-              </a:rPr>
-              <a:t>();</a:t>
-            </a:r>
-            <a:endParaRPr lang="en-NZ" sz="1400" dirty="0">
-              <a:latin typeface="Consolas" pitchFamily="49" charset="0"/>
-            </a:endParaRPr>
-          </a:p>
-        </p:txBody>
-      </p:sp>
+      <p:graphicFrame>
+        <p:nvGraphicFramePr>
+          <p:cNvPr id="59394" name="Object 5"/>
+          <p:cNvGraphicFramePr>
+            <a:graphicFrameLocks noChangeAspect="1"/>
+          </p:cNvGraphicFramePr>
+          <p:nvPr/>
+        </p:nvGraphicFramePr>
+        <p:xfrm>
+          <a:off x="351693" y="1312863"/>
+          <a:ext cx="8299938" cy="4249737"/>
+        </p:xfrm>
+        <a:graphic>
+          <a:graphicData uri="http://schemas.openxmlformats.org/presentationml/2006/ole">
+            <mc:AlternateContent xmlns:mc="http://schemas.openxmlformats.org/markup-compatibility/2006">
+              <mc:Choice xmlns:v="urn:schemas-microsoft-com:vml" Requires="v">
+                <p:oleObj spid="_x0000_s1034" name="Bitmap Image" r:id="rId4" imgW="5380952" imgH="2542857" progId="PBrush">
+                  <p:embed/>
+                </p:oleObj>
+              </mc:Choice>
+              <mc:Fallback>
+                <p:oleObj name="Bitmap Image" r:id="rId4" imgW="5380952" imgH="2542857" progId="PBrush">
+                  <p:embed/>
+                  <p:pic>
+                    <p:nvPicPr>
+                      <p:cNvPr id="0" name=""/>
+                      <p:cNvPicPr>
+                        <a:picLocks noChangeAspect="1" noChangeArrowheads="1"/>
+                      </p:cNvPicPr>
+                      <p:nvPr/>
+                    </p:nvPicPr>
+                    <p:blipFill>
+                      <a:blip r:embed="rId5">
+                        <a:extLst>
+                          <a:ext uri="{28A0092B-C50C-407E-A947-70E740481C1C}">
+                            <a14:useLocalDpi xmlns:a14="http://schemas.microsoft.com/office/drawing/2010/main" val="0"/>
+                          </a:ext>
+                        </a:extLst>
+                      </a:blip>
+                      <a:srcRect/>
+                      <a:stretch>
+                        <a:fillRect/>
+                      </a:stretch>
+                    </p:blipFill>
+                    <p:spPr bwMode="auto">
+                      <a:xfrm>
+                        <a:off x="351693" y="1312863"/>
+                        <a:ext cx="8299938" cy="4249737"/>
+                      </a:xfrm>
+                      <a:prstGeom prst="rect">
+                        <a:avLst/>
+                      </a:prstGeom>
+                      <a:noFill/>
+                      <a:ln>
+                        <a:noFill/>
+                      </a:ln>
+                      <a:effectLst/>
+                      <a:extLst>
+                        <a:ext uri="{909E8E84-426E-40DD-AFC4-6F175D3DCCD1}">
+                          <a14:hiddenFill xmlns:a14="http://schemas.microsoft.com/office/drawing/2010/main">
+                            <a:solidFill>
+                              <a:srgbClr val="FFFFFF"/>
+                            </a:solidFill>
+                          </a14:hiddenFill>
+                        </a:ext>
+                        <a:ext uri="{91240B29-F687-4F45-9708-019B960494DF}">
+                          <a14:hiddenLine xmlns:a14="http://schemas.microsoft.com/office/drawing/2010/main" w="12700">
+                            <a:solidFill>
+                              <a:schemeClr val="accent1"/>
+                            </a:solidFill>
+                            <a:miter lim="800000"/>
+                            <a:headEnd/>
+                            <a:tailEnd/>
+                          </a14:hiddenLine>
+                        </a:ext>
+                        <a:ext uri="{AF507438-7753-43E0-B8FC-AC1667EBCBE1}">
+                          <a14:hiddenEffects xmlns:a14="http://schemas.microsoft.com/office/drawing/2010/main">
+                            <a:effectLst>
+                              <a:outerShdw dist="35921" dir="2700000" algn="ctr" rotWithShape="0">
+                                <a:schemeClr val="bg2"/>
+                              </a:outerShdw>
+                            </a:effectLst>
+                          </a14:hiddenEffects>
+                        </a:ext>
+                      </a:extLst>
+                    </p:spPr>
+                  </p:pic>
+                </p:oleObj>
+              </mc:Fallback>
+            </mc:AlternateContent>
+          </a:graphicData>
+        </a:graphic>
+      </p:graphicFrame>
     </p:spTree>
+    <p:extLst>
+      <p:ext uri="{BB962C8B-B14F-4D97-AF65-F5344CB8AC3E}">
+        <p14:creationId xmlns:p14="http://schemas.microsoft.com/office/powerpoint/2010/main" val="3622358934"/>
+      </p:ext>
+    </p:extLst>
   </p:cSld>
   <p:clrMapOvr>
     <a:masterClrMapping/>
   </p:clrMapOvr>
-  <p:timing>
-    <p:tnLst>
-      <p:par>
-        <p:cTn id="1" dur="indefinite" restart="never" nodeType="tmRoot"/>
-      </p:par>
-    </p:tnLst>
-  </p:timing>
 </p:sld>
 </file>
 
@@ -6155,10 +6885,10 @@
           <a:lstStyle/>
           <a:p>
             <a:r>
-              <a:rPr lang="en-NZ" dirty="0" smtClean="0"/>
-              <a:t>Server Threads</a:t>
-            </a:r>
-            <a:endParaRPr lang="en-NZ" dirty="0"/>
+              <a:rPr lang="en-AU" smtClean="0"/>
+              <a:t>Client</a:t>
+            </a:r>
+            <a:endParaRPr lang="en-AU" dirty="0"/>
           </a:p>
         </p:txBody>
       </p:sp>
@@ -6175,46 +6905,736 @@
         <p:spPr/>
         <p:txBody>
           <a:bodyPr>
-            <a:normAutofit fontScale="92500" lnSpcReduction="10000"/>
+            <a:noAutofit/>
           </a:bodyPr>
           <a:lstStyle/>
           <a:p>
+            <a:pPr>
+              <a:spcBef>
+                <a:spcPts val="0"/>
+              </a:spcBef>
+              <a:buNone/>
+            </a:pPr>
+            <a:r>
+              <a:rPr lang="en-NZ" sz="1400" dirty="0" smtClean="0">
+                <a:latin typeface="Consolas" pitchFamily="49" charset="0"/>
+                <a:cs typeface="Consolas" pitchFamily="49" charset="0"/>
+              </a:rPr>
+              <a:t>import </a:t>
+            </a:r>
+            <a:r>
+              <a:rPr lang="en-NZ" sz="1400" dirty="0" err="1" smtClean="0">
+                <a:latin typeface="Consolas" pitchFamily="49" charset="0"/>
+                <a:cs typeface="Consolas" pitchFamily="49" charset="0"/>
+              </a:rPr>
+              <a:t>java.io.IOException</a:t>
+            </a:r>
+            <a:r>
+              <a:rPr lang="en-NZ" sz="1400" dirty="0" smtClean="0">
+                <a:latin typeface="Consolas" pitchFamily="49" charset="0"/>
+                <a:cs typeface="Consolas" pitchFamily="49" charset="0"/>
+              </a:rPr>
+              <a:t>;</a:t>
+            </a:r>
+          </a:p>
+          <a:p>
+            <a:pPr>
+              <a:spcBef>
+                <a:spcPts val="0"/>
+              </a:spcBef>
+              <a:buNone/>
+            </a:pPr>
+            <a:r>
+              <a:rPr lang="en-NZ" sz="1400" dirty="0" smtClean="0">
+                <a:latin typeface="Consolas" pitchFamily="49" charset="0"/>
+                <a:cs typeface="Consolas" pitchFamily="49" charset="0"/>
+              </a:rPr>
+              <a:t>import </a:t>
+            </a:r>
+            <a:r>
+              <a:rPr lang="en-NZ" sz="1400" dirty="0" err="1" smtClean="0">
+                <a:latin typeface="Consolas" pitchFamily="49" charset="0"/>
+                <a:cs typeface="Consolas" pitchFamily="49" charset="0"/>
+              </a:rPr>
+              <a:t>java.io.OutputStream</a:t>
+            </a:r>
+            <a:r>
+              <a:rPr lang="en-NZ" sz="1400" dirty="0" smtClean="0">
+                <a:latin typeface="Consolas" pitchFamily="49" charset="0"/>
+                <a:cs typeface="Consolas" pitchFamily="49" charset="0"/>
+              </a:rPr>
+              <a:t>;</a:t>
+            </a:r>
+          </a:p>
+          <a:p>
+            <a:pPr>
+              <a:spcBef>
+                <a:spcPts val="0"/>
+              </a:spcBef>
+              <a:buNone/>
+            </a:pPr>
+            <a:r>
+              <a:rPr lang="en-NZ" sz="1400" dirty="0" smtClean="0">
+                <a:latin typeface="Consolas" pitchFamily="49" charset="0"/>
+                <a:cs typeface="Consolas" pitchFamily="49" charset="0"/>
+              </a:rPr>
+              <a:t>import </a:t>
+            </a:r>
+            <a:r>
+              <a:rPr lang="en-NZ" sz="1400" dirty="0" err="1" smtClean="0">
+                <a:latin typeface="Consolas" pitchFamily="49" charset="0"/>
+                <a:cs typeface="Consolas" pitchFamily="49" charset="0"/>
+              </a:rPr>
+              <a:t>java.net.Socket</a:t>
+            </a:r>
+            <a:r>
+              <a:rPr lang="en-NZ" sz="1400" dirty="0" smtClean="0">
+                <a:latin typeface="Consolas" pitchFamily="49" charset="0"/>
+                <a:cs typeface="Consolas" pitchFamily="49" charset="0"/>
+              </a:rPr>
+              <a:t>;</a:t>
+            </a:r>
+          </a:p>
+          <a:p>
+            <a:pPr>
+              <a:spcBef>
+                <a:spcPts val="0"/>
+              </a:spcBef>
+              <a:buNone/>
+            </a:pPr>
+            <a:endParaRPr lang="en-NZ" sz="1400" dirty="0" smtClean="0">
+              <a:latin typeface="Consolas" pitchFamily="49" charset="0"/>
+              <a:cs typeface="Consolas" pitchFamily="49" charset="0"/>
+            </a:endParaRPr>
+          </a:p>
+          <a:p>
+            <a:pPr>
+              <a:spcBef>
+                <a:spcPts val="0"/>
+              </a:spcBef>
+              <a:buNone/>
+            </a:pPr>
+            <a:r>
+              <a:rPr lang="en-NZ" sz="1400" dirty="0" smtClean="0">
+                <a:latin typeface="Consolas" pitchFamily="49" charset="0"/>
+                <a:cs typeface="Consolas" pitchFamily="49" charset="0"/>
+              </a:rPr>
+              <a:t>public class Client {</a:t>
+            </a:r>
+          </a:p>
+          <a:p>
+            <a:pPr>
+              <a:spcBef>
+                <a:spcPts val="0"/>
+              </a:spcBef>
+              <a:buNone/>
+            </a:pPr>
+            <a:r>
+              <a:rPr lang="en-NZ" sz="1400" dirty="0" smtClean="0">
+                <a:latin typeface="Consolas" pitchFamily="49" charset="0"/>
+                <a:cs typeface="Consolas" pitchFamily="49" charset="0"/>
+              </a:rPr>
+              <a:t>    public static void main(String[] </a:t>
+            </a:r>
+            <a:r>
+              <a:rPr lang="en-NZ" sz="1400" dirty="0" err="1" smtClean="0">
+                <a:latin typeface="Consolas" pitchFamily="49" charset="0"/>
+                <a:cs typeface="Consolas" pitchFamily="49" charset="0"/>
+              </a:rPr>
+              <a:t>args</a:t>
+            </a:r>
+            <a:r>
+              <a:rPr lang="en-NZ" sz="1400" dirty="0" smtClean="0">
+                <a:latin typeface="Consolas" pitchFamily="49" charset="0"/>
+                <a:cs typeface="Consolas" pitchFamily="49" charset="0"/>
+              </a:rPr>
+              <a:t>)</a:t>
+            </a:r>
+          </a:p>
+          <a:p>
+            <a:pPr>
+              <a:spcBef>
+                <a:spcPts val="0"/>
+              </a:spcBef>
+              <a:buNone/>
+            </a:pPr>
+            <a:r>
+              <a:rPr lang="en-NZ" sz="1400" dirty="0" smtClean="0">
+                <a:latin typeface="Consolas" pitchFamily="49" charset="0"/>
+                <a:cs typeface="Consolas" pitchFamily="49" charset="0"/>
+              </a:rPr>
+              <a:t>    {</a:t>
+            </a:r>
+          </a:p>
+          <a:p>
+            <a:pPr>
+              <a:spcBef>
+                <a:spcPts val="0"/>
+              </a:spcBef>
+              <a:buNone/>
+            </a:pPr>
+            <a:r>
+              <a:rPr lang="en-NZ" sz="1400" dirty="0" smtClean="0">
+                <a:latin typeface="Consolas" pitchFamily="49" charset="0"/>
+                <a:cs typeface="Consolas" pitchFamily="49" charset="0"/>
+              </a:rPr>
+              <a:t>        try</a:t>
+            </a:r>
+          </a:p>
+          <a:p>
+            <a:pPr>
+              <a:spcBef>
+                <a:spcPts val="0"/>
+              </a:spcBef>
+              <a:buNone/>
+            </a:pPr>
+            <a:r>
+              <a:rPr lang="en-NZ" sz="1400" dirty="0" smtClean="0">
+                <a:latin typeface="Consolas" pitchFamily="49" charset="0"/>
+                <a:cs typeface="Consolas" pitchFamily="49" charset="0"/>
+              </a:rPr>
+              <a:t>        {</a:t>
+            </a:r>
+          </a:p>
+          <a:p>
+            <a:pPr>
+              <a:spcBef>
+                <a:spcPts val="0"/>
+              </a:spcBef>
+              <a:buNone/>
+            </a:pPr>
+            <a:r>
+              <a:rPr lang="en-NZ" sz="1400" dirty="0" smtClean="0">
+                <a:latin typeface="Consolas" pitchFamily="49" charset="0"/>
+                <a:cs typeface="Consolas" pitchFamily="49" charset="0"/>
+              </a:rPr>
+              <a:t>            Socket client = new Socket("localhost",5000);</a:t>
+            </a:r>
+          </a:p>
+          <a:p>
+            <a:pPr>
+              <a:spcBef>
+                <a:spcPts val="0"/>
+              </a:spcBef>
+              <a:buNone/>
+            </a:pPr>
+            <a:r>
+              <a:rPr lang="en-NZ" sz="1400" dirty="0" smtClean="0">
+                <a:latin typeface="Consolas" pitchFamily="49" charset="0"/>
+                <a:cs typeface="Consolas" pitchFamily="49" charset="0"/>
+              </a:rPr>
+              <a:t>            </a:t>
+            </a:r>
+          </a:p>
+          <a:p>
+            <a:pPr>
+              <a:spcBef>
+                <a:spcPts val="0"/>
+              </a:spcBef>
+              <a:buNone/>
+            </a:pPr>
+            <a:r>
+              <a:rPr lang="en-NZ" sz="1400" dirty="0" smtClean="0">
+                <a:latin typeface="Consolas" pitchFamily="49" charset="0"/>
+                <a:cs typeface="Consolas" pitchFamily="49" charset="0"/>
+              </a:rPr>
+              <a:t>            </a:t>
+            </a:r>
+            <a:r>
+              <a:rPr lang="en-NZ" sz="1400" dirty="0" err="1" smtClean="0">
+                <a:latin typeface="Consolas" pitchFamily="49" charset="0"/>
+                <a:cs typeface="Consolas" pitchFamily="49" charset="0"/>
+              </a:rPr>
+              <a:t>OutputStream</a:t>
+            </a:r>
+            <a:r>
+              <a:rPr lang="en-NZ" sz="1400" dirty="0" smtClean="0">
+                <a:latin typeface="Consolas" pitchFamily="49" charset="0"/>
+                <a:cs typeface="Consolas" pitchFamily="49" charset="0"/>
+              </a:rPr>
+              <a:t> </a:t>
+            </a:r>
+            <a:r>
+              <a:rPr lang="en-NZ" sz="1400" dirty="0" err="1" smtClean="0">
+                <a:latin typeface="Consolas" pitchFamily="49" charset="0"/>
+                <a:cs typeface="Consolas" pitchFamily="49" charset="0"/>
+              </a:rPr>
+              <a:t>os</a:t>
+            </a:r>
+            <a:r>
+              <a:rPr lang="en-NZ" sz="1400" dirty="0" smtClean="0">
+                <a:latin typeface="Consolas" pitchFamily="49" charset="0"/>
+                <a:cs typeface="Consolas" pitchFamily="49" charset="0"/>
+              </a:rPr>
+              <a:t> = </a:t>
+            </a:r>
+            <a:r>
+              <a:rPr lang="en-NZ" sz="1400" dirty="0" err="1" smtClean="0">
+                <a:latin typeface="Consolas" pitchFamily="49" charset="0"/>
+                <a:cs typeface="Consolas" pitchFamily="49" charset="0"/>
+              </a:rPr>
+              <a:t>client.getOutputStream</a:t>
+            </a:r>
+            <a:r>
+              <a:rPr lang="en-NZ" sz="1400" dirty="0" smtClean="0">
+                <a:latin typeface="Consolas" pitchFamily="49" charset="0"/>
+                <a:cs typeface="Consolas" pitchFamily="49" charset="0"/>
+              </a:rPr>
+              <a:t>();</a:t>
+            </a:r>
+          </a:p>
+          <a:p>
+            <a:pPr>
+              <a:spcBef>
+                <a:spcPts val="0"/>
+              </a:spcBef>
+              <a:buNone/>
+            </a:pPr>
+            <a:r>
+              <a:rPr lang="en-NZ" sz="1400" dirty="0" smtClean="0">
+                <a:latin typeface="Consolas" pitchFamily="49" charset="0"/>
+                <a:cs typeface="Consolas" pitchFamily="49" charset="0"/>
+              </a:rPr>
+              <a:t>            </a:t>
+            </a:r>
+            <a:r>
+              <a:rPr lang="en-NZ" sz="1400" dirty="0" err="1" smtClean="0">
+                <a:latin typeface="Consolas" pitchFamily="49" charset="0"/>
+                <a:cs typeface="Consolas" pitchFamily="49" charset="0"/>
+              </a:rPr>
+              <a:t>os.write</a:t>
+            </a:r>
+            <a:r>
+              <a:rPr lang="en-NZ" sz="1400" dirty="0" smtClean="0">
+                <a:latin typeface="Consolas" pitchFamily="49" charset="0"/>
+                <a:cs typeface="Consolas" pitchFamily="49" charset="0"/>
+              </a:rPr>
+              <a:t>("Hello ISCG7425".getBytes());</a:t>
+            </a:r>
+          </a:p>
+          <a:p>
+            <a:pPr>
+              <a:spcBef>
+                <a:spcPts val="0"/>
+              </a:spcBef>
+              <a:buNone/>
+            </a:pPr>
+            <a:r>
+              <a:rPr lang="en-NZ" sz="1400" dirty="0" smtClean="0">
+                <a:latin typeface="Consolas" pitchFamily="49" charset="0"/>
+                <a:cs typeface="Consolas" pitchFamily="49" charset="0"/>
+              </a:rPr>
+              <a:t>            </a:t>
+            </a:r>
+            <a:r>
+              <a:rPr lang="en-NZ" sz="1400" dirty="0" err="1" smtClean="0">
+                <a:latin typeface="Consolas" pitchFamily="49" charset="0"/>
+                <a:cs typeface="Consolas" pitchFamily="49" charset="0"/>
+              </a:rPr>
+              <a:t>os.close</a:t>
+            </a:r>
+            <a:r>
+              <a:rPr lang="en-NZ" sz="1400" dirty="0" smtClean="0">
+                <a:latin typeface="Consolas" pitchFamily="49" charset="0"/>
+                <a:cs typeface="Consolas" pitchFamily="49" charset="0"/>
+              </a:rPr>
+              <a:t>();</a:t>
+            </a:r>
+          </a:p>
+          <a:p>
+            <a:pPr>
+              <a:spcBef>
+                <a:spcPts val="0"/>
+              </a:spcBef>
+              <a:buNone/>
+            </a:pPr>
+            <a:r>
+              <a:rPr lang="en-NZ" sz="1400" dirty="0" smtClean="0">
+                <a:latin typeface="Consolas" pitchFamily="49" charset="0"/>
+                <a:cs typeface="Consolas" pitchFamily="49" charset="0"/>
+              </a:rPr>
+              <a:t>            </a:t>
+            </a:r>
+          </a:p>
+          <a:p>
+            <a:pPr>
+              <a:spcBef>
+                <a:spcPts val="0"/>
+              </a:spcBef>
+              <a:buNone/>
+            </a:pPr>
+            <a:r>
+              <a:rPr lang="en-NZ" sz="1400" dirty="0" smtClean="0">
+                <a:latin typeface="Consolas" pitchFamily="49" charset="0"/>
+                <a:cs typeface="Consolas" pitchFamily="49" charset="0"/>
+              </a:rPr>
+              <a:t>            </a:t>
+            </a:r>
+            <a:r>
+              <a:rPr lang="en-NZ" sz="1400" dirty="0" err="1" smtClean="0">
+                <a:latin typeface="Consolas" pitchFamily="49" charset="0"/>
+                <a:cs typeface="Consolas" pitchFamily="49" charset="0"/>
+              </a:rPr>
+              <a:t>client.close</a:t>
+            </a:r>
+            <a:r>
+              <a:rPr lang="en-NZ" sz="1400" dirty="0" smtClean="0">
+                <a:latin typeface="Consolas" pitchFamily="49" charset="0"/>
+                <a:cs typeface="Consolas" pitchFamily="49" charset="0"/>
+              </a:rPr>
+              <a:t>();</a:t>
+            </a:r>
+          </a:p>
+          <a:p>
+            <a:pPr>
+              <a:spcBef>
+                <a:spcPts val="0"/>
+              </a:spcBef>
+              <a:buNone/>
+            </a:pPr>
+            <a:r>
+              <a:rPr lang="en-NZ" sz="1400" dirty="0" smtClean="0">
+                <a:latin typeface="Consolas" pitchFamily="49" charset="0"/>
+                <a:cs typeface="Consolas" pitchFamily="49" charset="0"/>
+              </a:rPr>
+              <a:t>        }</a:t>
+            </a:r>
+          </a:p>
+          <a:p>
+            <a:pPr>
+              <a:spcBef>
+                <a:spcPts val="0"/>
+              </a:spcBef>
+              <a:buNone/>
+            </a:pPr>
+            <a:r>
+              <a:rPr lang="en-NZ" sz="1400" dirty="0" smtClean="0">
+                <a:latin typeface="Consolas" pitchFamily="49" charset="0"/>
+                <a:cs typeface="Consolas" pitchFamily="49" charset="0"/>
+              </a:rPr>
+              <a:t>        catch(</a:t>
+            </a:r>
+            <a:r>
+              <a:rPr lang="en-NZ" sz="1400" dirty="0" err="1" smtClean="0">
+                <a:latin typeface="Consolas" pitchFamily="49" charset="0"/>
+                <a:cs typeface="Consolas" pitchFamily="49" charset="0"/>
+              </a:rPr>
+              <a:t>IOException</a:t>
+            </a:r>
+            <a:r>
+              <a:rPr lang="en-NZ" sz="1400" dirty="0" smtClean="0">
+                <a:latin typeface="Consolas" pitchFamily="49" charset="0"/>
+                <a:cs typeface="Consolas" pitchFamily="49" charset="0"/>
+              </a:rPr>
+              <a:t> e)</a:t>
+            </a:r>
+          </a:p>
+          <a:p>
+            <a:pPr>
+              <a:spcBef>
+                <a:spcPts val="0"/>
+              </a:spcBef>
+              <a:buNone/>
+            </a:pPr>
+            <a:r>
+              <a:rPr lang="en-NZ" sz="1400" dirty="0" smtClean="0">
+                <a:latin typeface="Consolas" pitchFamily="49" charset="0"/>
+                <a:cs typeface="Consolas" pitchFamily="49" charset="0"/>
+              </a:rPr>
+              <a:t>        {</a:t>
+            </a:r>
+          </a:p>
+          <a:p>
+            <a:pPr>
+              <a:spcBef>
+                <a:spcPts val="0"/>
+              </a:spcBef>
+              <a:buNone/>
+            </a:pPr>
+            <a:r>
+              <a:rPr lang="en-NZ" sz="1400" dirty="0" smtClean="0">
+                <a:latin typeface="Consolas" pitchFamily="49" charset="0"/>
+                <a:cs typeface="Consolas" pitchFamily="49" charset="0"/>
+              </a:rPr>
+              <a:t>            </a:t>
+            </a:r>
+            <a:r>
+              <a:rPr lang="en-NZ" sz="1400" dirty="0" err="1" smtClean="0">
+                <a:latin typeface="Consolas" pitchFamily="49" charset="0"/>
+                <a:cs typeface="Consolas" pitchFamily="49" charset="0"/>
+              </a:rPr>
+              <a:t>e.printStackTrace</a:t>
+            </a:r>
+            <a:r>
+              <a:rPr lang="en-NZ" sz="1400" dirty="0" smtClean="0">
+                <a:latin typeface="Consolas" pitchFamily="49" charset="0"/>
+                <a:cs typeface="Consolas" pitchFamily="49" charset="0"/>
+              </a:rPr>
+              <a:t>();</a:t>
+            </a:r>
+          </a:p>
+          <a:p>
+            <a:pPr>
+              <a:spcBef>
+                <a:spcPts val="0"/>
+              </a:spcBef>
+              <a:buNone/>
+            </a:pPr>
+            <a:r>
+              <a:rPr lang="en-NZ" sz="1400" dirty="0" smtClean="0">
+                <a:latin typeface="Consolas" pitchFamily="49" charset="0"/>
+                <a:cs typeface="Consolas" pitchFamily="49" charset="0"/>
+              </a:rPr>
+              <a:t>        }</a:t>
+            </a:r>
+          </a:p>
+          <a:p>
+            <a:pPr>
+              <a:spcBef>
+                <a:spcPts val="0"/>
+              </a:spcBef>
+              <a:buNone/>
+            </a:pPr>
+            <a:r>
+              <a:rPr lang="en-NZ" sz="1400" dirty="0" smtClean="0">
+                <a:latin typeface="Consolas" pitchFamily="49" charset="0"/>
+                <a:cs typeface="Consolas" pitchFamily="49" charset="0"/>
+              </a:rPr>
+              <a:t>    }</a:t>
+            </a:r>
+          </a:p>
+          <a:p>
+            <a:pPr>
+              <a:spcBef>
+                <a:spcPts val="0"/>
+              </a:spcBef>
+              <a:buNone/>
+            </a:pPr>
+            <a:r>
+              <a:rPr lang="en-NZ" sz="1400" dirty="0" smtClean="0">
+                <a:latin typeface="Consolas" pitchFamily="49" charset="0"/>
+                <a:cs typeface="Consolas" pitchFamily="49" charset="0"/>
+              </a:rPr>
+              <a:t>}</a:t>
+            </a:r>
+          </a:p>
+          <a:p>
+            <a:pPr>
+              <a:spcBef>
+                <a:spcPts val="0"/>
+              </a:spcBef>
+              <a:buNone/>
+            </a:pPr>
+            <a:endParaRPr lang="en-AU" sz="1400" dirty="0">
+              <a:latin typeface="Consolas" pitchFamily="49" charset="0"/>
+              <a:cs typeface="Consolas" pitchFamily="49" charset="0"/>
+            </a:endParaRPr>
+          </a:p>
+        </p:txBody>
+      </p:sp>
+      <p:cxnSp>
+        <p:nvCxnSpPr>
+          <p:cNvPr id="6" name="Straight Arrow Connector 5"/>
+          <p:cNvCxnSpPr/>
+          <p:nvPr/>
+        </p:nvCxnSpPr>
+        <p:spPr>
+          <a:xfrm flipH="1">
+            <a:off x="4139952" y="2780928"/>
+            <a:ext cx="1584176" cy="936104"/>
+          </a:xfrm>
+          <a:prstGeom prst="straightConnector1">
+            <a:avLst/>
+          </a:prstGeom>
+          <a:ln>
+            <a:solidFill>
+              <a:schemeClr val="tx1"/>
+            </a:solidFill>
+            <a:tailEnd type="arrow"/>
+          </a:ln>
+        </p:spPr>
+        <p:style>
+          <a:lnRef idx="1">
+            <a:schemeClr val="accent1"/>
+          </a:lnRef>
+          <a:fillRef idx="0">
+            <a:schemeClr val="accent1"/>
+          </a:fillRef>
+          <a:effectRef idx="0">
+            <a:schemeClr val="accent1"/>
+          </a:effectRef>
+          <a:fontRef idx="minor">
+            <a:schemeClr val="tx1"/>
+          </a:fontRef>
+        </p:style>
+      </p:cxnSp>
+      <p:sp>
+        <p:nvSpPr>
+          <p:cNvPr id="11" name="TextBox 10"/>
+          <p:cNvSpPr txBox="1"/>
+          <p:nvPr/>
+        </p:nvSpPr>
+        <p:spPr>
+          <a:xfrm>
+            <a:off x="5724128" y="2348880"/>
+            <a:ext cx="2743200" cy="707886"/>
+          </a:xfrm>
+          <a:prstGeom prst="rect">
+            <a:avLst/>
+          </a:prstGeom>
+          <a:noFill/>
+        </p:spPr>
+        <p:txBody>
+          <a:bodyPr wrap="square" rtlCol="0">
+            <a:spAutoFit/>
+          </a:bodyPr>
+          <a:lstStyle/>
+          <a:p>
             <a:r>
               <a:rPr lang="en-NZ" dirty="0" smtClean="0"/>
-              <a:t>Lots of Socket method calls block waiting for input</a:t>
-            </a:r>
-          </a:p>
-          <a:p>
-            <a:pPr lvl="1"/>
+              <a:t>Open socket connection to </a:t>
+            </a:r>
+            <a:r>
+              <a:rPr lang="en-NZ" dirty="0" err="1" smtClean="0"/>
+              <a:t>localhost</a:t>
+            </a:r>
             <a:r>
               <a:rPr lang="en-NZ" dirty="0" smtClean="0"/>
-              <a:t>accept() –  blocks waiting for a client connection</a:t>
-            </a:r>
-          </a:p>
-          <a:p>
-            <a:pPr lvl="1"/>
+              <a:t> on port 5000</a:t>
+            </a:r>
+            <a:endParaRPr lang="en-NZ" dirty="0"/>
+          </a:p>
+        </p:txBody>
+      </p:sp>
+      <p:sp>
+        <p:nvSpPr>
+          <p:cNvPr id="13" name="TextBox 12"/>
+          <p:cNvSpPr txBox="1"/>
+          <p:nvPr/>
+        </p:nvSpPr>
+        <p:spPr>
+          <a:xfrm>
+            <a:off x="6400800" y="3068960"/>
+            <a:ext cx="2743200" cy="707886"/>
+          </a:xfrm>
+          <a:prstGeom prst="rect">
+            <a:avLst/>
+          </a:prstGeom>
+          <a:noFill/>
+        </p:spPr>
+        <p:txBody>
+          <a:bodyPr wrap="square" rtlCol="0">
+            <a:spAutoFit/>
+          </a:bodyPr>
+          <a:lstStyle/>
+          <a:p>
             <a:r>
               <a:rPr lang="en-NZ" dirty="0" smtClean="0"/>
-              <a:t>read() – blocks waiting for input</a:t>
-            </a:r>
-          </a:p>
+              <a:t>Get a reference to Socket’s Output Stream</a:t>
+            </a:r>
+            <a:endParaRPr lang="en-NZ" dirty="0"/>
+          </a:p>
+        </p:txBody>
+      </p:sp>
+      <p:cxnSp>
+        <p:nvCxnSpPr>
+          <p:cNvPr id="14" name="Straight Arrow Connector 13"/>
+          <p:cNvCxnSpPr/>
+          <p:nvPr/>
+        </p:nvCxnSpPr>
+        <p:spPr>
+          <a:xfrm flipH="1">
+            <a:off x="6156176" y="3717032"/>
+            <a:ext cx="1440160" cy="504056"/>
+          </a:xfrm>
+          <a:prstGeom prst="straightConnector1">
+            <a:avLst/>
+          </a:prstGeom>
+          <a:ln>
+            <a:solidFill>
+              <a:schemeClr val="tx1"/>
+            </a:solidFill>
+            <a:tailEnd type="arrow"/>
+          </a:ln>
+        </p:spPr>
+        <p:style>
+          <a:lnRef idx="1">
+            <a:schemeClr val="accent1"/>
+          </a:lnRef>
+          <a:fillRef idx="0">
+            <a:schemeClr val="accent1"/>
+          </a:fillRef>
+          <a:effectRef idx="0">
+            <a:schemeClr val="accent1"/>
+          </a:effectRef>
+          <a:fontRef idx="minor">
+            <a:schemeClr val="tx1"/>
+          </a:fontRef>
+        </p:style>
+      </p:cxnSp>
+      <p:cxnSp>
+        <p:nvCxnSpPr>
+          <p:cNvPr id="19" name="Straight Arrow Connector 18"/>
+          <p:cNvCxnSpPr/>
+          <p:nvPr/>
+        </p:nvCxnSpPr>
+        <p:spPr>
+          <a:xfrm flipH="1" flipV="1">
+            <a:off x="3851920" y="4653136"/>
+            <a:ext cx="1939280" cy="452264"/>
+          </a:xfrm>
+          <a:prstGeom prst="straightConnector1">
+            <a:avLst/>
+          </a:prstGeom>
+          <a:ln>
+            <a:solidFill>
+              <a:schemeClr val="tx1"/>
+            </a:solidFill>
+            <a:tailEnd type="arrow"/>
+          </a:ln>
+        </p:spPr>
+        <p:style>
+          <a:lnRef idx="1">
+            <a:schemeClr val="accent1"/>
+          </a:lnRef>
+          <a:fillRef idx="0">
+            <a:schemeClr val="accent1"/>
+          </a:fillRef>
+          <a:effectRef idx="0">
+            <a:schemeClr val="accent1"/>
+          </a:effectRef>
+          <a:fontRef idx="minor">
+            <a:schemeClr val="tx1"/>
+          </a:fontRef>
+        </p:style>
+      </p:cxnSp>
+      <p:sp>
+        <p:nvSpPr>
+          <p:cNvPr id="28" name="TextBox 27"/>
+          <p:cNvSpPr txBox="1"/>
+          <p:nvPr/>
+        </p:nvSpPr>
+        <p:spPr>
+          <a:xfrm>
+            <a:off x="5943600" y="4800600"/>
+            <a:ext cx="2743200" cy="1323439"/>
+          </a:xfrm>
+          <a:prstGeom prst="rect">
+            <a:avLst/>
+          </a:prstGeom>
+          <a:noFill/>
+        </p:spPr>
+        <p:txBody>
+          <a:bodyPr wrap="square" rtlCol="0">
+            <a:spAutoFit/>
+          </a:bodyPr>
+          <a:lstStyle/>
           <a:p>
             <a:r>
               <a:rPr lang="en-NZ" dirty="0" smtClean="0"/>
-              <a:t>In a server with only one thread of execution – the server is blocked and no over tasks can be processed until the blocking method has finished</a:t>
-            </a:r>
-          </a:p>
-          <a:p>
-            <a:r>
-              <a:rPr lang="en-NZ" dirty="0" smtClean="0"/>
-              <a:t>Only one client can connect to a single threaded server at a time</a:t>
-            </a:r>
-          </a:p>
-          <a:p>
-            <a:r>
-              <a:rPr lang="en-NZ" dirty="0" smtClean="0"/>
-              <a:t>Takes a long time to close and open TCP / IP based connections – so can’t rely on close() method</a:t>
-            </a:r>
+              <a:t>Use Output Stream’s write(byte[] data) method to send string data to server</a:t>
+            </a:r>
+            <a:endParaRPr lang="en-NZ" dirty="0"/>
           </a:p>
         </p:txBody>
       </p:sp>
@@ -6252,12 +7672,47 @@
       </p:grpSpPr>
       <p:sp>
         <p:nvSpPr>
-          <p:cNvPr id="2" name="Title 1"/>
-          <p:cNvSpPr>
-            <a:spLocks noGrp="1"/>
+          <p:cNvPr id="61442" name="Rectangle 2"/>
+          <p:cNvSpPr>
+            <a:spLocks noGrp="1" noChangeArrowheads="1"/>
           </p:cNvSpPr>
           <p:nvPr>
             <p:ph type="title"/>
+          </p:nvPr>
+        </p:nvSpPr>
+        <p:spPr/>
+        <p:txBody>
+          <a:bodyPr>
+            <a:normAutofit fontScale="90000"/>
+          </a:bodyPr>
+          <a:lstStyle/>
+          <a:p>
+            <a:r>
+              <a:rPr lang="en-US" altLang="zh-CN" dirty="0" smtClean="0">
+                <a:ea typeface="宋体" pitchFamily="2" charset="-122"/>
+              </a:rPr>
+              <a:t>Reading / Writing Data with a </a:t>
+            </a:r>
+            <a:r>
+              <a:rPr lang="en-US" altLang="zh-CN" dirty="0" err="1" smtClean="0">
+                <a:ea typeface="宋体" pitchFamily="2" charset="-122"/>
+              </a:rPr>
+              <a:t>ServerSocket</a:t>
+            </a:r>
+            <a:endParaRPr lang="en-US" altLang="zh-CN" dirty="0" smtClean="0">
+              <a:ea typeface="宋体" pitchFamily="2" charset="-122"/>
+            </a:endParaRPr>
+          </a:p>
+        </p:txBody>
+      </p:sp>
+      <p:sp>
+        <p:nvSpPr>
+          <p:cNvPr id="61443" name="Rectangle 3"/>
+          <p:cNvSpPr>
+            <a:spLocks noGrp="1" noChangeArrowheads="1"/>
+          </p:cNvSpPr>
+          <p:nvPr>
+            <p:ph sz="quarter" idx="13"/>
           </p:nvPr>
         </p:nvSpPr>
         <p:spPr/>
@@ -6266,430 +7721,109 @@
           <a:lstStyle/>
           <a:p>
             <a:r>
-              <a:rPr lang="en-NZ" dirty="0" smtClean="0"/>
-              <a:t>Server Threads</a:t>
-            </a:r>
-            <a:endParaRPr lang="en-NZ" dirty="0"/>
-          </a:p>
-        </p:txBody>
-      </p:sp>
-      <p:sp>
-        <p:nvSpPr>
-          <p:cNvPr id="4" name="Content Placeholder 3"/>
-          <p:cNvSpPr>
-            <a:spLocks noGrp="1"/>
-          </p:cNvSpPr>
-          <p:nvPr>
-            <p:ph sz="quarter" idx="13"/>
-          </p:nvPr>
-        </p:nvSpPr>
-        <p:spPr>
-          <a:xfrm>
-            <a:off x="609600" y="1796504"/>
-            <a:ext cx="8153400" cy="4368800"/>
-          </a:xfrm>
-        </p:spPr>
-        <p:txBody>
-          <a:bodyPr>
-            <a:noAutofit/>
-          </a:bodyPr>
-          <a:lstStyle/>
-          <a:p>
-            <a:pPr>
-              <a:buNone/>
-            </a:pPr>
-            <a:r>
-              <a:rPr lang="en-NZ" sz="1300" dirty="0" smtClean="0">
-                <a:latin typeface="Consolas" pitchFamily="49" charset="0"/>
-              </a:rPr>
-              <a:t>final Socket </a:t>
-            </a:r>
-            <a:r>
-              <a:rPr lang="en-NZ" sz="1300" dirty="0" err="1" smtClean="0">
-                <a:latin typeface="Consolas" pitchFamily="49" charset="0"/>
-              </a:rPr>
-              <a:t>socket</a:t>
-            </a:r>
-            <a:r>
-              <a:rPr lang="en-NZ" sz="1300" dirty="0" smtClean="0">
-                <a:latin typeface="Consolas" pitchFamily="49" charset="0"/>
-              </a:rPr>
-              <a:t> = </a:t>
-            </a:r>
-            <a:r>
-              <a:rPr lang="en-NZ" sz="1300" dirty="0" err="1" smtClean="0">
-                <a:latin typeface="Consolas" pitchFamily="49" charset="0"/>
-              </a:rPr>
-              <a:t>server.accept</a:t>
-            </a:r>
-            <a:r>
-              <a:rPr lang="en-NZ" sz="1300" dirty="0" smtClean="0">
-                <a:latin typeface="Consolas" pitchFamily="49" charset="0"/>
-              </a:rPr>
-              <a:t>();</a:t>
-            </a:r>
-          </a:p>
-          <a:p>
-            <a:pPr>
-              <a:buNone/>
-            </a:pPr>
-            <a:r>
-              <a:rPr lang="en-NZ" sz="1300" dirty="0" smtClean="0">
-                <a:latin typeface="Consolas" pitchFamily="49" charset="0"/>
-              </a:rPr>
-              <a:t>Thread </a:t>
-            </a:r>
-            <a:r>
-              <a:rPr lang="en-NZ" sz="1300" dirty="0" err="1" smtClean="0">
-                <a:latin typeface="Consolas" pitchFamily="49" charset="0"/>
-              </a:rPr>
-              <a:t>serverThread</a:t>
-            </a:r>
-            <a:r>
-              <a:rPr lang="en-NZ" sz="1300" dirty="0" smtClean="0">
-                <a:latin typeface="Consolas" pitchFamily="49" charset="0"/>
-              </a:rPr>
-              <a:t> = new Thread() {</a:t>
-            </a:r>
-          </a:p>
-          <a:p>
-            <a:pPr lvl="1">
-              <a:buNone/>
-            </a:pPr>
-            <a:r>
-              <a:rPr lang="en-NZ" sz="1300" dirty="0" smtClean="0">
-                <a:latin typeface="Consolas" pitchFamily="49" charset="0"/>
-              </a:rPr>
-              <a:t>public void run() {</a:t>
-            </a:r>
-          </a:p>
-          <a:p>
-            <a:pPr lvl="1">
-              <a:buNone/>
-            </a:pPr>
-            <a:r>
-              <a:rPr lang="en-NZ" sz="1300" dirty="0" smtClean="0">
-                <a:latin typeface="Consolas" pitchFamily="49" charset="0"/>
-              </a:rPr>
-              <a:t>	try {</a:t>
-            </a:r>
-          </a:p>
-          <a:p>
-            <a:pPr lvl="1">
-              <a:buNone/>
-            </a:pPr>
-            <a:r>
-              <a:rPr lang="en-NZ" sz="1300" dirty="0" smtClean="0">
-                <a:latin typeface="Consolas" pitchFamily="49" charset="0"/>
-              </a:rPr>
-              <a:t>            </a:t>
-            </a:r>
-            <a:r>
-              <a:rPr lang="en-NZ" sz="1300" dirty="0" err="1" smtClean="0">
-                <a:latin typeface="Consolas" pitchFamily="49" charset="0"/>
-              </a:rPr>
-              <a:t>InputStream</a:t>
-            </a:r>
-            <a:r>
-              <a:rPr lang="en-NZ" sz="1300" dirty="0" smtClean="0">
-                <a:latin typeface="Consolas" pitchFamily="49" charset="0"/>
-              </a:rPr>
-              <a:t> is = </a:t>
-            </a:r>
-            <a:r>
-              <a:rPr lang="en-NZ" sz="1300" dirty="0" err="1" smtClean="0">
-                <a:latin typeface="Consolas" pitchFamily="49" charset="0"/>
-              </a:rPr>
-              <a:t>socket.getInputStream</a:t>
-            </a:r>
-            <a:r>
-              <a:rPr lang="en-NZ" sz="1300" dirty="0" smtClean="0">
-                <a:latin typeface="Consolas" pitchFamily="49" charset="0"/>
-              </a:rPr>
-              <a:t>();</a:t>
-            </a:r>
-          </a:p>
-          <a:p>
-            <a:pPr lvl="1">
-              <a:buNone/>
-            </a:pPr>
-            <a:r>
-              <a:rPr lang="en-NZ" sz="1300" dirty="0" smtClean="0">
-                <a:latin typeface="Consolas" pitchFamily="49" charset="0"/>
-              </a:rPr>
-              <a:t>            </a:t>
-            </a:r>
-            <a:r>
-              <a:rPr lang="en-NZ" sz="1300" dirty="0" err="1" smtClean="0">
-                <a:latin typeface="Consolas" pitchFamily="49" charset="0"/>
-              </a:rPr>
-              <a:t>StringBuffer</a:t>
-            </a:r>
-            <a:r>
-              <a:rPr lang="en-NZ" sz="1300" dirty="0" smtClean="0">
-                <a:latin typeface="Consolas" pitchFamily="49" charset="0"/>
-              </a:rPr>
-              <a:t> </a:t>
-            </a:r>
-            <a:r>
-              <a:rPr lang="en-NZ" sz="1300" dirty="0" err="1" smtClean="0">
-                <a:latin typeface="Consolas" pitchFamily="49" charset="0"/>
-              </a:rPr>
-              <a:t>mesg</a:t>
-            </a:r>
-            <a:r>
-              <a:rPr lang="en-NZ" sz="1300" dirty="0" smtClean="0">
-                <a:latin typeface="Consolas" pitchFamily="49" charset="0"/>
-              </a:rPr>
-              <a:t> = new </a:t>
-            </a:r>
-            <a:r>
-              <a:rPr lang="en-NZ" sz="1300" dirty="0" err="1" smtClean="0">
-                <a:latin typeface="Consolas" pitchFamily="49" charset="0"/>
-              </a:rPr>
-              <a:t>StringBuffer</a:t>
-            </a:r>
-            <a:r>
-              <a:rPr lang="en-NZ" sz="1300" dirty="0" smtClean="0">
-                <a:latin typeface="Consolas" pitchFamily="49" charset="0"/>
-              </a:rPr>
-              <a:t>();</a:t>
-            </a:r>
-          </a:p>
-          <a:p>
-            <a:pPr lvl="1">
-              <a:buNone/>
-            </a:pPr>
-            <a:r>
-              <a:rPr lang="en-NZ" sz="1300" dirty="0" smtClean="0">
-                <a:latin typeface="Consolas" pitchFamily="49" charset="0"/>
-              </a:rPr>
-              <a:t>            while(true) {</a:t>
-            </a:r>
-          </a:p>
-          <a:p>
-            <a:pPr lvl="1">
-              <a:buNone/>
-            </a:pPr>
-            <a:r>
-              <a:rPr lang="en-NZ" sz="1300" dirty="0" smtClean="0">
-                <a:latin typeface="Consolas" pitchFamily="49" charset="0"/>
-              </a:rPr>
-              <a:t>                </a:t>
-            </a:r>
-            <a:r>
-              <a:rPr lang="en-NZ" sz="1300" dirty="0" err="1" smtClean="0">
-                <a:latin typeface="Consolas" pitchFamily="49" charset="0"/>
-              </a:rPr>
-              <a:t>int</a:t>
-            </a:r>
-            <a:r>
-              <a:rPr lang="en-NZ" sz="1300" dirty="0" smtClean="0">
-                <a:latin typeface="Consolas" pitchFamily="49" charset="0"/>
-              </a:rPr>
-              <a:t> data = </a:t>
-            </a:r>
-            <a:r>
-              <a:rPr lang="en-NZ" sz="1300" dirty="0" err="1" smtClean="0">
-                <a:latin typeface="Consolas" pitchFamily="49" charset="0"/>
-              </a:rPr>
-              <a:t>is.read</a:t>
-            </a:r>
-            <a:r>
-              <a:rPr lang="en-NZ" sz="1300" dirty="0" smtClean="0">
-                <a:latin typeface="Consolas" pitchFamily="49" charset="0"/>
-              </a:rPr>
-              <a:t>();</a:t>
-            </a:r>
-          </a:p>
-          <a:p>
-            <a:pPr lvl="1">
-              <a:buNone/>
-            </a:pPr>
-            <a:r>
-              <a:rPr lang="en-NZ" sz="1300" dirty="0" smtClean="0">
-                <a:latin typeface="Consolas" pitchFamily="49" charset="0"/>
-              </a:rPr>
-              <a:t>                if(data == -1)</a:t>
-            </a:r>
-          </a:p>
-          <a:p>
-            <a:pPr lvl="1">
-              <a:buNone/>
-            </a:pPr>
-            <a:r>
-              <a:rPr lang="en-NZ" sz="1300" dirty="0" smtClean="0">
-                <a:latin typeface="Consolas" pitchFamily="49" charset="0"/>
-              </a:rPr>
-              <a:t>                    break;</a:t>
-            </a:r>
-          </a:p>
-          <a:p>
-            <a:pPr lvl="1">
-              <a:buNone/>
-            </a:pPr>
-            <a:r>
-              <a:rPr lang="en-NZ" sz="1300" dirty="0" smtClean="0">
-                <a:latin typeface="Consolas" pitchFamily="49" charset="0"/>
-              </a:rPr>
-              <a:t>                else</a:t>
-            </a:r>
-          </a:p>
-          <a:p>
-            <a:pPr lvl="1">
-              <a:buNone/>
-            </a:pPr>
-            <a:r>
-              <a:rPr lang="en-NZ" sz="1300" dirty="0" smtClean="0">
-                <a:latin typeface="Consolas" pitchFamily="49" charset="0"/>
-              </a:rPr>
-              <a:t>                    </a:t>
-            </a:r>
-            <a:r>
-              <a:rPr lang="en-NZ" sz="1300" dirty="0" err="1" smtClean="0">
-                <a:latin typeface="Consolas" pitchFamily="49" charset="0"/>
-              </a:rPr>
-              <a:t>mesg.append</a:t>
-            </a:r>
-            <a:r>
-              <a:rPr lang="en-NZ" sz="1300" dirty="0" smtClean="0">
-                <a:latin typeface="Consolas" pitchFamily="49" charset="0"/>
-              </a:rPr>
-              <a:t>((char)data);</a:t>
-            </a:r>
-          </a:p>
-          <a:p>
-            <a:pPr lvl="1">
-              <a:buNone/>
-            </a:pPr>
-            <a:r>
-              <a:rPr lang="en-NZ" sz="1300" dirty="0" smtClean="0">
-                <a:latin typeface="Consolas" pitchFamily="49" charset="0"/>
-              </a:rPr>
-              <a:t>            }</a:t>
-            </a:r>
-          </a:p>
-          <a:p>
-            <a:pPr lvl="1">
-              <a:buNone/>
-            </a:pPr>
-            <a:r>
-              <a:rPr lang="en-NZ" sz="1300" dirty="0" smtClean="0">
-                <a:latin typeface="Consolas" pitchFamily="49" charset="0"/>
-              </a:rPr>
-              <a:t>            </a:t>
-            </a:r>
-            <a:r>
-              <a:rPr lang="en-NZ" sz="1300" dirty="0" err="1" smtClean="0">
-                <a:latin typeface="Consolas" pitchFamily="49" charset="0"/>
-              </a:rPr>
-              <a:t>System.</a:t>
-            </a:r>
-            <a:r>
-              <a:rPr lang="en-NZ" sz="1300" i="1" dirty="0" err="1" smtClean="0">
-                <a:latin typeface="Consolas" pitchFamily="49" charset="0"/>
-              </a:rPr>
-              <a:t>out.println</a:t>
-            </a:r>
-            <a:r>
-              <a:rPr lang="en-NZ" sz="1300" i="1" dirty="0" smtClean="0">
-                <a:latin typeface="Consolas" pitchFamily="49" charset="0"/>
-              </a:rPr>
-              <a:t>(</a:t>
-            </a:r>
-            <a:r>
-              <a:rPr lang="en-NZ" sz="1300" i="1" dirty="0" err="1" smtClean="0">
-                <a:latin typeface="Consolas" pitchFamily="49" charset="0"/>
-              </a:rPr>
-              <a:t>this.getName</a:t>
-            </a:r>
-            <a:r>
-              <a:rPr lang="en-NZ" sz="1300" i="1" dirty="0" smtClean="0">
-                <a:latin typeface="Consolas" pitchFamily="49" charset="0"/>
-              </a:rPr>
-              <a:t>() + "\n"+ </a:t>
-            </a:r>
-            <a:r>
-              <a:rPr lang="en-NZ" sz="1300" i="1" dirty="0" err="1" smtClean="0">
-                <a:latin typeface="Consolas" pitchFamily="49" charset="0"/>
-              </a:rPr>
-              <a:t>mesg</a:t>
-            </a:r>
-            <a:r>
-              <a:rPr lang="en-NZ" sz="1300" i="1" dirty="0" smtClean="0">
-                <a:latin typeface="Consolas" pitchFamily="49" charset="0"/>
-              </a:rPr>
-              <a:t>);</a:t>
-            </a:r>
-          </a:p>
-          <a:p>
-            <a:pPr lvl="1">
-              <a:buNone/>
-            </a:pPr>
-            <a:r>
-              <a:rPr lang="en-NZ" sz="1300" dirty="0" smtClean="0">
-                <a:latin typeface="Consolas" pitchFamily="49" charset="0"/>
-              </a:rPr>
-              <a:t>	}catch(</a:t>
-            </a:r>
-            <a:r>
-              <a:rPr lang="en-NZ" sz="1300" dirty="0" err="1" smtClean="0">
-                <a:latin typeface="Consolas" pitchFamily="49" charset="0"/>
-              </a:rPr>
-              <a:t>IOException</a:t>
-            </a:r>
-            <a:r>
-              <a:rPr lang="en-NZ" sz="1300" dirty="0" smtClean="0">
-                <a:latin typeface="Consolas" pitchFamily="49" charset="0"/>
-              </a:rPr>
-              <a:t> e) { /* … Handle exceptions … */ }</a:t>
-            </a:r>
-          </a:p>
-          <a:p>
-            <a:pPr lvl="1">
-              <a:buNone/>
-            </a:pPr>
-            <a:r>
-              <a:rPr lang="en-NZ" sz="1300" dirty="0" smtClean="0">
-                <a:latin typeface="Consolas" pitchFamily="49" charset="0"/>
-              </a:rPr>
-              <a:t>}</a:t>
-            </a:r>
-          </a:p>
-          <a:p>
-            <a:pPr>
-              <a:buNone/>
-            </a:pPr>
-            <a:r>
-              <a:rPr lang="en-NZ" sz="1300" dirty="0" smtClean="0">
-                <a:latin typeface="Consolas" pitchFamily="49" charset="0"/>
-              </a:rPr>
-              <a:t>};</a:t>
-            </a:r>
-          </a:p>
-          <a:p>
-            <a:pPr>
-              <a:buNone/>
-            </a:pPr>
-            <a:r>
-              <a:rPr lang="en-NZ" sz="1300" dirty="0" err="1" smtClean="0">
-                <a:latin typeface="Consolas" pitchFamily="49" charset="0"/>
-              </a:rPr>
-              <a:t>serverThread.start</a:t>
-            </a:r>
-            <a:r>
-              <a:rPr lang="en-NZ" sz="1300" dirty="0" smtClean="0">
-                <a:latin typeface="Consolas" pitchFamily="49" charset="0"/>
-              </a:rPr>
-              <a:t>();</a:t>
-            </a:r>
-            <a:endParaRPr lang="en-NZ" sz="1300" dirty="0">
-              <a:latin typeface="Consolas" pitchFamily="49" charset="0"/>
+              <a:rPr lang="en-US" altLang="zh-CN" dirty="0" err="1" smtClean="0">
+                <a:ea typeface="宋体" pitchFamily="2" charset="-122"/>
+              </a:rPr>
+              <a:t>ServerSocket</a:t>
+            </a:r>
+            <a:r>
+              <a:rPr lang="en-US" altLang="zh-CN" dirty="0" smtClean="0">
+                <a:ea typeface="宋体" pitchFamily="2" charset="-122"/>
+              </a:rPr>
+              <a:t> objects you create will use their accept() method to connect to a client.</a:t>
+            </a:r>
+          </a:p>
+          <a:p>
+            <a:pPr lvl="1"/>
+            <a:r>
+              <a:rPr lang="en-US" altLang="zh-CN" dirty="0" smtClean="0">
+                <a:ea typeface="宋体" pitchFamily="2" charset="-122"/>
+              </a:rPr>
+              <a:t>There are no </a:t>
+            </a:r>
+            <a:r>
+              <a:rPr lang="en-US" altLang="zh-CN" dirty="0" err="1" smtClean="0">
+                <a:ea typeface="宋体" pitchFamily="2" charset="-122"/>
+              </a:rPr>
+              <a:t>getInputStream</a:t>
+            </a:r>
+            <a:r>
+              <a:rPr lang="en-US" altLang="zh-CN" dirty="0" smtClean="0">
+                <a:ea typeface="宋体" pitchFamily="2" charset="-122"/>
+              </a:rPr>
+              <a:t>() or </a:t>
+            </a:r>
+            <a:r>
+              <a:rPr lang="en-US" altLang="zh-CN" dirty="0" err="1" smtClean="0">
+                <a:ea typeface="宋体" pitchFamily="2" charset="-122"/>
+              </a:rPr>
+              <a:t>getOutputStream</a:t>
+            </a:r>
+            <a:r>
+              <a:rPr lang="en-US" altLang="zh-CN" dirty="0" smtClean="0">
+                <a:ea typeface="宋体" pitchFamily="2" charset="-122"/>
+              </a:rPr>
+              <a:t>() methods for </a:t>
+            </a:r>
+            <a:r>
+              <a:rPr lang="en-US" altLang="zh-CN" dirty="0" err="1" smtClean="0">
+                <a:ea typeface="宋体" pitchFamily="2" charset="-122"/>
+              </a:rPr>
+              <a:t>ServerSocket</a:t>
+            </a:r>
+            <a:endParaRPr lang="en-US" altLang="zh-CN" dirty="0" smtClean="0">
+              <a:ea typeface="宋体" pitchFamily="2" charset="-122"/>
             </a:endParaRPr>
           </a:p>
+          <a:p>
+            <a:r>
+              <a:rPr lang="en-US" altLang="zh-CN" dirty="0" smtClean="0">
+                <a:ea typeface="宋体" pitchFamily="2" charset="-122"/>
+              </a:rPr>
+              <a:t>Instead you use accept() to return a Socket object, and then call its </a:t>
+            </a:r>
+            <a:r>
+              <a:rPr lang="en-US" altLang="zh-CN" dirty="0" err="1" smtClean="0">
+                <a:ea typeface="宋体" pitchFamily="2" charset="-122"/>
+              </a:rPr>
+              <a:t>getInputStream</a:t>
+            </a:r>
+            <a:r>
+              <a:rPr lang="en-US" altLang="zh-CN" dirty="0" smtClean="0">
+                <a:ea typeface="宋体" pitchFamily="2" charset="-122"/>
+              </a:rPr>
+              <a:t>() or </a:t>
+            </a:r>
+            <a:r>
+              <a:rPr lang="en-US" altLang="zh-CN" dirty="0" err="1" smtClean="0">
+                <a:ea typeface="宋体" pitchFamily="2" charset="-122"/>
+              </a:rPr>
+              <a:t>getOutputStream</a:t>
+            </a:r>
+            <a:r>
+              <a:rPr lang="en-US" altLang="zh-CN" dirty="0" smtClean="0">
+                <a:ea typeface="宋体" pitchFamily="2" charset="-122"/>
+              </a:rPr>
+              <a:t>() </a:t>
+            </a:r>
+            <a:r>
+              <a:rPr lang="en-US" altLang="zh-CN" dirty="0" smtClean="0">
+                <a:ea typeface="宋体" pitchFamily="2" charset="-122"/>
+              </a:rPr>
+              <a:t>methods</a:t>
+            </a:r>
+            <a:endParaRPr lang="en-US" altLang="zh-CN" dirty="0" smtClean="0">
+              <a:ea typeface="宋体" pitchFamily="2" charset="-122"/>
+            </a:endParaRPr>
+          </a:p>
         </p:txBody>
       </p:sp>
     </p:spTree>
+    <p:extLst>
+      <p:ext uri="{BB962C8B-B14F-4D97-AF65-F5344CB8AC3E}">
+        <p14:creationId xmlns:p14="http://schemas.microsoft.com/office/powerpoint/2010/main" val="3618480706"/>
+      </p:ext>
+    </p:extLst>
   </p:cSld>
   <p:clrMapOvr>
     <a:masterClrMapping/>
@@ -6738,7 +7872,7 @@
           <a:p>
             <a:r>
               <a:rPr lang="en-NZ" dirty="0" smtClean="0"/>
-              <a:t>Threads</a:t>
+              <a:t>Data Streams</a:t>
             </a:r>
             <a:endParaRPr lang="en-NZ" dirty="0"/>
           </a:p>
@@ -6763,53 +7897,54 @@
           <a:p>
             <a:r>
               <a:rPr lang="en-NZ" dirty="0" smtClean="0"/>
-              <a:t>Threads should be used whenever a task includes some sort of long running and blocking input and output</a:t>
+              <a:t>Client and Server must observe the same protocol</a:t>
             </a:r>
           </a:p>
           <a:p>
             <a:r>
               <a:rPr lang="en-NZ" dirty="0" smtClean="0"/>
-              <a:t>Servers will use one thread per client</a:t>
-            </a:r>
-          </a:p>
-          <a:p>
+              <a:t>Socket Input/Output is data stream oriented</a:t>
+            </a:r>
+          </a:p>
+          <a:p>
+            <a:r>
+              <a:rPr lang="en-NZ" dirty="0" err="1" smtClean="0"/>
+              <a:t>InputStream</a:t>
+            </a:r>
             <a:r>
               <a:rPr lang="en-NZ" dirty="0" smtClean="0"/>
-              <a:t>Threads allow multiple things to be processed at the same time</a:t>
+              <a:t> and </a:t>
+            </a:r>
+            <a:r>
+              <a:rPr lang="en-NZ" dirty="0" err="1" smtClean="0"/>
+              <a:t>OutputStream</a:t>
+            </a:r>
+            <a:r>
+              <a:rPr lang="en-NZ" dirty="0" smtClean="0"/>
+              <a:t> objects operate on bytes and byte[] arrays</a:t>
             </a:r>
           </a:p>
           <a:p>
             <a:pPr lvl="1"/>
             <a:r>
-              <a:rPr lang="en-NZ" dirty="0" err="1" smtClean="0"/>
-              <a:t>Thread.sleep</a:t>
-            </a:r>
-            <a:r>
               <a:rPr lang="en-NZ" dirty="0" smtClean="0"/>
-              <a:t>(100) puts the current thread to sleep for 100 ms</a:t>
-            </a:r>
-          </a:p>
-          <a:p>
-            <a:pPr lvl="1"/>
+              <a:t>Using the read(byte[] data) and write(byte[] data) methods</a:t>
+            </a:r>
+          </a:p>
+          <a:p>
             <a:r>
               <a:rPr lang="en-NZ" dirty="0" smtClean="0"/>
-              <a:t>Make sure your server loop includes a </a:t>
-            </a:r>
-            <a:r>
-              <a:rPr lang="en-NZ" dirty="0" err="1" smtClean="0"/>
-              <a:t>Thread.sleep</a:t>
-            </a:r>
+              <a:t>Primitive data types need to be converted to and from bytes to be transferred across the network</a:t>
+            </a:r>
+          </a:p>
+          <a:p>
             <a:r>
               <a:rPr lang="en-NZ" dirty="0" smtClean="0"/>
-              <a:t>() method to give up priority to other threads</a:t>
-            </a:r>
-          </a:p>
-          <a:p>
-            <a:pPr lvl="1"/>
-            <a:r>
-              <a:rPr lang="en-NZ" dirty="0" smtClean="0"/>
-              <a:t>All the code executed in a Thread is included in the run() method – a thread is stopped once the run() method finishes</a:t>
-            </a:r>
+              <a:t>Problems arise if there is a data type mismatch. All the data types are bytes so can be interpreted as any other data type.</a:t>
+            </a:r>
+          </a:p>
+          <a:p>
+            <a:endParaRPr lang="en-NZ" dirty="0"/>
           </a:p>
         </p:txBody>
       </p:sp>
@@ -6862,7 +7997,7 @@
           <a:p>
             <a:r>
               <a:rPr lang="en-NZ" dirty="0" smtClean="0"/>
-              <a:t>Readings</a:t>
+              <a:t>Data Streams</a:t>
             </a:r>
             <a:endParaRPr lang="en-NZ" dirty="0"/>
           </a:p>
@@ -6876,6 +8011,121 @@
           </p:cNvSpPr>
           <p:nvPr>
             <p:ph sz="quarter" idx="13"/>
+          </p:nvPr>
+        </p:nvSpPr>
+        <p:spPr/>
+        <p:txBody>
+          <a:bodyPr>
+            <a:normAutofit fontScale="92500" lnSpcReduction="20000"/>
+          </a:bodyPr>
+          <a:lstStyle/>
+          <a:p>
+            <a:r>
+              <a:rPr lang="en-NZ" dirty="0" smtClean="0"/>
+              <a:t>Helper classes that do all the leg work in converting data to and from bytes</a:t>
+            </a:r>
+          </a:p>
+          <a:p>
+            <a:pPr lvl="1"/>
+            <a:r>
+              <a:rPr lang="en-NZ" dirty="0" err="1" smtClean="0"/>
+              <a:t>DataInputStream</a:t>
+            </a:r>
+            <a:endParaRPr lang="en-NZ" dirty="0" smtClean="0"/>
+          </a:p>
+          <a:p>
+            <a:pPr lvl="1"/>
+            <a:r>
+              <a:rPr lang="en-NZ" dirty="0" err="1" smtClean="0"/>
+              <a:t>DataOutputStream</a:t>
+            </a:r>
+            <a:endParaRPr lang="en-NZ" dirty="0" smtClean="0"/>
+          </a:p>
+          <a:p>
+            <a:r>
+              <a:rPr lang="en-NZ" dirty="0" smtClean="0"/>
+              <a:t>Have methods to read / write a variety of primitive data types</a:t>
+            </a:r>
+          </a:p>
+          <a:p>
+            <a:pPr lvl="1"/>
+            <a:r>
+              <a:rPr lang="en-NZ" dirty="0" smtClean="0"/>
+              <a:t>Strings</a:t>
+            </a:r>
+          </a:p>
+          <a:p>
+            <a:pPr lvl="1"/>
+            <a:r>
+              <a:rPr lang="en-NZ" dirty="0" smtClean="0"/>
+              <a:t>byte</a:t>
+            </a:r>
+          </a:p>
+          <a:p>
+            <a:pPr lvl="1"/>
+            <a:r>
+              <a:rPr lang="en-NZ" dirty="0" err="1" smtClean="0"/>
+              <a:t>int</a:t>
+            </a:r>
+            <a:endParaRPr lang="en-NZ" dirty="0" smtClean="0"/>
+          </a:p>
+          <a:p>
+            <a:pPr lvl="1"/>
+            <a:r>
+              <a:rPr lang="en-NZ" dirty="0" smtClean="0"/>
+              <a:t>short</a:t>
+            </a:r>
+          </a:p>
+          <a:p>
+            <a:pPr lvl="1"/>
+            <a:r>
+              <a:rPr lang="en-NZ" dirty="0" smtClean="0"/>
+              <a:t>float</a:t>
+            </a:r>
+            <a:endParaRPr lang="en-NZ" dirty="0"/>
+          </a:p>
+        </p:txBody>
+      </p:sp>
+    </p:spTree>
+  </p:cSld>
+  <p:clrMapOvr>
+    <a:masterClrMapping/>
+  </p:clrMapOvr>
+  <p:timing>
+    <p:tnLst>
+      <p:par>
+        <p:cTn id="1" dur="indefinite" restart="never" nodeType="tmRoot"/>
+      </p:par>
+    </p:tnLst>
+  </p:timing>
+</p:sld>
+</file>
+
+<file path=ppt/slides/slide15.xml><?xml version="1.0" encoding="utf-8"?>
+<p:sld xmlns:a="http://schemas.openxmlformats.org/drawingml/2006/main" xmlns:r="http://schemas.openxmlformats.org/officeDocument/2006/relationships" xmlns:p="http://schemas.openxmlformats.org/presentationml/2006/main">
+  <p:cSld>
+    <p:spTree>
+      <p:nvGrpSpPr>
+        <p:cNvPr id="1" name=""/>
+        <p:cNvGrpSpPr/>
+        <p:nvPr/>
+      </p:nvGrpSpPr>
+      <p:grpSpPr>
+        <a:xfrm>
+          <a:off x="0" y="0"/>
+          <a:ext cx="0" cy="0"/>
+          <a:chOff x="0" y="0"/>
+          <a:chExt cx="0" cy="0"/>
+        </a:xfrm>
+      </p:grpSpPr>
+      <p:sp>
+        <p:nvSpPr>
+          <p:cNvPr id="2" name="Title 1"/>
+          <p:cNvSpPr>
+            <a:spLocks noGrp="1"/>
+          </p:cNvSpPr>
+          <p:nvPr>
+            <p:ph type="title"/>
           </p:nvPr>
         </p:nvSpPr>
         <p:spPr/>
@@ -6884,30 +8134,1819 @@
           <a:lstStyle/>
           <a:p>
             <a:r>
-              <a:rPr lang="en-AU" dirty="0" smtClean="0">
-                <a:hlinkClick r:id="rId3"/>
-              </a:rPr>
-              <a:t>http://mindprod.com/jgloss/thread.html</a:t>
-            </a:r>
-            <a:endParaRPr lang="en-AU" dirty="0" smtClean="0"/>
-          </a:p>
-          <a:p>
-            <a:r>
-              <a:rPr lang="en-AU" dirty="0" smtClean="0">
-                <a:hlinkClick r:id="rId4"/>
-              </a:rPr>
-              <a:t>http://docs.oracle.com/javase/tutorial/networking/sockets/</a:t>
-            </a:r>
-            <a:endParaRPr lang="en-AU" dirty="0" smtClean="0"/>
-          </a:p>
-          <a:p>
-            <a:r>
-              <a:rPr lang="en-AU" dirty="0" smtClean="0">
-                <a:hlinkClick r:id="rId5"/>
-              </a:rPr>
-              <a:t>http://docs.oracle.com/javase/tutorial/essential/io/index.html</a:t>
+              <a:rPr lang="en-NZ" dirty="0" smtClean="0"/>
+              <a:t>Echo Server</a:t>
             </a:r>
             <a:endParaRPr lang="en-NZ" dirty="0"/>
+          </a:p>
+        </p:txBody>
+      </p:sp>
+      <p:sp>
+        <p:nvSpPr>
+          <p:cNvPr id="4" name="Content Placeholder 3"/>
+          <p:cNvSpPr>
+            <a:spLocks noGrp="1"/>
+          </p:cNvSpPr>
+          <p:nvPr>
+            <p:ph sz="quarter" idx="13"/>
+          </p:nvPr>
+        </p:nvSpPr>
+        <p:spPr/>
+        <p:txBody>
+          <a:bodyPr>
+            <a:noAutofit/>
+          </a:bodyPr>
+          <a:lstStyle/>
+          <a:p>
+            <a:pPr>
+              <a:buNone/>
+            </a:pPr>
+            <a:r>
+              <a:rPr lang="en-NZ" sz="1400" dirty="0" smtClean="0">
+                <a:solidFill>
+                  <a:srgbClr val="000000"/>
+                </a:solidFill>
+                <a:latin typeface="Courier New"/>
+              </a:rPr>
+              <a:t>Socket </a:t>
+            </a:r>
+            <a:r>
+              <a:rPr lang="en-NZ" sz="1400" dirty="0" err="1" smtClean="0">
+                <a:solidFill>
+                  <a:srgbClr val="000000"/>
+                </a:solidFill>
+                <a:latin typeface="Courier New"/>
+              </a:rPr>
+              <a:t>socket</a:t>
+            </a:r>
+            <a:r>
+              <a:rPr lang="en-NZ" sz="1400" dirty="0" smtClean="0">
+                <a:solidFill>
+                  <a:srgbClr val="000000"/>
+                </a:solidFill>
+                <a:latin typeface="Courier New"/>
+              </a:rPr>
+              <a:t> = </a:t>
+            </a:r>
+            <a:r>
+              <a:rPr lang="en-NZ" sz="1400" dirty="0" err="1" smtClean="0">
+                <a:solidFill>
+                  <a:srgbClr val="000000"/>
+                </a:solidFill>
+                <a:latin typeface="Courier New"/>
+              </a:rPr>
+              <a:t>server.accept</a:t>
+            </a:r>
+            <a:r>
+              <a:rPr lang="en-NZ" sz="1400" dirty="0" smtClean="0">
+                <a:solidFill>
+                  <a:srgbClr val="000000"/>
+                </a:solidFill>
+                <a:latin typeface="Courier New"/>
+              </a:rPr>
+              <a:t>();</a:t>
+            </a:r>
+          </a:p>
+          <a:p>
+            <a:pPr>
+              <a:buNone/>
+            </a:pPr>
+            <a:endParaRPr lang="en-NZ" sz="1400" dirty="0" smtClean="0">
+              <a:latin typeface="Courier New"/>
+            </a:endParaRPr>
+          </a:p>
+          <a:p>
+            <a:pPr>
+              <a:buNone/>
+            </a:pPr>
+            <a:r>
+              <a:rPr lang="en-NZ" sz="1400" dirty="0" err="1" smtClean="0">
+                <a:solidFill>
+                  <a:srgbClr val="000000"/>
+                </a:solidFill>
+                <a:latin typeface="Courier New"/>
+              </a:rPr>
+              <a:t>DataInputStream</a:t>
+            </a:r>
+            <a:r>
+              <a:rPr lang="en-NZ" sz="1400" dirty="0" smtClean="0">
+                <a:solidFill>
+                  <a:srgbClr val="000000"/>
+                </a:solidFill>
+                <a:latin typeface="Courier New"/>
+              </a:rPr>
+              <a:t> </a:t>
+            </a:r>
+            <a:r>
+              <a:rPr lang="en-NZ" sz="1400" dirty="0" err="1" smtClean="0">
+                <a:solidFill>
+                  <a:srgbClr val="000000"/>
+                </a:solidFill>
+                <a:latin typeface="Courier New"/>
+              </a:rPr>
+              <a:t>dis</a:t>
+            </a:r>
+            <a:r>
+              <a:rPr lang="en-NZ" sz="1400" dirty="0" smtClean="0">
+                <a:solidFill>
+                  <a:srgbClr val="000000"/>
+                </a:solidFill>
+                <a:latin typeface="Courier New"/>
+              </a:rPr>
+              <a:t> = </a:t>
+            </a:r>
+            <a:r>
+              <a:rPr lang="en-NZ" sz="1400" dirty="0" smtClean="0">
+                <a:solidFill>
+                  <a:srgbClr val="7F0055"/>
+                </a:solidFill>
+                <a:latin typeface="Courier New"/>
+              </a:rPr>
+              <a:t>new</a:t>
+            </a:r>
+            <a:r>
+              <a:rPr lang="en-NZ" sz="1400" dirty="0" smtClean="0">
+                <a:solidFill>
+                  <a:srgbClr val="000000"/>
+                </a:solidFill>
+                <a:latin typeface="Courier New"/>
+              </a:rPr>
+              <a:t> </a:t>
+            </a:r>
+            <a:r>
+              <a:rPr lang="en-NZ" sz="1400" dirty="0" err="1" smtClean="0">
+                <a:solidFill>
+                  <a:srgbClr val="000000"/>
+                </a:solidFill>
+                <a:latin typeface="Courier New"/>
+              </a:rPr>
+              <a:t>DataInputStream</a:t>
+            </a:r>
+            <a:r>
+              <a:rPr lang="en-NZ" sz="1400" dirty="0" smtClean="0">
+                <a:solidFill>
+                  <a:srgbClr val="000000"/>
+                </a:solidFill>
+                <a:latin typeface="Courier New"/>
+              </a:rPr>
+              <a:t>(</a:t>
+            </a:r>
+            <a:r>
+              <a:rPr lang="en-NZ" sz="1400" dirty="0" err="1" smtClean="0">
+                <a:solidFill>
+                  <a:srgbClr val="000000"/>
+                </a:solidFill>
+                <a:latin typeface="Courier New"/>
+              </a:rPr>
+              <a:t>socket.getInputStream</a:t>
+            </a:r>
+            <a:r>
+              <a:rPr lang="en-NZ" sz="1400" dirty="0" smtClean="0">
+                <a:solidFill>
+                  <a:srgbClr val="000000"/>
+                </a:solidFill>
+                <a:latin typeface="Courier New"/>
+              </a:rPr>
+              <a:t>());</a:t>
+            </a:r>
+          </a:p>
+          <a:p>
+            <a:pPr>
+              <a:buNone/>
+            </a:pPr>
+            <a:r>
+              <a:rPr lang="en-NZ" sz="1400" dirty="0" err="1" smtClean="0">
+                <a:solidFill>
+                  <a:srgbClr val="000000"/>
+                </a:solidFill>
+                <a:latin typeface="Courier New"/>
+              </a:rPr>
+              <a:t>DataOutputStream</a:t>
+            </a:r>
+            <a:r>
+              <a:rPr lang="en-NZ" sz="1400" dirty="0" smtClean="0">
+                <a:solidFill>
+                  <a:srgbClr val="000000"/>
+                </a:solidFill>
+                <a:latin typeface="Courier New"/>
+              </a:rPr>
+              <a:t> dos = </a:t>
+            </a:r>
+            <a:r>
+              <a:rPr lang="en-NZ" sz="1400" dirty="0" smtClean="0">
+                <a:solidFill>
+                  <a:srgbClr val="7F0055"/>
+                </a:solidFill>
+                <a:latin typeface="Courier New"/>
+              </a:rPr>
+              <a:t>new</a:t>
+            </a:r>
+            <a:r>
+              <a:rPr lang="en-NZ" sz="1400" dirty="0" smtClean="0">
+                <a:solidFill>
+                  <a:srgbClr val="000000"/>
+                </a:solidFill>
+                <a:latin typeface="Courier New"/>
+              </a:rPr>
+              <a:t> </a:t>
+            </a:r>
+            <a:r>
+              <a:rPr lang="en-NZ" sz="1400" dirty="0" err="1" smtClean="0">
+                <a:solidFill>
+                  <a:srgbClr val="000000"/>
+                </a:solidFill>
+                <a:latin typeface="Courier New"/>
+              </a:rPr>
+              <a:t>DataOutputStream</a:t>
+            </a:r>
+            <a:r>
+              <a:rPr lang="en-NZ" sz="1400" dirty="0" smtClean="0">
+                <a:solidFill>
+                  <a:srgbClr val="000000"/>
+                </a:solidFill>
+                <a:latin typeface="Courier New"/>
+              </a:rPr>
+              <a:t>(</a:t>
+            </a:r>
+            <a:r>
+              <a:rPr lang="en-NZ" sz="1400" dirty="0" err="1" smtClean="0">
+                <a:solidFill>
+                  <a:srgbClr val="000000"/>
+                </a:solidFill>
+                <a:latin typeface="Courier New"/>
+              </a:rPr>
+              <a:t>socket.getOutputStream</a:t>
+            </a:r>
+            <a:r>
+              <a:rPr lang="en-NZ" sz="1400" dirty="0" smtClean="0">
+                <a:solidFill>
+                  <a:srgbClr val="000000"/>
+                </a:solidFill>
+                <a:latin typeface="Courier New"/>
+              </a:rPr>
+              <a:t>());</a:t>
+            </a:r>
+          </a:p>
+          <a:p>
+            <a:pPr>
+              <a:buNone/>
+            </a:pPr>
+            <a:endParaRPr lang="en-NZ" sz="1400" dirty="0" smtClean="0">
+              <a:latin typeface="Courier New"/>
+            </a:endParaRPr>
+          </a:p>
+          <a:p>
+            <a:pPr>
+              <a:buNone/>
+            </a:pPr>
+            <a:r>
+              <a:rPr lang="en-NZ" sz="1400" dirty="0" smtClean="0">
+                <a:solidFill>
+                  <a:srgbClr val="7F0055"/>
+                </a:solidFill>
+                <a:latin typeface="Courier New"/>
+              </a:rPr>
+              <a:t>while</a:t>
+            </a:r>
+            <a:r>
+              <a:rPr lang="en-NZ" sz="1400" dirty="0" smtClean="0">
+                <a:solidFill>
+                  <a:srgbClr val="000000"/>
+                </a:solidFill>
+                <a:latin typeface="Courier New"/>
+              </a:rPr>
+              <a:t>(</a:t>
+            </a:r>
+            <a:r>
+              <a:rPr lang="en-NZ" sz="1400" dirty="0" smtClean="0">
+                <a:solidFill>
+                  <a:srgbClr val="7F0055"/>
+                </a:solidFill>
+                <a:latin typeface="Courier New"/>
+              </a:rPr>
+              <a:t>true</a:t>
+            </a:r>
+            <a:r>
+              <a:rPr lang="en-NZ" sz="1400" dirty="0" smtClean="0">
+                <a:solidFill>
+                  <a:srgbClr val="000000"/>
+                </a:solidFill>
+                <a:latin typeface="Courier New"/>
+              </a:rPr>
+              <a:t>)</a:t>
+            </a:r>
+          </a:p>
+          <a:p>
+            <a:pPr>
+              <a:buNone/>
+            </a:pPr>
+            <a:r>
+              <a:rPr lang="en-NZ" sz="1400" dirty="0" smtClean="0">
+                <a:solidFill>
+                  <a:srgbClr val="000000"/>
+                </a:solidFill>
+                <a:latin typeface="Courier New"/>
+              </a:rPr>
+              <a:t>{</a:t>
+            </a:r>
+          </a:p>
+          <a:p>
+            <a:pPr lvl="1">
+              <a:buNone/>
+            </a:pPr>
+            <a:r>
+              <a:rPr lang="en-NZ" sz="1400" dirty="0" smtClean="0">
+                <a:solidFill>
+                  <a:srgbClr val="7F0055"/>
+                </a:solidFill>
+                <a:latin typeface="Courier New"/>
+              </a:rPr>
+              <a:t>try</a:t>
+            </a:r>
+          </a:p>
+          <a:p>
+            <a:pPr lvl="1">
+              <a:buNone/>
+            </a:pPr>
+            <a:r>
+              <a:rPr lang="en-NZ" sz="1400" dirty="0" smtClean="0">
+                <a:solidFill>
+                  <a:srgbClr val="000000"/>
+                </a:solidFill>
+                <a:latin typeface="Courier New"/>
+              </a:rPr>
+              <a:t>{</a:t>
+            </a:r>
+          </a:p>
+          <a:p>
+            <a:pPr lvl="2">
+              <a:buNone/>
+            </a:pPr>
+            <a:r>
+              <a:rPr lang="en-NZ" sz="1400" dirty="0" smtClean="0">
+                <a:solidFill>
+                  <a:srgbClr val="000000"/>
+                </a:solidFill>
+                <a:latin typeface="Courier New"/>
+              </a:rPr>
+              <a:t>String </a:t>
+            </a:r>
+            <a:r>
+              <a:rPr lang="en-NZ" sz="1400" dirty="0" err="1" smtClean="0">
+                <a:solidFill>
+                  <a:srgbClr val="000000"/>
+                </a:solidFill>
+                <a:latin typeface="Courier New"/>
+              </a:rPr>
+              <a:t>mesg</a:t>
+            </a:r>
+            <a:r>
+              <a:rPr lang="en-NZ" sz="1400" dirty="0" smtClean="0">
+                <a:solidFill>
+                  <a:srgbClr val="000000"/>
+                </a:solidFill>
+                <a:latin typeface="Courier New"/>
+              </a:rPr>
+              <a:t> = </a:t>
+            </a:r>
+            <a:r>
+              <a:rPr lang="en-NZ" sz="1400" dirty="0" err="1" smtClean="0">
+                <a:solidFill>
+                  <a:srgbClr val="000000"/>
+                </a:solidFill>
+                <a:latin typeface="Courier New"/>
+              </a:rPr>
+              <a:t>dis.readUTF</a:t>
+            </a:r>
+            <a:r>
+              <a:rPr lang="en-NZ" sz="1400" dirty="0" smtClean="0">
+                <a:solidFill>
+                  <a:srgbClr val="000000"/>
+                </a:solidFill>
+                <a:latin typeface="Courier New"/>
+              </a:rPr>
+              <a:t>();</a:t>
+            </a:r>
+          </a:p>
+          <a:p>
+            <a:pPr lvl="2">
+              <a:buNone/>
+            </a:pPr>
+            <a:r>
+              <a:rPr lang="en-NZ" sz="1400" dirty="0" err="1" smtClean="0">
+                <a:solidFill>
+                  <a:srgbClr val="000000"/>
+                </a:solidFill>
+                <a:latin typeface="Courier New"/>
+              </a:rPr>
+              <a:t>dos.writeUTF</a:t>
+            </a:r>
+            <a:r>
+              <a:rPr lang="en-NZ" sz="1400" dirty="0" smtClean="0">
+                <a:solidFill>
+                  <a:srgbClr val="000000"/>
+                </a:solidFill>
+                <a:latin typeface="Courier New"/>
+              </a:rPr>
+              <a:t>(</a:t>
+            </a:r>
+            <a:r>
+              <a:rPr lang="en-NZ" sz="1400" dirty="0" smtClean="0">
+                <a:solidFill>
+                  <a:srgbClr val="2A00FF"/>
+                </a:solidFill>
+                <a:latin typeface="Courier New"/>
+              </a:rPr>
+              <a:t>"Echo </a:t>
+            </a:r>
+            <a:r>
+              <a:rPr lang="en-NZ" sz="1400" dirty="0" err="1" smtClean="0">
+                <a:solidFill>
+                  <a:srgbClr val="2A00FF"/>
+                </a:solidFill>
+                <a:latin typeface="Courier New"/>
+              </a:rPr>
+              <a:t>response:"</a:t>
+            </a:r>
+            <a:r>
+              <a:rPr lang="en-NZ" sz="1400" dirty="0" err="1" smtClean="0">
+                <a:solidFill>
+                  <a:srgbClr val="000000"/>
+                </a:solidFill>
+                <a:latin typeface="Courier New"/>
+              </a:rPr>
+              <a:t>+mesg</a:t>
+            </a:r>
+            <a:r>
+              <a:rPr lang="en-NZ" sz="1400" dirty="0" smtClean="0">
+                <a:solidFill>
+                  <a:srgbClr val="000000"/>
+                </a:solidFill>
+                <a:latin typeface="Courier New"/>
+              </a:rPr>
+              <a:t>);</a:t>
+            </a:r>
+          </a:p>
+          <a:p>
+            <a:pPr lvl="1">
+              <a:buNone/>
+            </a:pPr>
+            <a:r>
+              <a:rPr lang="en-NZ" sz="1400" dirty="0" smtClean="0">
+                <a:solidFill>
+                  <a:srgbClr val="000000"/>
+                </a:solidFill>
+                <a:latin typeface="Courier New"/>
+              </a:rPr>
+              <a:t>}</a:t>
+            </a:r>
+          </a:p>
+          <a:p>
+            <a:pPr lvl="1">
+              <a:buNone/>
+            </a:pPr>
+            <a:r>
+              <a:rPr lang="en-NZ" sz="1400" dirty="0" smtClean="0">
+                <a:solidFill>
+                  <a:srgbClr val="7F0055"/>
+                </a:solidFill>
+                <a:latin typeface="Courier New"/>
+              </a:rPr>
+              <a:t>catch</a:t>
+            </a:r>
+            <a:r>
+              <a:rPr lang="en-NZ" sz="1400" dirty="0" smtClean="0">
+                <a:solidFill>
+                  <a:srgbClr val="000000"/>
+                </a:solidFill>
+                <a:latin typeface="Courier New"/>
+              </a:rPr>
+              <a:t>(</a:t>
+            </a:r>
+            <a:r>
+              <a:rPr lang="en-NZ" sz="1400" dirty="0" err="1" smtClean="0">
+                <a:solidFill>
+                  <a:srgbClr val="000000"/>
+                </a:solidFill>
+                <a:latin typeface="Courier New"/>
+              </a:rPr>
+              <a:t>EOFException</a:t>
+            </a:r>
+            <a:r>
+              <a:rPr lang="en-NZ" sz="1400" dirty="0" smtClean="0">
+                <a:solidFill>
+                  <a:srgbClr val="000000"/>
+                </a:solidFill>
+                <a:latin typeface="Courier New"/>
+              </a:rPr>
+              <a:t> e)</a:t>
+            </a:r>
+          </a:p>
+          <a:p>
+            <a:pPr lvl="1">
+              <a:buNone/>
+            </a:pPr>
+            <a:r>
+              <a:rPr lang="en-NZ" sz="1400" dirty="0" smtClean="0">
+                <a:solidFill>
+                  <a:srgbClr val="000000"/>
+                </a:solidFill>
+                <a:latin typeface="Courier New"/>
+              </a:rPr>
+              <a:t>{</a:t>
+            </a:r>
+          </a:p>
+          <a:p>
+            <a:pPr lvl="1">
+              <a:buNone/>
+            </a:pPr>
+            <a:r>
+              <a:rPr lang="en-NZ" sz="1400" dirty="0" smtClean="0">
+                <a:solidFill>
+                  <a:srgbClr val="7F0055"/>
+                </a:solidFill>
+                <a:latin typeface="Courier New"/>
+              </a:rPr>
+              <a:t>	break</a:t>
+            </a:r>
+            <a:r>
+              <a:rPr lang="en-NZ" sz="1400" dirty="0" smtClean="0">
+                <a:solidFill>
+                  <a:srgbClr val="000000"/>
+                </a:solidFill>
+                <a:latin typeface="Courier New"/>
+              </a:rPr>
+              <a:t>;</a:t>
+            </a:r>
+          </a:p>
+          <a:p>
+            <a:pPr lvl="1">
+              <a:buNone/>
+            </a:pPr>
+            <a:r>
+              <a:rPr lang="en-NZ" sz="1400" dirty="0" smtClean="0">
+                <a:solidFill>
+                  <a:srgbClr val="000000"/>
+                </a:solidFill>
+                <a:latin typeface="Courier New"/>
+              </a:rPr>
+              <a:t>}</a:t>
+            </a:r>
+          </a:p>
+          <a:p>
+            <a:pPr>
+              <a:buNone/>
+            </a:pPr>
+            <a:r>
+              <a:rPr lang="en-NZ" sz="1400" dirty="0" smtClean="0">
+                <a:solidFill>
+                  <a:srgbClr val="000000"/>
+                </a:solidFill>
+                <a:latin typeface="Courier New"/>
+              </a:rPr>
+              <a:t>}</a:t>
+            </a:r>
+            <a:endParaRPr lang="en-NZ" sz="1400" dirty="0">
+              <a:latin typeface="Consolas" pitchFamily="49" charset="0"/>
+            </a:endParaRPr>
+          </a:p>
+        </p:txBody>
+      </p:sp>
+    </p:spTree>
+  </p:cSld>
+  <p:clrMapOvr>
+    <a:masterClrMapping/>
+  </p:clrMapOvr>
+  <p:timing>
+    <p:tnLst>
+      <p:par>
+        <p:cTn id="1" dur="indefinite" restart="never" nodeType="tmRoot"/>
+      </p:par>
+    </p:tnLst>
+  </p:timing>
+</p:sld>
+</file>
+
+<file path=ppt/slides/slide16.xml><?xml version="1.0" encoding="utf-8"?>
+<p:sld xmlns:a="http://schemas.openxmlformats.org/drawingml/2006/main" xmlns:r="http://schemas.openxmlformats.org/officeDocument/2006/relationships" xmlns:p="http://schemas.openxmlformats.org/presentationml/2006/main">
+  <p:cSld>
+    <p:spTree>
+      <p:nvGrpSpPr>
+        <p:cNvPr id="1" name=""/>
+        <p:cNvGrpSpPr/>
+        <p:nvPr/>
+      </p:nvGrpSpPr>
+      <p:grpSpPr>
+        <a:xfrm>
+          <a:off x="0" y="0"/>
+          <a:ext cx="0" cy="0"/>
+          <a:chOff x="0" y="0"/>
+          <a:chExt cx="0" cy="0"/>
+        </a:xfrm>
+      </p:grpSpPr>
+      <p:sp>
+        <p:nvSpPr>
+          <p:cNvPr id="2" name="Title 1"/>
+          <p:cNvSpPr>
+            <a:spLocks noGrp="1"/>
+          </p:cNvSpPr>
+          <p:nvPr>
+            <p:ph type="title"/>
+          </p:nvPr>
+        </p:nvSpPr>
+        <p:spPr/>
+        <p:txBody>
+          <a:bodyPr/>
+          <a:lstStyle/>
+          <a:p>
+            <a:r>
+              <a:rPr lang="en-NZ" dirty="0" smtClean="0"/>
+              <a:t>Echo Client</a:t>
+            </a:r>
+            <a:endParaRPr lang="en-NZ" dirty="0"/>
+          </a:p>
+        </p:txBody>
+      </p:sp>
+      <p:sp>
+        <p:nvSpPr>
+          <p:cNvPr id="4" name="Content Placeholder 3"/>
+          <p:cNvSpPr>
+            <a:spLocks noGrp="1"/>
+          </p:cNvSpPr>
+          <p:nvPr>
+            <p:ph sz="quarter" idx="13"/>
+          </p:nvPr>
+        </p:nvSpPr>
+        <p:spPr/>
+        <p:txBody>
+          <a:bodyPr>
+            <a:normAutofit/>
+          </a:bodyPr>
+          <a:lstStyle/>
+          <a:p>
+            <a:pPr>
+              <a:buNone/>
+            </a:pPr>
+            <a:r>
+              <a:rPr lang="en-NZ" sz="1400" dirty="0" smtClean="0">
+                <a:solidFill>
+                  <a:srgbClr val="000000"/>
+                </a:solidFill>
+                <a:latin typeface="Consolas" pitchFamily="49" charset="0"/>
+              </a:rPr>
+              <a:t>Socket client = </a:t>
+            </a:r>
+            <a:r>
+              <a:rPr lang="en-NZ" sz="1400" dirty="0" smtClean="0">
+                <a:solidFill>
+                  <a:srgbClr val="7F0055"/>
+                </a:solidFill>
+                <a:latin typeface="Consolas" pitchFamily="49" charset="0"/>
+              </a:rPr>
+              <a:t>new</a:t>
+            </a:r>
+            <a:r>
+              <a:rPr lang="en-NZ" sz="1400" dirty="0" smtClean="0">
+                <a:solidFill>
+                  <a:srgbClr val="000000"/>
+                </a:solidFill>
+                <a:latin typeface="Consolas" pitchFamily="49" charset="0"/>
+              </a:rPr>
+              <a:t> Socket(</a:t>
+            </a:r>
+            <a:r>
+              <a:rPr lang="en-NZ" sz="1400" dirty="0" smtClean="0">
+                <a:solidFill>
+                  <a:srgbClr val="2A00FF"/>
+                </a:solidFill>
+                <a:latin typeface="Consolas" pitchFamily="49" charset="0"/>
+              </a:rPr>
+              <a:t>"localhost"</a:t>
+            </a:r>
+            <a:r>
+              <a:rPr lang="en-NZ" sz="1400" dirty="0" smtClean="0">
+                <a:solidFill>
+                  <a:srgbClr val="000000"/>
+                </a:solidFill>
+                <a:latin typeface="Consolas" pitchFamily="49" charset="0"/>
+              </a:rPr>
+              <a:t>,5000);</a:t>
+            </a:r>
+          </a:p>
+          <a:p>
+            <a:pPr>
+              <a:buNone/>
+            </a:pPr>
+            <a:r>
+              <a:rPr lang="en-NZ" sz="1400" dirty="0" smtClean="0">
+                <a:solidFill>
+                  <a:srgbClr val="000000"/>
+                </a:solidFill>
+                <a:latin typeface="Consolas" pitchFamily="49" charset="0"/>
+              </a:rPr>
+              <a:t>            </a:t>
+            </a:r>
+          </a:p>
+          <a:p>
+            <a:pPr>
+              <a:buNone/>
+            </a:pPr>
+            <a:r>
+              <a:rPr lang="en-NZ" sz="1400" dirty="0" err="1" smtClean="0">
+                <a:solidFill>
+                  <a:srgbClr val="000000"/>
+                </a:solidFill>
+                <a:latin typeface="Consolas" pitchFamily="49" charset="0"/>
+              </a:rPr>
+              <a:t>DataOutputStream</a:t>
+            </a:r>
+            <a:r>
+              <a:rPr lang="en-NZ" sz="1400" dirty="0" smtClean="0">
+                <a:solidFill>
+                  <a:srgbClr val="000000"/>
+                </a:solidFill>
+                <a:latin typeface="Consolas" pitchFamily="49" charset="0"/>
+              </a:rPr>
+              <a:t> dos = </a:t>
+            </a:r>
+            <a:r>
+              <a:rPr lang="en-NZ" sz="1400" dirty="0" smtClean="0">
+                <a:solidFill>
+                  <a:srgbClr val="7F0055"/>
+                </a:solidFill>
+                <a:latin typeface="Consolas" pitchFamily="49" charset="0"/>
+              </a:rPr>
+              <a:t>new</a:t>
+            </a:r>
+            <a:r>
+              <a:rPr lang="en-NZ" sz="1400" dirty="0" smtClean="0">
+                <a:solidFill>
+                  <a:srgbClr val="000000"/>
+                </a:solidFill>
+                <a:latin typeface="Consolas" pitchFamily="49" charset="0"/>
+              </a:rPr>
+              <a:t> </a:t>
+            </a:r>
+            <a:r>
+              <a:rPr lang="en-NZ" sz="1400" dirty="0" err="1" smtClean="0">
+                <a:solidFill>
+                  <a:srgbClr val="000000"/>
+                </a:solidFill>
+                <a:latin typeface="Consolas" pitchFamily="49" charset="0"/>
+              </a:rPr>
+              <a:t>DataOutputStream</a:t>
+            </a:r>
+            <a:r>
+              <a:rPr lang="en-NZ" sz="1400" dirty="0" smtClean="0">
+                <a:solidFill>
+                  <a:srgbClr val="000000"/>
+                </a:solidFill>
+                <a:latin typeface="Consolas" pitchFamily="49" charset="0"/>
+              </a:rPr>
+              <a:t>(</a:t>
+            </a:r>
+            <a:r>
+              <a:rPr lang="en-NZ" sz="1400" dirty="0" err="1" smtClean="0">
+                <a:solidFill>
+                  <a:srgbClr val="000000"/>
+                </a:solidFill>
+                <a:latin typeface="Consolas" pitchFamily="49" charset="0"/>
+              </a:rPr>
+              <a:t>client.getOutputStream</a:t>
+            </a:r>
+            <a:r>
+              <a:rPr lang="en-NZ" sz="1400" dirty="0" smtClean="0">
+                <a:solidFill>
+                  <a:srgbClr val="000000"/>
+                </a:solidFill>
+                <a:latin typeface="Consolas" pitchFamily="49" charset="0"/>
+              </a:rPr>
+              <a:t>());</a:t>
+            </a:r>
+          </a:p>
+          <a:p>
+            <a:pPr>
+              <a:buNone/>
+            </a:pPr>
+            <a:r>
+              <a:rPr lang="en-NZ" sz="1400" dirty="0" err="1" smtClean="0">
+                <a:solidFill>
+                  <a:srgbClr val="000000"/>
+                </a:solidFill>
+                <a:latin typeface="Consolas" pitchFamily="49" charset="0"/>
+              </a:rPr>
+              <a:t>DataInputStream</a:t>
+            </a:r>
+            <a:r>
+              <a:rPr lang="en-NZ" sz="1400" dirty="0" smtClean="0">
+                <a:solidFill>
+                  <a:srgbClr val="000000"/>
+                </a:solidFill>
+                <a:latin typeface="Consolas" pitchFamily="49" charset="0"/>
+              </a:rPr>
+              <a:t> </a:t>
+            </a:r>
+            <a:r>
+              <a:rPr lang="en-NZ" sz="1400" dirty="0" err="1" smtClean="0">
+                <a:solidFill>
+                  <a:srgbClr val="000000"/>
+                </a:solidFill>
+                <a:latin typeface="Consolas" pitchFamily="49" charset="0"/>
+              </a:rPr>
+              <a:t>dis</a:t>
+            </a:r>
+            <a:r>
+              <a:rPr lang="en-NZ" sz="1400" dirty="0" smtClean="0">
+                <a:solidFill>
+                  <a:srgbClr val="000000"/>
+                </a:solidFill>
+                <a:latin typeface="Consolas" pitchFamily="49" charset="0"/>
+              </a:rPr>
+              <a:t> = </a:t>
+            </a:r>
+            <a:r>
+              <a:rPr lang="en-NZ" sz="1400" dirty="0" smtClean="0">
+                <a:solidFill>
+                  <a:srgbClr val="7F0055"/>
+                </a:solidFill>
+                <a:latin typeface="Consolas" pitchFamily="49" charset="0"/>
+              </a:rPr>
+              <a:t>new</a:t>
+            </a:r>
+            <a:r>
+              <a:rPr lang="en-NZ" sz="1400" dirty="0" smtClean="0">
+                <a:solidFill>
+                  <a:srgbClr val="000000"/>
+                </a:solidFill>
+                <a:latin typeface="Consolas" pitchFamily="49" charset="0"/>
+              </a:rPr>
+              <a:t> </a:t>
+            </a:r>
+            <a:r>
+              <a:rPr lang="en-NZ" sz="1400" dirty="0" err="1" smtClean="0">
+                <a:solidFill>
+                  <a:srgbClr val="000000"/>
+                </a:solidFill>
+                <a:latin typeface="Consolas" pitchFamily="49" charset="0"/>
+              </a:rPr>
+              <a:t>DataInputStream</a:t>
+            </a:r>
+            <a:r>
+              <a:rPr lang="en-NZ" sz="1400" dirty="0" smtClean="0">
+                <a:solidFill>
+                  <a:srgbClr val="000000"/>
+                </a:solidFill>
+                <a:latin typeface="Consolas" pitchFamily="49" charset="0"/>
+              </a:rPr>
+              <a:t>(</a:t>
+            </a:r>
+            <a:r>
+              <a:rPr lang="en-NZ" sz="1400" dirty="0" err="1" smtClean="0">
+                <a:solidFill>
+                  <a:srgbClr val="000000"/>
+                </a:solidFill>
+                <a:latin typeface="Consolas" pitchFamily="49" charset="0"/>
+              </a:rPr>
+              <a:t>client.getInputStream</a:t>
+            </a:r>
+            <a:r>
+              <a:rPr lang="en-NZ" sz="1400" dirty="0" smtClean="0">
+                <a:solidFill>
+                  <a:srgbClr val="000000"/>
+                </a:solidFill>
+                <a:latin typeface="Consolas" pitchFamily="49" charset="0"/>
+              </a:rPr>
+              <a:t>());</a:t>
+            </a:r>
+          </a:p>
+          <a:p>
+            <a:pPr>
+              <a:buNone/>
+            </a:pPr>
+            <a:r>
+              <a:rPr lang="en-NZ" sz="1400" dirty="0" smtClean="0">
+                <a:solidFill>
+                  <a:srgbClr val="000000"/>
+                </a:solidFill>
+                <a:latin typeface="Consolas" pitchFamily="49" charset="0"/>
+              </a:rPr>
+              <a:t>            </a:t>
+            </a:r>
+          </a:p>
+          <a:p>
+            <a:pPr>
+              <a:buNone/>
+            </a:pPr>
+            <a:r>
+              <a:rPr lang="en-NZ" sz="1400" dirty="0" err="1" smtClean="0">
+                <a:solidFill>
+                  <a:srgbClr val="000000"/>
+                </a:solidFill>
+                <a:latin typeface="Consolas" pitchFamily="49" charset="0"/>
+              </a:rPr>
+              <a:t>dos.writeUTF</a:t>
+            </a:r>
+            <a:r>
+              <a:rPr lang="en-NZ" sz="1400" dirty="0" smtClean="0">
+                <a:solidFill>
+                  <a:srgbClr val="000000"/>
+                </a:solidFill>
+                <a:latin typeface="Consolas" pitchFamily="49" charset="0"/>
+              </a:rPr>
+              <a:t>(</a:t>
+            </a:r>
+            <a:r>
+              <a:rPr lang="en-NZ" sz="1400" dirty="0" smtClean="0">
+                <a:solidFill>
+                  <a:srgbClr val="2A00FF"/>
+                </a:solidFill>
+                <a:latin typeface="Consolas" pitchFamily="49" charset="0"/>
+              </a:rPr>
+              <a:t>"Test Message"</a:t>
+            </a:r>
+            <a:r>
+              <a:rPr lang="en-NZ" sz="1400" dirty="0" smtClean="0">
+                <a:solidFill>
+                  <a:srgbClr val="000000"/>
+                </a:solidFill>
+                <a:latin typeface="Consolas" pitchFamily="49" charset="0"/>
+              </a:rPr>
+              <a:t>);</a:t>
+            </a:r>
+          </a:p>
+          <a:p>
+            <a:pPr>
+              <a:buNone/>
+            </a:pPr>
+            <a:r>
+              <a:rPr lang="en-NZ" sz="1400" dirty="0" smtClean="0">
+                <a:solidFill>
+                  <a:srgbClr val="000000"/>
+                </a:solidFill>
+                <a:latin typeface="Consolas" pitchFamily="49" charset="0"/>
+              </a:rPr>
+              <a:t>            </a:t>
+            </a:r>
+          </a:p>
+          <a:p>
+            <a:pPr>
+              <a:buNone/>
+            </a:pPr>
+            <a:r>
+              <a:rPr lang="en-NZ" sz="1400" dirty="0" smtClean="0">
+                <a:solidFill>
+                  <a:srgbClr val="000000"/>
+                </a:solidFill>
+                <a:latin typeface="Consolas" pitchFamily="49" charset="0"/>
+              </a:rPr>
+              <a:t>String </a:t>
+            </a:r>
+            <a:r>
+              <a:rPr lang="en-NZ" sz="1400" dirty="0" err="1" smtClean="0">
+                <a:solidFill>
+                  <a:srgbClr val="000000"/>
+                </a:solidFill>
+                <a:latin typeface="Consolas" pitchFamily="49" charset="0"/>
+              </a:rPr>
+              <a:t>resp</a:t>
+            </a:r>
+            <a:r>
+              <a:rPr lang="en-NZ" sz="1400" dirty="0" smtClean="0">
+                <a:solidFill>
+                  <a:srgbClr val="000000"/>
+                </a:solidFill>
+                <a:latin typeface="Consolas" pitchFamily="49" charset="0"/>
+              </a:rPr>
+              <a:t> = </a:t>
+            </a:r>
+            <a:r>
+              <a:rPr lang="en-NZ" sz="1400" dirty="0" err="1" smtClean="0">
+                <a:solidFill>
+                  <a:srgbClr val="000000"/>
+                </a:solidFill>
+                <a:latin typeface="Consolas" pitchFamily="49" charset="0"/>
+              </a:rPr>
+              <a:t>dis.readUTF</a:t>
+            </a:r>
+            <a:r>
+              <a:rPr lang="en-NZ" sz="1400" dirty="0" smtClean="0">
+                <a:solidFill>
+                  <a:srgbClr val="000000"/>
+                </a:solidFill>
+                <a:latin typeface="Consolas" pitchFamily="49" charset="0"/>
+              </a:rPr>
+              <a:t>();</a:t>
+            </a:r>
+          </a:p>
+          <a:p>
+            <a:pPr>
+              <a:buNone/>
+            </a:pPr>
+            <a:r>
+              <a:rPr lang="en-NZ" sz="1400" dirty="0" err="1" smtClean="0">
+                <a:solidFill>
+                  <a:srgbClr val="000000"/>
+                </a:solidFill>
+                <a:latin typeface="Consolas" pitchFamily="49" charset="0"/>
+              </a:rPr>
+              <a:t>System.</a:t>
+            </a:r>
+            <a:r>
+              <a:rPr lang="en-NZ" sz="1400" i="1" dirty="0" err="1" smtClean="0">
+                <a:solidFill>
+                  <a:srgbClr val="0000C0"/>
+                </a:solidFill>
+                <a:latin typeface="Consolas" pitchFamily="49" charset="0"/>
+              </a:rPr>
+              <a:t>out</a:t>
+            </a:r>
+            <a:r>
+              <a:rPr lang="en-NZ" sz="1400" i="1" dirty="0" err="1" smtClean="0">
+                <a:solidFill>
+                  <a:srgbClr val="000000"/>
+                </a:solidFill>
+                <a:latin typeface="Consolas" pitchFamily="49" charset="0"/>
+              </a:rPr>
+              <a:t>.println</a:t>
+            </a:r>
+            <a:r>
+              <a:rPr lang="en-NZ" sz="1400" i="1" dirty="0" smtClean="0">
+                <a:solidFill>
+                  <a:srgbClr val="000000"/>
+                </a:solidFill>
+                <a:latin typeface="Consolas" pitchFamily="49" charset="0"/>
+              </a:rPr>
+              <a:t>(</a:t>
+            </a:r>
+            <a:r>
+              <a:rPr lang="en-NZ" sz="1400" i="1" dirty="0" err="1" smtClean="0">
+                <a:solidFill>
+                  <a:srgbClr val="000000"/>
+                </a:solidFill>
+                <a:latin typeface="Consolas" pitchFamily="49" charset="0"/>
+              </a:rPr>
+              <a:t>resp</a:t>
+            </a:r>
+            <a:r>
+              <a:rPr lang="en-NZ" sz="1400" i="1" dirty="0" smtClean="0">
+                <a:solidFill>
+                  <a:srgbClr val="000000"/>
+                </a:solidFill>
+                <a:latin typeface="Consolas" pitchFamily="49" charset="0"/>
+              </a:rPr>
+              <a:t>);</a:t>
+            </a:r>
+          </a:p>
+          <a:p>
+            <a:pPr>
+              <a:buNone/>
+            </a:pPr>
+            <a:r>
+              <a:rPr lang="en-NZ" sz="1400" dirty="0" smtClean="0">
+                <a:solidFill>
+                  <a:srgbClr val="000000"/>
+                </a:solidFill>
+                <a:latin typeface="Consolas" pitchFamily="49" charset="0"/>
+              </a:rPr>
+              <a:t>            </a:t>
+            </a:r>
+          </a:p>
+          <a:p>
+            <a:pPr>
+              <a:buNone/>
+            </a:pPr>
+            <a:r>
+              <a:rPr lang="en-NZ" sz="1400" dirty="0" err="1" smtClean="0">
+                <a:solidFill>
+                  <a:srgbClr val="000000"/>
+                </a:solidFill>
+                <a:latin typeface="Consolas" pitchFamily="49" charset="0"/>
+              </a:rPr>
+              <a:t>client.close</a:t>
+            </a:r>
+            <a:r>
+              <a:rPr lang="en-NZ" sz="1400" dirty="0" smtClean="0">
+                <a:solidFill>
+                  <a:srgbClr val="000000"/>
+                </a:solidFill>
+                <a:latin typeface="Consolas" pitchFamily="49" charset="0"/>
+              </a:rPr>
+              <a:t>();</a:t>
+            </a:r>
+            <a:endParaRPr lang="en-NZ" sz="1400" dirty="0">
+              <a:latin typeface="Consolas" pitchFamily="49" charset="0"/>
+            </a:endParaRPr>
+          </a:p>
+        </p:txBody>
+      </p:sp>
+    </p:spTree>
+  </p:cSld>
+  <p:clrMapOvr>
+    <a:masterClrMapping/>
+  </p:clrMapOvr>
+  <p:timing>
+    <p:tnLst>
+      <p:par>
+        <p:cTn id="1" dur="indefinite" restart="never" nodeType="tmRoot"/>
+      </p:par>
+    </p:tnLst>
+  </p:timing>
+</p:sld>
+</file>
+
+<file path=ppt/slides/slide17.xml><?xml version="1.0" encoding="utf-8"?>
+<p:sld xmlns:a="http://schemas.openxmlformats.org/drawingml/2006/main" xmlns:r="http://schemas.openxmlformats.org/officeDocument/2006/relationships" xmlns:p="http://schemas.openxmlformats.org/presentationml/2006/main">
+  <p:cSld>
+    <p:spTree>
+      <p:nvGrpSpPr>
+        <p:cNvPr id="1" name=""/>
+        <p:cNvGrpSpPr/>
+        <p:nvPr/>
+      </p:nvGrpSpPr>
+      <p:grpSpPr>
+        <a:xfrm>
+          <a:off x="0" y="0"/>
+          <a:ext cx="0" cy="0"/>
+          <a:chOff x="0" y="0"/>
+          <a:chExt cx="0" cy="0"/>
+        </a:xfrm>
+      </p:grpSpPr>
+      <p:sp>
+        <p:nvSpPr>
+          <p:cNvPr id="2" name="Title 1"/>
+          <p:cNvSpPr>
+            <a:spLocks noGrp="1"/>
+          </p:cNvSpPr>
+          <p:nvPr>
+            <p:ph type="title"/>
+          </p:nvPr>
+        </p:nvSpPr>
+        <p:spPr/>
+        <p:txBody>
+          <a:bodyPr/>
+          <a:lstStyle/>
+          <a:p>
+            <a:r>
+              <a:rPr lang="en-NZ" dirty="0" smtClean="0"/>
+              <a:t>Server Threads</a:t>
+            </a:r>
+            <a:endParaRPr lang="en-NZ" dirty="0"/>
+          </a:p>
+        </p:txBody>
+      </p:sp>
+      <p:sp>
+        <p:nvSpPr>
+          <p:cNvPr id="4" name="Content Placeholder 3"/>
+          <p:cNvSpPr>
+            <a:spLocks noGrp="1"/>
+          </p:cNvSpPr>
+          <p:nvPr>
+            <p:ph sz="quarter" idx="13"/>
+          </p:nvPr>
+        </p:nvSpPr>
+        <p:spPr/>
+        <p:txBody>
+          <a:bodyPr>
+            <a:normAutofit fontScale="92500" lnSpcReduction="20000"/>
+          </a:bodyPr>
+          <a:lstStyle/>
+          <a:p>
+            <a:r>
+              <a:rPr lang="en-NZ" dirty="0" smtClean="0"/>
+              <a:t>Lots of Socket method calls block waiting for input</a:t>
+            </a:r>
+          </a:p>
+          <a:p>
+            <a:pPr lvl="1"/>
+            <a:r>
+              <a:rPr lang="en-NZ" dirty="0" smtClean="0"/>
+              <a:t>accept() –  blocks waiting for a client connection</a:t>
+            </a:r>
+          </a:p>
+          <a:p>
+            <a:pPr lvl="1"/>
+            <a:r>
+              <a:rPr lang="en-NZ" dirty="0" smtClean="0"/>
+              <a:t>read() – blocks waiting for input</a:t>
+            </a:r>
+          </a:p>
+          <a:p>
+            <a:r>
+              <a:rPr lang="en-NZ" dirty="0" smtClean="0"/>
+              <a:t>In a server with only one thread of execution – the server is blocked and no over tasks can be processed until the blocking method has finished</a:t>
+            </a:r>
+          </a:p>
+          <a:p>
+            <a:r>
+              <a:rPr lang="en-NZ" dirty="0" smtClean="0"/>
+              <a:t>Only one client can connect to a single threaded server at a time</a:t>
+            </a:r>
+          </a:p>
+          <a:p>
+            <a:r>
+              <a:rPr lang="en-NZ" dirty="0" smtClean="0"/>
+              <a:t>Takes a long time to close and open TCP / IP based connections – so can’t rely on close</a:t>
+            </a:r>
+            <a:r>
+              <a:rPr lang="en-NZ" dirty="0" smtClean="0"/>
+              <a:t>() / open to support multiple clients</a:t>
+            </a:r>
+            <a:endParaRPr lang="en-NZ" dirty="0" smtClean="0"/>
+          </a:p>
+        </p:txBody>
+      </p:sp>
+    </p:spTree>
+  </p:cSld>
+  <p:clrMapOvr>
+    <a:masterClrMapping/>
+  </p:clrMapOvr>
+  <p:timing>
+    <p:tnLst>
+      <p:par>
+        <p:cTn id="1" dur="indefinite" restart="never" nodeType="tmRoot"/>
+      </p:par>
+    </p:tnLst>
+  </p:timing>
+</p:sld>
+</file>
+
+<file path=ppt/slides/slide18.xml><?xml version="1.0" encoding="utf-8"?>
+<p:sld xmlns:a="http://schemas.openxmlformats.org/drawingml/2006/main" xmlns:r="http://schemas.openxmlformats.org/officeDocument/2006/relationships" xmlns:p="http://schemas.openxmlformats.org/presentationml/2006/main">
+  <p:cSld>
+    <p:spTree>
+      <p:nvGrpSpPr>
+        <p:cNvPr id="1" name=""/>
+        <p:cNvGrpSpPr/>
+        <p:nvPr/>
+      </p:nvGrpSpPr>
+      <p:grpSpPr>
+        <a:xfrm>
+          <a:off x="0" y="0"/>
+          <a:ext cx="0" cy="0"/>
+          <a:chOff x="0" y="0"/>
+          <a:chExt cx="0" cy="0"/>
+        </a:xfrm>
+      </p:grpSpPr>
+      <p:sp>
+        <p:nvSpPr>
+          <p:cNvPr id="2" name="Title 1"/>
+          <p:cNvSpPr>
+            <a:spLocks noGrp="1"/>
+          </p:cNvSpPr>
+          <p:nvPr>
+            <p:ph type="title"/>
+          </p:nvPr>
+        </p:nvSpPr>
+        <p:spPr/>
+        <p:txBody>
+          <a:bodyPr/>
+          <a:lstStyle/>
+          <a:p>
+            <a:r>
+              <a:rPr lang="en-NZ" dirty="0" smtClean="0"/>
+              <a:t>Server Threads</a:t>
+            </a:r>
+            <a:endParaRPr lang="en-NZ" dirty="0"/>
+          </a:p>
+        </p:txBody>
+      </p:sp>
+      <p:sp>
+        <p:nvSpPr>
+          <p:cNvPr id="4" name="Content Placeholder 3"/>
+          <p:cNvSpPr>
+            <a:spLocks noGrp="1"/>
+          </p:cNvSpPr>
+          <p:nvPr>
+            <p:ph sz="quarter" idx="13"/>
+          </p:nvPr>
+        </p:nvSpPr>
+        <p:spPr>
+          <a:xfrm>
+            <a:off x="609600" y="1796504"/>
+            <a:ext cx="8153400" cy="4368800"/>
+          </a:xfrm>
+        </p:spPr>
+        <p:txBody>
+          <a:bodyPr>
+            <a:noAutofit/>
+          </a:bodyPr>
+          <a:lstStyle/>
+          <a:p>
+            <a:pPr>
+              <a:buNone/>
+            </a:pPr>
+            <a:r>
+              <a:rPr lang="en-NZ" sz="1300" dirty="0" smtClean="0">
+                <a:latin typeface="Consolas" pitchFamily="49" charset="0"/>
+              </a:rPr>
+              <a:t>final Socket </a:t>
+            </a:r>
+            <a:r>
+              <a:rPr lang="en-NZ" sz="1300" dirty="0" err="1" smtClean="0">
+                <a:latin typeface="Consolas" pitchFamily="49" charset="0"/>
+              </a:rPr>
+              <a:t>socket</a:t>
+            </a:r>
+            <a:r>
+              <a:rPr lang="en-NZ" sz="1300" dirty="0" smtClean="0">
+                <a:latin typeface="Consolas" pitchFamily="49" charset="0"/>
+              </a:rPr>
+              <a:t> = </a:t>
+            </a:r>
+            <a:r>
+              <a:rPr lang="en-NZ" sz="1300" dirty="0" err="1" smtClean="0">
+                <a:latin typeface="Consolas" pitchFamily="49" charset="0"/>
+              </a:rPr>
+              <a:t>server.accept</a:t>
+            </a:r>
+            <a:r>
+              <a:rPr lang="en-NZ" sz="1300" dirty="0" smtClean="0">
+                <a:latin typeface="Consolas" pitchFamily="49" charset="0"/>
+              </a:rPr>
+              <a:t>();</a:t>
+            </a:r>
+          </a:p>
+          <a:p>
+            <a:pPr>
+              <a:buNone/>
+            </a:pPr>
+            <a:r>
+              <a:rPr lang="en-NZ" sz="1300" dirty="0" smtClean="0">
+                <a:latin typeface="Consolas" pitchFamily="49" charset="0"/>
+              </a:rPr>
+              <a:t>Thread </a:t>
+            </a:r>
+            <a:r>
+              <a:rPr lang="en-NZ" sz="1300" dirty="0" err="1" smtClean="0">
+                <a:latin typeface="Consolas" pitchFamily="49" charset="0"/>
+              </a:rPr>
+              <a:t>serverThread</a:t>
+            </a:r>
+            <a:r>
+              <a:rPr lang="en-NZ" sz="1300" dirty="0" smtClean="0">
+                <a:latin typeface="Consolas" pitchFamily="49" charset="0"/>
+              </a:rPr>
+              <a:t> = new Thread() {</a:t>
+            </a:r>
+          </a:p>
+          <a:p>
+            <a:pPr lvl="1">
+              <a:buNone/>
+            </a:pPr>
+            <a:r>
+              <a:rPr lang="en-NZ" sz="1300" dirty="0" smtClean="0">
+                <a:latin typeface="Consolas" pitchFamily="49" charset="0"/>
+              </a:rPr>
+              <a:t>public void run() {</a:t>
+            </a:r>
+          </a:p>
+          <a:p>
+            <a:pPr lvl="1">
+              <a:buNone/>
+            </a:pPr>
+            <a:r>
+              <a:rPr lang="en-NZ" sz="1300" dirty="0" smtClean="0">
+                <a:latin typeface="Consolas" pitchFamily="49" charset="0"/>
+              </a:rPr>
+              <a:t>	try {</a:t>
+            </a:r>
+          </a:p>
+          <a:p>
+            <a:pPr lvl="1">
+              <a:buNone/>
+            </a:pPr>
+            <a:r>
+              <a:rPr lang="en-NZ" sz="1300" dirty="0" smtClean="0">
+                <a:latin typeface="Consolas" pitchFamily="49" charset="0"/>
+              </a:rPr>
+              <a:t>            </a:t>
+            </a:r>
+            <a:r>
+              <a:rPr lang="en-NZ" sz="1300" dirty="0" err="1" smtClean="0">
+                <a:latin typeface="Consolas" pitchFamily="49" charset="0"/>
+              </a:rPr>
+              <a:t>InputStream</a:t>
+            </a:r>
+            <a:r>
+              <a:rPr lang="en-NZ" sz="1300" dirty="0" smtClean="0">
+                <a:latin typeface="Consolas" pitchFamily="49" charset="0"/>
+              </a:rPr>
+              <a:t> is = </a:t>
+            </a:r>
+            <a:r>
+              <a:rPr lang="en-NZ" sz="1300" dirty="0" err="1" smtClean="0">
+                <a:latin typeface="Consolas" pitchFamily="49" charset="0"/>
+              </a:rPr>
+              <a:t>socket.getInputStream</a:t>
+            </a:r>
+            <a:r>
+              <a:rPr lang="en-NZ" sz="1300" dirty="0" smtClean="0">
+                <a:latin typeface="Consolas" pitchFamily="49" charset="0"/>
+              </a:rPr>
+              <a:t>();</a:t>
+            </a:r>
+          </a:p>
+          <a:p>
+            <a:pPr lvl="1">
+              <a:buNone/>
+            </a:pPr>
+            <a:r>
+              <a:rPr lang="en-NZ" sz="1300" dirty="0" smtClean="0">
+                <a:latin typeface="Consolas" pitchFamily="49" charset="0"/>
+              </a:rPr>
+              <a:t>            </a:t>
+            </a:r>
+            <a:r>
+              <a:rPr lang="en-NZ" sz="1300" dirty="0" err="1" smtClean="0">
+                <a:latin typeface="Consolas" pitchFamily="49" charset="0"/>
+              </a:rPr>
+              <a:t>StringBuffer</a:t>
+            </a:r>
+            <a:r>
+              <a:rPr lang="en-NZ" sz="1300" dirty="0" smtClean="0">
+                <a:latin typeface="Consolas" pitchFamily="49" charset="0"/>
+              </a:rPr>
+              <a:t> </a:t>
+            </a:r>
+            <a:r>
+              <a:rPr lang="en-NZ" sz="1300" dirty="0" err="1" smtClean="0">
+                <a:latin typeface="Consolas" pitchFamily="49" charset="0"/>
+              </a:rPr>
+              <a:t>mesg</a:t>
+            </a:r>
+            <a:r>
+              <a:rPr lang="en-NZ" sz="1300" dirty="0" smtClean="0">
+                <a:latin typeface="Consolas" pitchFamily="49" charset="0"/>
+              </a:rPr>
+              <a:t> = new </a:t>
+            </a:r>
+            <a:r>
+              <a:rPr lang="en-NZ" sz="1300" dirty="0" err="1" smtClean="0">
+                <a:latin typeface="Consolas" pitchFamily="49" charset="0"/>
+              </a:rPr>
+              <a:t>StringBuffer</a:t>
+            </a:r>
+            <a:r>
+              <a:rPr lang="en-NZ" sz="1300" dirty="0" smtClean="0">
+                <a:latin typeface="Consolas" pitchFamily="49" charset="0"/>
+              </a:rPr>
+              <a:t>();</a:t>
+            </a:r>
+          </a:p>
+          <a:p>
+            <a:pPr lvl="1">
+              <a:buNone/>
+            </a:pPr>
+            <a:r>
+              <a:rPr lang="en-NZ" sz="1300" dirty="0" smtClean="0">
+                <a:latin typeface="Consolas" pitchFamily="49" charset="0"/>
+              </a:rPr>
+              <a:t>            while(true) {</a:t>
+            </a:r>
+          </a:p>
+          <a:p>
+            <a:pPr lvl="1">
+              <a:buNone/>
+            </a:pPr>
+            <a:r>
+              <a:rPr lang="en-NZ" sz="1300" dirty="0" smtClean="0">
+                <a:latin typeface="Consolas" pitchFamily="49" charset="0"/>
+              </a:rPr>
+              <a:t>                </a:t>
+            </a:r>
+            <a:r>
+              <a:rPr lang="en-NZ" sz="1300" dirty="0" err="1" smtClean="0">
+                <a:latin typeface="Consolas" pitchFamily="49" charset="0"/>
+              </a:rPr>
+              <a:t>int</a:t>
+            </a:r>
+            <a:r>
+              <a:rPr lang="en-NZ" sz="1300" dirty="0" smtClean="0">
+                <a:latin typeface="Consolas" pitchFamily="49" charset="0"/>
+              </a:rPr>
+              <a:t> data = </a:t>
+            </a:r>
+            <a:r>
+              <a:rPr lang="en-NZ" sz="1300" dirty="0" err="1" smtClean="0">
+                <a:latin typeface="Consolas" pitchFamily="49" charset="0"/>
+              </a:rPr>
+              <a:t>is.read</a:t>
+            </a:r>
+            <a:r>
+              <a:rPr lang="en-NZ" sz="1300" dirty="0" smtClean="0">
+                <a:latin typeface="Consolas" pitchFamily="49" charset="0"/>
+              </a:rPr>
+              <a:t>();</a:t>
+            </a:r>
+          </a:p>
+          <a:p>
+            <a:pPr lvl="1">
+              <a:buNone/>
+            </a:pPr>
+            <a:r>
+              <a:rPr lang="en-NZ" sz="1300" dirty="0" smtClean="0">
+                <a:latin typeface="Consolas" pitchFamily="49" charset="0"/>
+              </a:rPr>
+              <a:t>                if(data == -1)</a:t>
+            </a:r>
+          </a:p>
+          <a:p>
+            <a:pPr lvl="1">
+              <a:buNone/>
+            </a:pPr>
+            <a:r>
+              <a:rPr lang="en-NZ" sz="1300" dirty="0" smtClean="0">
+                <a:latin typeface="Consolas" pitchFamily="49" charset="0"/>
+              </a:rPr>
+              <a:t>                    break;</a:t>
+            </a:r>
+          </a:p>
+          <a:p>
+            <a:pPr lvl="1">
+              <a:buNone/>
+            </a:pPr>
+            <a:r>
+              <a:rPr lang="en-NZ" sz="1300" dirty="0" smtClean="0">
+                <a:latin typeface="Consolas" pitchFamily="49" charset="0"/>
+              </a:rPr>
+              <a:t>                else</a:t>
+            </a:r>
+          </a:p>
+          <a:p>
+            <a:pPr lvl="1">
+              <a:buNone/>
+            </a:pPr>
+            <a:r>
+              <a:rPr lang="en-NZ" sz="1300" dirty="0" smtClean="0">
+                <a:latin typeface="Consolas" pitchFamily="49" charset="0"/>
+              </a:rPr>
+              <a:t>                    </a:t>
+            </a:r>
+            <a:r>
+              <a:rPr lang="en-NZ" sz="1300" dirty="0" err="1" smtClean="0">
+                <a:latin typeface="Consolas" pitchFamily="49" charset="0"/>
+              </a:rPr>
+              <a:t>mesg.append</a:t>
+            </a:r>
+            <a:r>
+              <a:rPr lang="en-NZ" sz="1300" dirty="0" smtClean="0">
+                <a:latin typeface="Consolas" pitchFamily="49" charset="0"/>
+              </a:rPr>
+              <a:t>((char)data);</a:t>
+            </a:r>
+          </a:p>
+          <a:p>
+            <a:pPr lvl="1">
+              <a:buNone/>
+            </a:pPr>
+            <a:r>
+              <a:rPr lang="en-NZ" sz="1300" dirty="0" smtClean="0">
+                <a:latin typeface="Consolas" pitchFamily="49" charset="0"/>
+              </a:rPr>
+              <a:t>            }</a:t>
+            </a:r>
+          </a:p>
+          <a:p>
+            <a:pPr lvl="1">
+              <a:buNone/>
+            </a:pPr>
+            <a:r>
+              <a:rPr lang="en-NZ" sz="1300" dirty="0" smtClean="0">
+                <a:latin typeface="Consolas" pitchFamily="49" charset="0"/>
+              </a:rPr>
+              <a:t>            </a:t>
+            </a:r>
+            <a:r>
+              <a:rPr lang="en-NZ" sz="1300" dirty="0" err="1" smtClean="0">
+                <a:latin typeface="Consolas" pitchFamily="49" charset="0"/>
+              </a:rPr>
+              <a:t>System.</a:t>
+            </a:r>
+            <a:r>
+              <a:rPr lang="en-NZ" sz="1300" i="1" dirty="0" err="1" smtClean="0">
+                <a:latin typeface="Consolas" pitchFamily="49" charset="0"/>
+              </a:rPr>
+              <a:t>out.println</a:t>
+            </a:r>
+            <a:r>
+              <a:rPr lang="en-NZ" sz="1300" i="1" dirty="0" smtClean="0">
+                <a:latin typeface="Consolas" pitchFamily="49" charset="0"/>
+              </a:rPr>
+              <a:t>(</a:t>
+            </a:r>
+            <a:r>
+              <a:rPr lang="en-NZ" sz="1300" i="1" dirty="0" err="1" smtClean="0">
+                <a:latin typeface="Consolas" pitchFamily="49" charset="0"/>
+              </a:rPr>
+              <a:t>this.getName</a:t>
+            </a:r>
+            <a:r>
+              <a:rPr lang="en-NZ" sz="1300" i="1" dirty="0" smtClean="0">
+                <a:latin typeface="Consolas" pitchFamily="49" charset="0"/>
+              </a:rPr>
+              <a:t>() + "\n"+ </a:t>
+            </a:r>
+            <a:r>
+              <a:rPr lang="en-NZ" sz="1300" i="1" dirty="0" err="1" smtClean="0">
+                <a:latin typeface="Consolas" pitchFamily="49" charset="0"/>
+              </a:rPr>
+              <a:t>mesg</a:t>
+            </a:r>
+            <a:r>
+              <a:rPr lang="en-NZ" sz="1300" i="1" dirty="0" smtClean="0">
+                <a:latin typeface="Consolas" pitchFamily="49" charset="0"/>
+              </a:rPr>
+              <a:t>);</a:t>
+            </a:r>
+          </a:p>
+          <a:p>
+            <a:pPr lvl="1">
+              <a:buNone/>
+            </a:pPr>
+            <a:r>
+              <a:rPr lang="en-NZ" sz="1300" dirty="0" smtClean="0">
+                <a:latin typeface="Consolas" pitchFamily="49" charset="0"/>
+              </a:rPr>
+              <a:t>	}catch(</a:t>
+            </a:r>
+            <a:r>
+              <a:rPr lang="en-NZ" sz="1300" dirty="0" err="1" smtClean="0">
+                <a:latin typeface="Consolas" pitchFamily="49" charset="0"/>
+              </a:rPr>
+              <a:t>IOException</a:t>
+            </a:r>
+            <a:r>
+              <a:rPr lang="en-NZ" sz="1300" dirty="0" smtClean="0">
+                <a:latin typeface="Consolas" pitchFamily="49" charset="0"/>
+              </a:rPr>
+              <a:t> e) { /* … Handle exceptions … */ }</a:t>
+            </a:r>
+          </a:p>
+          <a:p>
+            <a:pPr lvl="1">
+              <a:buNone/>
+            </a:pPr>
+            <a:r>
+              <a:rPr lang="en-NZ" sz="1300" dirty="0" smtClean="0">
+                <a:latin typeface="Consolas" pitchFamily="49" charset="0"/>
+              </a:rPr>
+              <a:t>}</a:t>
+            </a:r>
+          </a:p>
+          <a:p>
+            <a:pPr>
+              <a:buNone/>
+            </a:pPr>
+            <a:r>
+              <a:rPr lang="en-NZ" sz="1300" dirty="0" smtClean="0">
+                <a:latin typeface="Consolas" pitchFamily="49" charset="0"/>
+              </a:rPr>
+              <a:t>};</a:t>
+            </a:r>
+          </a:p>
+          <a:p>
+            <a:pPr>
+              <a:buNone/>
+            </a:pPr>
+            <a:r>
+              <a:rPr lang="en-NZ" sz="1300" dirty="0" err="1" smtClean="0">
+                <a:latin typeface="Consolas" pitchFamily="49" charset="0"/>
+              </a:rPr>
+              <a:t>serverThread.start</a:t>
+            </a:r>
+            <a:r>
+              <a:rPr lang="en-NZ" sz="1300" dirty="0" smtClean="0">
+                <a:latin typeface="Consolas" pitchFamily="49" charset="0"/>
+              </a:rPr>
+              <a:t>();</a:t>
+            </a:r>
+            <a:endParaRPr lang="en-NZ" sz="1300" dirty="0">
+              <a:latin typeface="Consolas" pitchFamily="49" charset="0"/>
+            </a:endParaRPr>
+          </a:p>
+        </p:txBody>
+      </p:sp>
+    </p:spTree>
+  </p:cSld>
+  <p:clrMapOvr>
+    <a:masterClrMapping/>
+  </p:clrMapOvr>
+  <p:timing>
+    <p:tnLst>
+      <p:par>
+        <p:cTn id="1" dur="indefinite" restart="never" nodeType="tmRoot"/>
+      </p:par>
+    </p:tnLst>
+  </p:timing>
+</p:sld>
+</file>
+
+<file path=ppt/slides/slide19.xml><?xml version="1.0" encoding="utf-8"?>
+<p:sld xmlns:a="http://schemas.openxmlformats.org/drawingml/2006/main" xmlns:r="http://schemas.openxmlformats.org/officeDocument/2006/relationships" xmlns:p="http://schemas.openxmlformats.org/presentationml/2006/main">
+  <p:cSld>
+    <p:spTree>
+      <p:nvGrpSpPr>
+        <p:cNvPr id="1" name=""/>
+        <p:cNvGrpSpPr/>
+        <p:nvPr/>
+      </p:nvGrpSpPr>
+      <p:grpSpPr>
+        <a:xfrm>
+          <a:off x="0" y="0"/>
+          <a:ext cx="0" cy="0"/>
+          <a:chOff x="0" y="0"/>
+          <a:chExt cx="0" cy="0"/>
+        </a:xfrm>
+      </p:grpSpPr>
+      <p:sp>
+        <p:nvSpPr>
+          <p:cNvPr id="2" name="Title 1"/>
+          <p:cNvSpPr>
+            <a:spLocks noGrp="1"/>
+          </p:cNvSpPr>
+          <p:nvPr>
+            <p:ph type="title"/>
+          </p:nvPr>
+        </p:nvSpPr>
+        <p:spPr/>
+        <p:txBody>
+          <a:bodyPr/>
+          <a:lstStyle/>
+          <a:p>
+            <a:r>
+              <a:rPr lang="en-NZ" dirty="0" smtClean="0"/>
+              <a:t>Threads</a:t>
+            </a:r>
+            <a:endParaRPr lang="en-NZ" dirty="0"/>
+          </a:p>
+        </p:txBody>
+      </p:sp>
+      <p:sp>
+        <p:nvSpPr>
+          <p:cNvPr id="4" name="Content Placeholder 3"/>
+          <p:cNvSpPr>
+            <a:spLocks noGrp="1"/>
+          </p:cNvSpPr>
+          <p:nvPr>
+            <p:ph sz="quarter" idx="13"/>
+          </p:nvPr>
+        </p:nvSpPr>
+        <p:spPr/>
+        <p:txBody>
+          <a:bodyPr>
+            <a:normAutofit fontScale="92500" lnSpcReduction="10000"/>
+          </a:bodyPr>
+          <a:lstStyle/>
+          <a:p>
+            <a:r>
+              <a:rPr lang="en-NZ" dirty="0" smtClean="0"/>
+              <a:t>Threads should be used whenever a task includes some sort of long running and blocking input and output</a:t>
+            </a:r>
+          </a:p>
+          <a:p>
+            <a:r>
+              <a:rPr lang="en-NZ" dirty="0" smtClean="0"/>
+              <a:t>Servers will use one thread per client</a:t>
+            </a:r>
+          </a:p>
+          <a:p>
+            <a:r>
+              <a:rPr lang="en-NZ" dirty="0" smtClean="0"/>
+              <a:t>Threads allow multiple things to be processed at the same time</a:t>
+            </a:r>
+          </a:p>
+          <a:p>
+            <a:pPr lvl="1"/>
+            <a:r>
+              <a:rPr lang="en-NZ" dirty="0" err="1" smtClean="0"/>
+              <a:t>Thread.sleep</a:t>
+            </a:r>
+            <a:r>
+              <a:rPr lang="en-NZ" dirty="0" smtClean="0"/>
+              <a:t>(100) puts the current thread to sleep for 100 ms</a:t>
+            </a:r>
+          </a:p>
+          <a:p>
+            <a:pPr lvl="1"/>
+            <a:r>
+              <a:rPr lang="en-NZ" dirty="0" smtClean="0"/>
+              <a:t>Make sure your server loop includes a </a:t>
+            </a:r>
+            <a:r>
+              <a:rPr lang="en-NZ" dirty="0" err="1" smtClean="0"/>
+              <a:t>Thread.sleep</a:t>
+            </a:r>
+            <a:r>
+              <a:rPr lang="en-NZ" dirty="0" smtClean="0"/>
+              <a:t>() method to give up priority to other threads</a:t>
+            </a:r>
+          </a:p>
+          <a:p>
+            <a:pPr lvl="1"/>
+            <a:r>
+              <a:rPr lang="en-NZ" dirty="0" smtClean="0"/>
+              <a:t>All the code executed in a Thread is included in the run() method – a thread is stopped once the run() method finishes</a:t>
+            </a:r>
           </a:p>
         </p:txBody>
       </p:sp>
@@ -7026,6 +10065,285 @@
 </p:sld>
 </file>
 
+<file path=ppt/slides/slide20.xml><?xml version="1.0" encoding="utf-8"?>
+<p:sld xmlns:a="http://schemas.openxmlformats.org/drawingml/2006/main" xmlns:r="http://schemas.openxmlformats.org/officeDocument/2006/relationships" xmlns:p="http://schemas.openxmlformats.org/presentationml/2006/main">
+  <p:cSld>
+    <p:spTree>
+      <p:nvGrpSpPr>
+        <p:cNvPr id="1" name=""/>
+        <p:cNvGrpSpPr/>
+        <p:nvPr/>
+      </p:nvGrpSpPr>
+      <p:grpSpPr>
+        <a:xfrm>
+          <a:off x="0" y="0"/>
+          <a:ext cx="0" cy="0"/>
+          <a:chOff x="0" y="0"/>
+          <a:chExt cx="0" cy="0"/>
+        </a:xfrm>
+      </p:grpSpPr>
+      <p:sp>
+        <p:nvSpPr>
+          <p:cNvPr id="2" name="Title 1"/>
+          <p:cNvSpPr>
+            <a:spLocks noGrp="1"/>
+          </p:cNvSpPr>
+          <p:nvPr>
+            <p:ph type="title"/>
+          </p:nvPr>
+        </p:nvSpPr>
+        <p:spPr/>
+        <p:txBody>
+          <a:bodyPr/>
+          <a:lstStyle/>
+          <a:p>
+            <a:r>
+              <a:rPr lang="en-AU" dirty="0" smtClean="0"/>
+              <a:t>Exercises</a:t>
+            </a:r>
+            <a:endParaRPr lang="en-AU" dirty="0"/>
+          </a:p>
+        </p:txBody>
+      </p:sp>
+      <p:sp>
+        <p:nvSpPr>
+          <p:cNvPr id="3" name="Content Placeholder 2"/>
+          <p:cNvSpPr>
+            <a:spLocks noGrp="1"/>
+          </p:cNvSpPr>
+          <p:nvPr>
+            <p:ph sz="quarter" idx="13"/>
+          </p:nvPr>
+        </p:nvSpPr>
+        <p:spPr/>
+        <p:txBody>
+          <a:bodyPr>
+            <a:normAutofit fontScale="32500" lnSpcReduction="20000"/>
+          </a:bodyPr>
+          <a:lstStyle/>
+          <a:p>
+            <a:pPr marL="514350" lvl="0" indent="-514350">
+              <a:buFont typeface="+mj-lt"/>
+              <a:buAutoNum type="arabicPeriod"/>
+            </a:pPr>
+            <a:r>
+              <a:rPr lang="en-NZ" sz="7400" dirty="0"/>
+              <a:t>Setup code to allow a user to input a user </a:t>
+            </a:r>
+            <a:r>
+              <a:rPr lang="en-NZ" sz="7400" dirty="0" smtClean="0"/>
+              <a:t>nickname. </a:t>
+            </a:r>
+            <a:r>
+              <a:rPr lang="en-NZ" sz="7400" dirty="0"/>
+              <a:t>Send the user handle to the server using </a:t>
+            </a:r>
+            <a:r>
+              <a:rPr lang="en-NZ" sz="7400" dirty="0" smtClean="0"/>
+              <a:t>a </a:t>
+            </a:r>
+            <a:r>
+              <a:rPr lang="en-AU" sz="7400" i="1" dirty="0"/>
+              <a:t>REGISTER_CLIENT</a:t>
+            </a:r>
+            <a:r>
+              <a:rPr lang="en-AU" sz="7400" dirty="0"/>
+              <a:t> </a:t>
+            </a:r>
+            <a:r>
+              <a:rPr lang="en-NZ" sz="7400" dirty="0" smtClean="0"/>
+              <a:t>message, and to other clients using a </a:t>
+            </a:r>
+            <a:r>
+              <a:rPr lang="en-AU" sz="7400" i="1" dirty="0" smtClean="0"/>
+              <a:t>REGISTER_BROADCAST </a:t>
+            </a:r>
+            <a:r>
+              <a:rPr lang="en-AU" sz="7400" dirty="0" smtClean="0"/>
+              <a:t>message.</a:t>
+            </a:r>
+            <a:r>
+              <a:rPr lang="en-AU" sz="7400" i="1" dirty="0" smtClean="0"/>
+              <a:t> </a:t>
+            </a:r>
+            <a:r>
+              <a:rPr lang="en-AU" sz="7400" dirty="0" smtClean="0"/>
+              <a:t>Setup code to implement both messages.</a:t>
+            </a:r>
+            <a:endParaRPr lang="en-AU" sz="7400" dirty="0"/>
+          </a:p>
+          <a:p>
+            <a:pPr marL="514350" lvl="0" indent="-514350">
+              <a:buFont typeface="+mj-lt"/>
+              <a:buAutoNum type="arabicPeriod"/>
+            </a:pPr>
+            <a:r>
+              <a:rPr lang="en-NZ" sz="7400" dirty="0"/>
+              <a:t>Setup a new </a:t>
+            </a:r>
+            <a:r>
+              <a:rPr lang="en-NZ" sz="7400" dirty="0" err="1"/>
+              <a:t>JList</a:t>
+            </a:r>
+            <a:r>
+              <a:rPr lang="en-NZ" sz="7400" dirty="0"/>
+              <a:t> component to allow the chat client to display in list format the names / handles of the other users logged into the Server</a:t>
+            </a:r>
+            <a:r>
+              <a:rPr lang="en-NZ" sz="7400" dirty="0" smtClean="0"/>
+              <a:t>.</a:t>
+            </a:r>
+            <a:endParaRPr lang="en-AU" sz="7400" dirty="0"/>
+          </a:p>
+          <a:p>
+            <a:pPr marL="514350" lvl="0" indent="-514350">
+              <a:buFont typeface="+mj-lt"/>
+              <a:buAutoNum type="arabicPeriod"/>
+            </a:pPr>
+            <a:r>
+              <a:rPr lang="en-NZ" sz="7400" dirty="0"/>
+              <a:t>Allow a user to select a client from the list of logged in users, and allow the system to send that user a private message</a:t>
+            </a:r>
+            <a:r>
+              <a:rPr lang="en-NZ" sz="7400" dirty="0" smtClean="0"/>
+              <a:t>.</a:t>
+            </a:r>
+          </a:p>
+          <a:p>
+            <a:r>
+              <a:rPr lang="en-NZ" sz="7400" dirty="0" smtClean="0"/>
+              <a:t>Team work 3-4 students; different teams to last time</a:t>
+            </a:r>
+          </a:p>
+          <a:p>
+            <a:r>
+              <a:rPr lang="en-NZ" sz="7400" dirty="0" smtClean="0"/>
+              <a:t>Final due date 30/03/2015 23:55</a:t>
+            </a:r>
+          </a:p>
+          <a:p>
+            <a:pPr marL="514350" lvl="0" indent="-514350">
+              <a:buFont typeface="+mj-lt"/>
+              <a:buAutoNum type="arabicPeriod"/>
+            </a:pPr>
+            <a:endParaRPr lang="en-AU" dirty="0"/>
+          </a:p>
+          <a:p>
+            <a:endParaRPr lang="en-AU" dirty="0"/>
+          </a:p>
+        </p:txBody>
+      </p:sp>
+    </p:spTree>
+    <p:extLst>
+      <p:ext uri="{BB962C8B-B14F-4D97-AF65-F5344CB8AC3E}">
+        <p14:creationId xmlns:p14="http://schemas.microsoft.com/office/powerpoint/2010/main" val="1181050411"/>
+      </p:ext>
+    </p:extLst>
+  </p:cSld>
+  <p:clrMapOvr>
+    <a:masterClrMapping/>
+  </p:clrMapOvr>
+</p:sld>
+</file>
+
+<file path=ppt/slides/slide21.xml><?xml version="1.0" encoding="utf-8"?>
+<p:sld xmlns:a="http://schemas.openxmlformats.org/drawingml/2006/main" xmlns:r="http://schemas.openxmlformats.org/officeDocument/2006/relationships" xmlns:p="http://schemas.openxmlformats.org/presentationml/2006/main">
+  <p:cSld>
+    <p:spTree>
+      <p:nvGrpSpPr>
+        <p:cNvPr id="1" name=""/>
+        <p:cNvGrpSpPr/>
+        <p:nvPr/>
+      </p:nvGrpSpPr>
+      <p:grpSpPr>
+        <a:xfrm>
+          <a:off x="0" y="0"/>
+          <a:ext cx="0" cy="0"/>
+          <a:chOff x="0" y="0"/>
+          <a:chExt cx="0" cy="0"/>
+        </a:xfrm>
+      </p:grpSpPr>
+      <p:sp>
+        <p:nvSpPr>
+          <p:cNvPr id="2" name="Title 1"/>
+          <p:cNvSpPr>
+            <a:spLocks noGrp="1"/>
+          </p:cNvSpPr>
+          <p:nvPr>
+            <p:ph type="title"/>
+          </p:nvPr>
+        </p:nvSpPr>
+        <p:spPr/>
+        <p:txBody>
+          <a:bodyPr/>
+          <a:lstStyle/>
+          <a:p>
+            <a:r>
+              <a:rPr lang="en-NZ" dirty="0" smtClean="0"/>
+              <a:t>Readings</a:t>
+            </a:r>
+            <a:endParaRPr lang="en-NZ" dirty="0"/>
+          </a:p>
+        </p:txBody>
+      </p:sp>
+      <p:sp>
+        <p:nvSpPr>
+          <p:cNvPr id="4" name="Content Placeholder 3"/>
+          <p:cNvSpPr>
+            <a:spLocks noGrp="1"/>
+          </p:cNvSpPr>
+          <p:nvPr>
+            <p:ph sz="quarter" idx="13"/>
+          </p:nvPr>
+        </p:nvSpPr>
+        <p:spPr/>
+        <p:txBody>
+          <a:bodyPr/>
+          <a:lstStyle/>
+          <a:p>
+            <a:r>
+              <a:rPr lang="en-AU" dirty="0" smtClean="0">
+                <a:hlinkClick r:id="rId3"/>
+              </a:rPr>
+              <a:t>http://mindprod.com/jgloss/thread.html</a:t>
+            </a:r>
+            <a:endParaRPr lang="en-AU" dirty="0" smtClean="0"/>
+          </a:p>
+          <a:p>
+            <a:r>
+              <a:rPr lang="en-AU" dirty="0" smtClean="0">
+                <a:hlinkClick r:id="rId4"/>
+              </a:rPr>
+              <a:t>http://docs.oracle.com/javase/tutorial/networking/sockets/</a:t>
+            </a:r>
+            <a:endParaRPr lang="en-AU" dirty="0" smtClean="0"/>
+          </a:p>
+          <a:p>
+            <a:r>
+              <a:rPr lang="en-AU" dirty="0" smtClean="0">
+                <a:hlinkClick r:id="rId5"/>
+              </a:rPr>
+              <a:t>http://docs.oracle.com/javase/tutorial/essential/io/index.html</a:t>
+            </a:r>
+            <a:endParaRPr lang="en-NZ" dirty="0"/>
+          </a:p>
+        </p:txBody>
+      </p:sp>
+    </p:spTree>
+  </p:cSld>
+  <p:clrMapOvr>
+    <a:masterClrMapping/>
+  </p:clrMapOvr>
+  <p:timing>
+    <p:tnLst>
+      <p:par>
+        <p:cTn id="1" dur="indefinite" restart="never" nodeType="tmRoot"/>
+      </p:par>
+    </p:tnLst>
+  </p:timing>
+</p:sld>
+</file>
+
 <file path=ppt/slides/slide3.xml><?xml version="1.0" encoding="utf-8"?>
 <p:sld xmlns:a="http://schemas.openxmlformats.org/drawingml/2006/main" xmlns:r="http://schemas.openxmlformats.org/officeDocument/2006/relationships" xmlns:p="http://schemas.openxmlformats.org/presentationml/2006/main">
   <p:cSld>
@@ -7143,6 +10461,365 @@
 </file>
 
 <file path=ppt/slides/slide4.xml><?xml version="1.0" encoding="utf-8"?>
+<p:sld xmlns:a="http://schemas.openxmlformats.org/drawingml/2006/main" xmlns:r="http://schemas.openxmlformats.org/officeDocument/2006/relationships" xmlns:p="http://schemas.openxmlformats.org/presentationml/2006/main">
+  <p:cSld>
+    <p:spTree>
+      <p:nvGrpSpPr>
+        <p:cNvPr id="1" name=""/>
+        <p:cNvGrpSpPr/>
+        <p:nvPr/>
+      </p:nvGrpSpPr>
+      <p:grpSpPr>
+        <a:xfrm>
+          <a:off x="0" y="0"/>
+          <a:ext cx="0" cy="0"/>
+          <a:chOff x="0" y="0"/>
+          <a:chExt cx="0" cy="0"/>
+        </a:xfrm>
+      </p:grpSpPr>
+      <p:sp>
+        <p:nvSpPr>
+          <p:cNvPr id="2" name="Title 1"/>
+          <p:cNvSpPr>
+            <a:spLocks noGrp="1"/>
+          </p:cNvSpPr>
+          <p:nvPr>
+            <p:ph type="title"/>
+          </p:nvPr>
+        </p:nvSpPr>
+        <p:spPr/>
+        <p:txBody>
+          <a:bodyPr/>
+          <a:lstStyle/>
+          <a:p>
+            <a:r>
+              <a:rPr lang="en-AU" dirty="0" smtClean="0"/>
+              <a:t>Socket Programming</a:t>
+            </a:r>
+            <a:endParaRPr lang="en-AU" dirty="0"/>
+          </a:p>
+        </p:txBody>
+      </p:sp>
+      <p:sp>
+        <p:nvSpPr>
+          <p:cNvPr id="3" name="Content Placeholder 2"/>
+          <p:cNvSpPr>
+            <a:spLocks noGrp="1"/>
+          </p:cNvSpPr>
+          <p:nvPr>
+            <p:ph sz="quarter" idx="13"/>
+          </p:nvPr>
+        </p:nvSpPr>
+        <p:spPr>
+          <a:xfrm>
+            <a:off x="609600" y="1803400"/>
+            <a:ext cx="4826496" cy="4368800"/>
+          </a:xfrm>
+        </p:spPr>
+        <p:txBody>
+          <a:bodyPr/>
+          <a:lstStyle/>
+          <a:p>
+            <a:r>
+              <a:rPr lang="en-AU" dirty="0" smtClean="0"/>
+              <a:t>Application Layer Programming</a:t>
+            </a:r>
+          </a:p>
+          <a:p>
+            <a:r>
+              <a:rPr lang="en-AU" dirty="0" smtClean="0"/>
+              <a:t>Do not need to worry about how TCP/IP and UDP work</a:t>
+            </a:r>
+          </a:p>
+          <a:p>
+            <a:r>
+              <a:rPr lang="en-AU" dirty="0" smtClean="0"/>
+              <a:t>Do not need to worry about network adaptor, device driver etc.</a:t>
+            </a:r>
+          </a:p>
+          <a:p>
+            <a:endParaRPr lang="en-AU" dirty="0" smtClean="0"/>
+          </a:p>
+          <a:p>
+            <a:endParaRPr lang="en-AU" dirty="0"/>
+          </a:p>
+        </p:txBody>
+      </p:sp>
+      <p:grpSp>
+        <p:nvGrpSpPr>
+          <p:cNvPr id="4" name="Group 11"/>
+          <p:cNvGrpSpPr>
+            <a:grpSpLocks/>
+          </p:cNvGrpSpPr>
+          <p:nvPr/>
+        </p:nvGrpSpPr>
+        <p:grpSpPr bwMode="auto">
+          <a:xfrm>
+            <a:off x="5580112" y="1916832"/>
+            <a:ext cx="2987919" cy="3055938"/>
+            <a:chOff x="2099" y="1488"/>
+            <a:chExt cx="2039" cy="1925"/>
+          </a:xfrm>
+        </p:grpSpPr>
+        <p:sp>
+          <p:nvSpPr>
+            <p:cNvPr id="5" name="Rectangle 6"/>
+            <p:cNvSpPr>
+              <a:spLocks noChangeArrowheads="1"/>
+            </p:cNvSpPr>
+            <p:nvPr/>
+          </p:nvSpPr>
+          <p:spPr bwMode="auto">
+            <a:xfrm>
+              <a:off x="2099" y="1488"/>
+              <a:ext cx="2036" cy="484"/>
+            </a:xfrm>
+            <a:prstGeom prst="rect">
+              <a:avLst/>
+            </a:prstGeom>
+            <a:solidFill>
+              <a:srgbClr val="CCECFF"/>
+            </a:solidFill>
+            <a:ln w="12700" algn="ctr">
+              <a:solidFill>
+                <a:schemeClr val="accent1"/>
+              </a:solidFill>
+              <a:miter lim="800000"/>
+              <a:headEnd/>
+              <a:tailEnd/>
+            </a:ln>
+            <a:effectLst/>
+            <a:extLst>
+              <a:ext uri="{AF507438-7753-43E0-B8FC-AC1667EBCBE1}">
+                <a14:hiddenEffects xmlns:a14="http://schemas.microsoft.com/office/drawing/2010/main">
+                  <a:effectLst>
+                    <a:outerShdw dist="35921" dir="2700000" algn="ctr" rotWithShape="0">
+                      <a:schemeClr val="bg2"/>
+                    </a:outerShdw>
+                  </a:effectLst>
+                </a14:hiddenEffects>
+              </a:ext>
+            </a:extLst>
+          </p:spPr>
+          <p:txBody>
+            <a:bodyPr wrap="none" lIns="36576" tIns="0" rIns="0" bIns="0" anchor="ctr"/>
+            <a:lstStyle/>
+            <a:p>
+              <a:r>
+                <a:rPr lang="en-US" altLang="zh-CN" dirty="0">
+                  <a:ea typeface="宋体" pitchFamily="2" charset="-122"/>
+                </a:rPr>
+                <a:t>Application</a:t>
+              </a:r>
+            </a:p>
+            <a:p>
+              <a:r>
+                <a:rPr lang="en-US" altLang="zh-CN" dirty="0">
+                  <a:ea typeface="宋体" pitchFamily="2" charset="-122"/>
+                </a:rPr>
+                <a:t>(HTTP, ftp, telnet, …)</a:t>
+              </a:r>
+            </a:p>
+          </p:txBody>
+        </p:sp>
+        <p:sp>
+          <p:nvSpPr>
+            <p:cNvPr id="6" name="Rectangle 7"/>
+            <p:cNvSpPr>
+              <a:spLocks noChangeArrowheads="1"/>
+            </p:cNvSpPr>
+            <p:nvPr/>
+          </p:nvSpPr>
+          <p:spPr bwMode="auto">
+            <a:xfrm>
+              <a:off x="2102" y="1969"/>
+              <a:ext cx="2036" cy="484"/>
+            </a:xfrm>
+            <a:prstGeom prst="rect">
+              <a:avLst/>
+            </a:prstGeom>
+            <a:solidFill>
+              <a:srgbClr val="FFFFCC"/>
+            </a:solidFill>
+            <a:ln w="12700" algn="ctr">
+              <a:solidFill>
+                <a:schemeClr val="accent1"/>
+              </a:solidFill>
+              <a:miter lim="800000"/>
+              <a:headEnd/>
+              <a:tailEnd/>
+            </a:ln>
+            <a:effectLst/>
+            <a:extLst>
+              <a:ext uri="{AF507438-7753-43E0-B8FC-AC1667EBCBE1}">
+                <a14:hiddenEffects xmlns:a14="http://schemas.microsoft.com/office/drawing/2010/main">
+                  <a:effectLst>
+                    <a:outerShdw dist="35921" dir="2700000" algn="ctr" rotWithShape="0">
+                      <a:schemeClr val="bg2"/>
+                    </a:outerShdw>
+                  </a:effectLst>
+                </a14:hiddenEffects>
+              </a:ext>
+            </a:extLst>
+          </p:spPr>
+          <p:txBody>
+            <a:bodyPr wrap="none" lIns="36576" tIns="0" rIns="0" bIns="0" anchor="ctr"/>
+            <a:lstStyle/>
+            <a:p>
+              <a:r>
+                <a:rPr lang="en-US" altLang="zh-CN">
+                  <a:ea typeface="宋体" pitchFamily="2" charset="-122"/>
+                </a:rPr>
+                <a:t>Transport</a:t>
+              </a:r>
+            </a:p>
+            <a:p>
+              <a:r>
+                <a:rPr lang="en-US" altLang="zh-CN">
+                  <a:ea typeface="宋体" pitchFamily="2" charset="-122"/>
+                </a:rPr>
+                <a:t>(TCP, UDP)</a:t>
+              </a:r>
+            </a:p>
+          </p:txBody>
+        </p:sp>
+        <p:sp>
+          <p:nvSpPr>
+            <p:cNvPr id="7" name="Rectangle 8"/>
+            <p:cNvSpPr>
+              <a:spLocks noChangeArrowheads="1"/>
+            </p:cNvSpPr>
+            <p:nvPr/>
+          </p:nvSpPr>
+          <p:spPr bwMode="auto">
+            <a:xfrm>
+              <a:off x="2099" y="2448"/>
+              <a:ext cx="2036" cy="484"/>
+            </a:xfrm>
+            <a:prstGeom prst="rect">
+              <a:avLst/>
+            </a:prstGeom>
+            <a:solidFill>
+              <a:srgbClr val="FFCCFF"/>
+            </a:solidFill>
+            <a:ln w="12700" algn="ctr">
+              <a:solidFill>
+                <a:schemeClr val="accent1"/>
+              </a:solidFill>
+              <a:miter lim="800000"/>
+              <a:headEnd/>
+              <a:tailEnd/>
+            </a:ln>
+            <a:effectLst/>
+            <a:extLst>
+              <a:ext uri="{AF507438-7753-43E0-B8FC-AC1667EBCBE1}">
+                <a14:hiddenEffects xmlns:a14="http://schemas.microsoft.com/office/drawing/2010/main">
+                  <a:effectLst>
+                    <a:outerShdw dist="35921" dir="2700000" algn="ctr" rotWithShape="0">
+                      <a:schemeClr val="bg2"/>
+                    </a:outerShdw>
+                  </a:effectLst>
+                </a14:hiddenEffects>
+              </a:ext>
+            </a:extLst>
+          </p:spPr>
+          <p:txBody>
+            <a:bodyPr wrap="none" lIns="36576" tIns="0" rIns="0" bIns="0" anchor="ctr"/>
+            <a:lstStyle/>
+            <a:p>
+              <a:r>
+                <a:rPr lang="en-US" altLang="zh-CN">
+                  <a:ea typeface="宋体" pitchFamily="2" charset="-122"/>
+                </a:rPr>
+                <a:t>Network</a:t>
+              </a:r>
+            </a:p>
+            <a:p>
+              <a:r>
+                <a:rPr lang="en-US" altLang="zh-CN">
+                  <a:ea typeface="宋体" pitchFamily="2" charset="-122"/>
+                </a:rPr>
+                <a:t>(IP, …)</a:t>
+              </a:r>
+            </a:p>
+          </p:txBody>
+        </p:sp>
+        <p:sp>
+          <p:nvSpPr>
+            <p:cNvPr id="8" name="Rectangle 9"/>
+            <p:cNvSpPr>
+              <a:spLocks noChangeArrowheads="1"/>
+            </p:cNvSpPr>
+            <p:nvPr/>
+          </p:nvSpPr>
+          <p:spPr bwMode="auto">
+            <a:xfrm>
+              <a:off x="2102" y="2929"/>
+              <a:ext cx="2036" cy="484"/>
+            </a:xfrm>
+            <a:prstGeom prst="rect">
+              <a:avLst/>
+            </a:prstGeom>
+            <a:solidFill>
+              <a:srgbClr val="99FFCC"/>
+            </a:solidFill>
+            <a:ln w="12700" algn="ctr">
+              <a:solidFill>
+                <a:schemeClr val="accent1"/>
+              </a:solidFill>
+              <a:miter lim="800000"/>
+              <a:headEnd/>
+              <a:tailEnd/>
+            </a:ln>
+            <a:effectLst/>
+            <a:extLst>
+              <a:ext uri="{AF507438-7753-43E0-B8FC-AC1667EBCBE1}">
+                <a14:hiddenEffects xmlns:a14="http://schemas.microsoft.com/office/drawing/2010/main">
+                  <a:effectLst>
+                    <a:outerShdw dist="35921" dir="2700000" algn="ctr" rotWithShape="0">
+                      <a:schemeClr val="bg2"/>
+                    </a:outerShdw>
+                  </a:effectLst>
+                </a14:hiddenEffects>
+              </a:ext>
+            </a:extLst>
+          </p:spPr>
+          <p:txBody>
+            <a:bodyPr wrap="none" lIns="36576" tIns="0" rIns="0" bIns="0" anchor="ctr"/>
+            <a:lstStyle/>
+            <a:p>
+              <a:r>
+                <a:rPr lang="en-US" altLang="zh-CN">
+                  <a:ea typeface="宋体" pitchFamily="2" charset="-122"/>
+                </a:rPr>
+                <a:t>Link</a:t>
+              </a:r>
+            </a:p>
+            <a:p>
+              <a:r>
+                <a:rPr lang="en-US" altLang="zh-CN">
+                  <a:ea typeface="宋体" pitchFamily="2" charset="-122"/>
+                </a:rPr>
+                <a:t>(device, driver …)</a:t>
+              </a:r>
+            </a:p>
+          </p:txBody>
+        </p:sp>
+      </p:grpSp>
+    </p:spTree>
+    <p:extLst>
+      <p:ext uri="{BB962C8B-B14F-4D97-AF65-F5344CB8AC3E}">
+        <p14:creationId xmlns:p14="http://schemas.microsoft.com/office/powerpoint/2010/main" val="1477965892"/>
+      </p:ext>
+    </p:extLst>
+  </p:cSld>
+  <p:clrMapOvr>
+    <a:masterClrMapping/>
+  </p:clrMapOvr>
+</p:sld>
+</file>
+
+<file path=ppt/slides/slide5.xml><?xml version="1.0" encoding="utf-8"?>
 <p:sld xmlns:a="http://schemas.openxmlformats.org/drawingml/2006/main" xmlns:r="http://schemas.openxmlformats.org/officeDocument/2006/relationships" xmlns:p="http://schemas.openxmlformats.org/presentationml/2006/main">
   <p:cSld>
     <p:spTree>
@@ -7648,7 +11325,7 @@
 </p:sld>
 </file>
 
-<file path=ppt/slides/slide5.xml><?xml version="1.0" encoding="utf-8"?>
+<file path=ppt/slides/slide6.xml><?xml version="1.0" encoding="utf-8"?>
 <p:sld xmlns:a="http://schemas.openxmlformats.org/drawingml/2006/main" xmlns:r="http://schemas.openxmlformats.org/officeDocument/2006/relationships" xmlns:p="http://schemas.openxmlformats.org/presentationml/2006/main">
   <p:cSld>
     <p:spTree>
@@ -8740,807 +12417,6 @@
 </p:sld>
 </file>
 
-<file path=ppt/slides/slide6.xml><?xml version="1.0" encoding="utf-8"?>
-<p:sld xmlns:a="http://schemas.openxmlformats.org/drawingml/2006/main" xmlns:r="http://schemas.openxmlformats.org/officeDocument/2006/relationships" xmlns:p="http://schemas.openxmlformats.org/presentationml/2006/main">
-  <p:cSld>
-    <p:spTree>
-      <p:nvGrpSpPr>
-        <p:cNvPr id="1" name=""/>
-        <p:cNvGrpSpPr/>
-        <p:nvPr/>
-      </p:nvGrpSpPr>
-      <p:grpSpPr>
-        <a:xfrm>
-          <a:off x="0" y="0"/>
-          <a:ext cx="0" cy="0"/>
-          <a:chOff x="0" y="0"/>
-          <a:chExt cx="0" cy="0"/>
-        </a:xfrm>
-      </p:grpSpPr>
-      <p:sp>
-        <p:nvSpPr>
-          <p:cNvPr id="2" name="Title 1"/>
-          <p:cNvSpPr>
-            <a:spLocks noGrp="1"/>
-          </p:cNvSpPr>
-          <p:nvPr>
-            <p:ph type="title"/>
-          </p:nvPr>
-        </p:nvSpPr>
-        <p:spPr/>
-        <p:txBody>
-          <a:bodyPr/>
-          <a:lstStyle/>
-          <a:p>
-            <a:r>
-              <a:rPr lang="en-AU" smtClean="0"/>
-              <a:t>Client</a:t>
-            </a:r>
-            <a:endParaRPr lang="en-AU" dirty="0"/>
-          </a:p>
-        </p:txBody>
-      </p:sp>
-      <p:sp>
-        <p:nvSpPr>
-          <p:cNvPr id="4" name="Content Placeholder 3"/>
-          <p:cNvSpPr>
-            <a:spLocks noGrp="1"/>
-          </p:cNvSpPr>
-          <p:nvPr>
-            <p:ph sz="quarter" idx="13"/>
-          </p:nvPr>
-        </p:nvSpPr>
-        <p:spPr/>
-        <p:txBody>
-          <a:bodyPr>
-            <a:noAutofit/>
-          </a:bodyPr>
-          <a:lstStyle/>
-          <a:p>
-            <a:pPr>
-              <a:spcBef>
-                <a:spcPts val="0"/>
-              </a:spcBef>
-              <a:buNone/>
-            </a:pPr>
-            <a:r>
-              <a:rPr lang="en-NZ" sz="1400" dirty="0" smtClean="0">
-                <a:latin typeface="Consolas" pitchFamily="49" charset="0"/>
-                <a:cs typeface="Consolas" pitchFamily="49" charset="0"/>
-              </a:rPr>
-              <a:t>import </a:t>
-            </a:r>
-            <a:r>
-              <a:rPr lang="en-NZ" sz="1400" dirty="0" err="1" smtClean="0">
-                <a:latin typeface="Consolas" pitchFamily="49" charset="0"/>
-                <a:cs typeface="Consolas" pitchFamily="49" charset="0"/>
-              </a:rPr>
-              <a:t>java.io.IOException</a:t>
-            </a:r>
-            <a:r>
-              <a:rPr lang="en-NZ" sz="1400" dirty="0" smtClean="0">
-                <a:latin typeface="Consolas" pitchFamily="49" charset="0"/>
-                <a:cs typeface="Consolas" pitchFamily="49" charset="0"/>
-              </a:rPr>
-              <a:t>;</a:t>
-            </a:r>
-          </a:p>
-          <a:p>
-            <a:pPr>
-              <a:spcBef>
-                <a:spcPts val="0"/>
-              </a:spcBef>
-              <a:buNone/>
-            </a:pPr>
-            <a:r>
-              <a:rPr lang="en-NZ" sz="1400" dirty="0" smtClean="0">
-                <a:latin typeface="Consolas" pitchFamily="49" charset="0"/>
-                <a:cs typeface="Consolas" pitchFamily="49" charset="0"/>
-              </a:rPr>
-              <a:t>import </a:t>
-            </a:r>
-            <a:r>
-              <a:rPr lang="en-NZ" sz="1400" dirty="0" err="1" smtClean="0">
-                <a:latin typeface="Consolas" pitchFamily="49" charset="0"/>
-                <a:cs typeface="Consolas" pitchFamily="49" charset="0"/>
-              </a:rPr>
-              <a:t>java.io.OutputStream</a:t>
-            </a:r>
-            <a:r>
-              <a:rPr lang="en-NZ" sz="1400" dirty="0" smtClean="0">
-                <a:latin typeface="Consolas" pitchFamily="49" charset="0"/>
-                <a:cs typeface="Consolas" pitchFamily="49" charset="0"/>
-              </a:rPr>
-              <a:t>;</a:t>
-            </a:r>
-          </a:p>
-          <a:p>
-            <a:pPr>
-              <a:spcBef>
-                <a:spcPts val="0"/>
-              </a:spcBef>
-              <a:buNone/>
-            </a:pPr>
-            <a:r>
-              <a:rPr lang="en-NZ" sz="1400" dirty="0" smtClean="0">
-                <a:latin typeface="Consolas" pitchFamily="49" charset="0"/>
-                <a:cs typeface="Consolas" pitchFamily="49" charset="0"/>
-              </a:rPr>
-              <a:t>import </a:t>
-            </a:r>
-            <a:r>
-              <a:rPr lang="en-NZ" sz="1400" dirty="0" err="1" smtClean="0">
-                <a:latin typeface="Consolas" pitchFamily="49" charset="0"/>
-                <a:cs typeface="Consolas" pitchFamily="49" charset="0"/>
-              </a:rPr>
-              <a:t>java.net.Socket</a:t>
-            </a:r>
-            <a:r>
-              <a:rPr lang="en-NZ" sz="1400" dirty="0" smtClean="0">
-                <a:latin typeface="Consolas" pitchFamily="49" charset="0"/>
-                <a:cs typeface="Consolas" pitchFamily="49" charset="0"/>
-              </a:rPr>
-              <a:t>;</a:t>
-            </a:r>
-          </a:p>
-          <a:p>
-            <a:pPr>
-              <a:spcBef>
-                <a:spcPts val="0"/>
-              </a:spcBef>
-              <a:buNone/>
-            </a:pPr>
-            <a:endParaRPr lang="en-NZ" sz="1400" dirty="0" smtClean="0">
-              <a:latin typeface="Consolas" pitchFamily="49" charset="0"/>
-              <a:cs typeface="Consolas" pitchFamily="49" charset="0"/>
-            </a:endParaRPr>
-          </a:p>
-          <a:p>
-            <a:pPr>
-              <a:spcBef>
-                <a:spcPts val="0"/>
-              </a:spcBef>
-              <a:buNone/>
-            </a:pPr>
-            <a:r>
-              <a:rPr lang="en-NZ" sz="1400" dirty="0" smtClean="0">
-                <a:latin typeface="Consolas" pitchFamily="49" charset="0"/>
-                <a:cs typeface="Consolas" pitchFamily="49" charset="0"/>
-              </a:rPr>
-              <a:t>public class Client {</a:t>
-            </a:r>
-          </a:p>
-          <a:p>
-            <a:pPr>
-              <a:spcBef>
-                <a:spcPts val="0"/>
-              </a:spcBef>
-              <a:buNone/>
-            </a:pPr>
-            <a:r>
-              <a:rPr lang="en-NZ" sz="1400" dirty="0" smtClean="0">
-                <a:latin typeface="Consolas" pitchFamily="49" charset="0"/>
-                <a:cs typeface="Consolas" pitchFamily="49" charset="0"/>
-              </a:rPr>
-              <a:t>    public static void main(String[] </a:t>
-            </a:r>
-            <a:r>
-              <a:rPr lang="en-NZ" sz="1400" dirty="0" err="1" smtClean="0">
-                <a:latin typeface="Consolas" pitchFamily="49" charset="0"/>
-                <a:cs typeface="Consolas" pitchFamily="49" charset="0"/>
-              </a:rPr>
-              <a:t>args</a:t>
-            </a:r>
-            <a:r>
-              <a:rPr lang="en-NZ" sz="1400" dirty="0" smtClean="0">
-                <a:latin typeface="Consolas" pitchFamily="49" charset="0"/>
-                <a:cs typeface="Consolas" pitchFamily="49" charset="0"/>
-              </a:rPr>
-              <a:t>)</a:t>
-            </a:r>
-          </a:p>
-          <a:p>
-            <a:pPr>
-              <a:spcBef>
-                <a:spcPts val="0"/>
-              </a:spcBef>
-              <a:buNone/>
-            </a:pPr>
-            <a:r>
-              <a:rPr lang="en-NZ" sz="1400" dirty="0" smtClean="0">
-                <a:latin typeface="Consolas" pitchFamily="49" charset="0"/>
-                <a:cs typeface="Consolas" pitchFamily="49" charset="0"/>
-              </a:rPr>
-              <a:t>    {</a:t>
-            </a:r>
-          </a:p>
-          <a:p>
-            <a:pPr>
-              <a:spcBef>
-                <a:spcPts val="0"/>
-              </a:spcBef>
-              <a:buNone/>
-            </a:pPr>
-            <a:r>
-              <a:rPr lang="en-NZ" sz="1400" dirty="0" smtClean="0">
-                <a:latin typeface="Consolas" pitchFamily="49" charset="0"/>
-                <a:cs typeface="Consolas" pitchFamily="49" charset="0"/>
-              </a:rPr>
-              <a:t>        try</a:t>
-            </a:r>
-          </a:p>
-          <a:p>
-            <a:pPr>
-              <a:spcBef>
-                <a:spcPts val="0"/>
-              </a:spcBef>
-              <a:buNone/>
-            </a:pPr>
-            <a:r>
-              <a:rPr lang="en-NZ" sz="1400" dirty="0" smtClean="0">
-                <a:latin typeface="Consolas" pitchFamily="49" charset="0"/>
-                <a:cs typeface="Consolas" pitchFamily="49" charset="0"/>
-              </a:rPr>
-              <a:t>        {</a:t>
-            </a:r>
-          </a:p>
-          <a:p>
-            <a:pPr>
-              <a:spcBef>
-                <a:spcPts val="0"/>
-              </a:spcBef>
-              <a:buNone/>
-            </a:pPr>
-            <a:r>
-              <a:rPr lang="en-NZ" sz="1400" dirty="0" smtClean="0">
-                <a:latin typeface="Consolas" pitchFamily="49" charset="0"/>
-                <a:cs typeface="Consolas" pitchFamily="49" charset="0"/>
-              </a:rPr>
-              <a:t>            Socket client = new Socket("localhost",5000);</a:t>
-            </a:r>
-          </a:p>
-          <a:p>
-            <a:pPr>
-              <a:spcBef>
-                <a:spcPts val="0"/>
-              </a:spcBef>
-              <a:buNone/>
-            </a:pPr>
-            <a:r>
-              <a:rPr lang="en-NZ" sz="1400" dirty="0" smtClean="0">
-                <a:latin typeface="Consolas" pitchFamily="49" charset="0"/>
-                <a:cs typeface="Consolas" pitchFamily="49" charset="0"/>
-              </a:rPr>
-              <a:t>            </a:t>
-            </a:r>
-          </a:p>
-          <a:p>
-            <a:pPr>
-              <a:spcBef>
-                <a:spcPts val="0"/>
-              </a:spcBef>
-              <a:buNone/>
-            </a:pPr>
-            <a:r>
-              <a:rPr lang="en-NZ" sz="1400" dirty="0" smtClean="0">
-                <a:latin typeface="Consolas" pitchFamily="49" charset="0"/>
-                <a:cs typeface="Consolas" pitchFamily="49" charset="0"/>
-              </a:rPr>
-              <a:t>            </a:t>
-            </a:r>
-            <a:r>
-              <a:rPr lang="en-NZ" sz="1400" dirty="0" err="1" smtClean="0">
-                <a:latin typeface="Consolas" pitchFamily="49" charset="0"/>
-                <a:cs typeface="Consolas" pitchFamily="49" charset="0"/>
-              </a:rPr>
-              <a:t>OutputStream</a:t>
-            </a:r>
-            <a:r>
-              <a:rPr lang="en-NZ" sz="1400" dirty="0" smtClean="0">
-                <a:latin typeface="Consolas" pitchFamily="49" charset="0"/>
-                <a:cs typeface="Consolas" pitchFamily="49" charset="0"/>
-              </a:rPr>
-              <a:t> </a:t>
-            </a:r>
-            <a:r>
-              <a:rPr lang="en-NZ" sz="1400" dirty="0" err="1" smtClean="0">
-                <a:latin typeface="Consolas" pitchFamily="49" charset="0"/>
-                <a:cs typeface="Consolas" pitchFamily="49" charset="0"/>
-              </a:rPr>
-              <a:t>os</a:t>
-            </a:r>
-            <a:r>
-              <a:rPr lang="en-NZ" sz="1400" dirty="0" smtClean="0">
-                <a:latin typeface="Consolas" pitchFamily="49" charset="0"/>
-                <a:cs typeface="Consolas" pitchFamily="49" charset="0"/>
-              </a:rPr>
-              <a:t> = </a:t>
-            </a:r>
-            <a:r>
-              <a:rPr lang="en-NZ" sz="1400" dirty="0" err="1" smtClean="0">
-                <a:latin typeface="Consolas" pitchFamily="49" charset="0"/>
-                <a:cs typeface="Consolas" pitchFamily="49" charset="0"/>
-              </a:rPr>
-              <a:t>client.getOutputStream</a:t>
-            </a:r>
-            <a:r>
-              <a:rPr lang="en-NZ" sz="1400" dirty="0" smtClean="0">
-                <a:latin typeface="Consolas" pitchFamily="49" charset="0"/>
-                <a:cs typeface="Consolas" pitchFamily="49" charset="0"/>
-              </a:rPr>
-              <a:t>();</a:t>
-            </a:r>
-          </a:p>
-          <a:p>
-            <a:pPr>
-              <a:spcBef>
-                <a:spcPts val="0"/>
-              </a:spcBef>
-              <a:buNone/>
-            </a:pPr>
-            <a:r>
-              <a:rPr lang="en-NZ" sz="1400" dirty="0" smtClean="0">
-                <a:latin typeface="Consolas" pitchFamily="49" charset="0"/>
-                <a:cs typeface="Consolas" pitchFamily="49" charset="0"/>
-              </a:rPr>
-              <a:t>            </a:t>
-            </a:r>
-            <a:r>
-              <a:rPr lang="en-NZ" sz="1400" dirty="0" err="1" smtClean="0">
-                <a:latin typeface="Consolas" pitchFamily="49" charset="0"/>
-                <a:cs typeface="Consolas" pitchFamily="49" charset="0"/>
-              </a:rPr>
-              <a:t>os.write</a:t>
-            </a:r>
-            <a:r>
-              <a:rPr lang="en-NZ" sz="1400" dirty="0" smtClean="0">
-                <a:latin typeface="Consolas" pitchFamily="49" charset="0"/>
-                <a:cs typeface="Consolas" pitchFamily="49" charset="0"/>
-              </a:rPr>
-              <a:t>("Hello ISCG7425".getBytes());</a:t>
-            </a:r>
-          </a:p>
-          <a:p>
-            <a:pPr>
-              <a:spcBef>
-                <a:spcPts val="0"/>
-              </a:spcBef>
-              <a:buNone/>
-            </a:pPr>
-            <a:r>
-              <a:rPr lang="en-NZ" sz="1400" dirty="0" smtClean="0">
-                <a:latin typeface="Consolas" pitchFamily="49" charset="0"/>
-                <a:cs typeface="Consolas" pitchFamily="49" charset="0"/>
-              </a:rPr>
-              <a:t>            </a:t>
-            </a:r>
-            <a:r>
-              <a:rPr lang="en-NZ" sz="1400" dirty="0" err="1" smtClean="0">
-                <a:latin typeface="Consolas" pitchFamily="49" charset="0"/>
-                <a:cs typeface="Consolas" pitchFamily="49" charset="0"/>
-              </a:rPr>
-              <a:t>os.close</a:t>
-            </a:r>
-            <a:r>
-              <a:rPr lang="en-NZ" sz="1400" dirty="0" smtClean="0">
-                <a:latin typeface="Consolas" pitchFamily="49" charset="0"/>
-                <a:cs typeface="Consolas" pitchFamily="49" charset="0"/>
-              </a:rPr>
-              <a:t>();</a:t>
-            </a:r>
-          </a:p>
-          <a:p>
-            <a:pPr>
-              <a:spcBef>
-                <a:spcPts val="0"/>
-              </a:spcBef>
-              <a:buNone/>
-            </a:pPr>
-            <a:r>
-              <a:rPr lang="en-NZ" sz="1400" dirty="0" smtClean="0">
-                <a:latin typeface="Consolas" pitchFamily="49" charset="0"/>
-                <a:cs typeface="Consolas" pitchFamily="49" charset="0"/>
-              </a:rPr>
-              <a:t>            </a:t>
-            </a:r>
-          </a:p>
-          <a:p>
-            <a:pPr>
-              <a:spcBef>
-                <a:spcPts val="0"/>
-              </a:spcBef>
-              <a:buNone/>
-            </a:pPr>
-            <a:r>
-              <a:rPr lang="en-NZ" sz="1400" dirty="0" smtClean="0">
-                <a:latin typeface="Consolas" pitchFamily="49" charset="0"/>
-                <a:cs typeface="Consolas" pitchFamily="49" charset="0"/>
-              </a:rPr>
-              <a:t>            </a:t>
-            </a:r>
-            <a:r>
-              <a:rPr lang="en-NZ" sz="1400" dirty="0" err="1" smtClean="0">
-                <a:latin typeface="Consolas" pitchFamily="49" charset="0"/>
-                <a:cs typeface="Consolas" pitchFamily="49" charset="0"/>
-              </a:rPr>
-              <a:t>client.close</a:t>
-            </a:r>
-            <a:r>
-              <a:rPr lang="en-NZ" sz="1400" dirty="0" smtClean="0">
-                <a:latin typeface="Consolas" pitchFamily="49" charset="0"/>
-                <a:cs typeface="Consolas" pitchFamily="49" charset="0"/>
-              </a:rPr>
-              <a:t>();</a:t>
-            </a:r>
-          </a:p>
-          <a:p>
-            <a:pPr>
-              <a:spcBef>
-                <a:spcPts val="0"/>
-              </a:spcBef>
-              <a:buNone/>
-            </a:pPr>
-            <a:r>
-              <a:rPr lang="en-NZ" sz="1400" dirty="0" smtClean="0">
-                <a:latin typeface="Consolas" pitchFamily="49" charset="0"/>
-                <a:cs typeface="Consolas" pitchFamily="49" charset="0"/>
-              </a:rPr>
-              <a:t>        }</a:t>
-            </a:r>
-          </a:p>
-          <a:p>
-            <a:pPr>
-              <a:spcBef>
-                <a:spcPts val="0"/>
-              </a:spcBef>
-              <a:buNone/>
-            </a:pPr>
-            <a:r>
-              <a:rPr lang="en-NZ" sz="1400" dirty="0" smtClean="0">
-                <a:latin typeface="Consolas" pitchFamily="49" charset="0"/>
-                <a:cs typeface="Consolas" pitchFamily="49" charset="0"/>
-              </a:rPr>
-              <a:t>        catch(</a:t>
-            </a:r>
-            <a:r>
-              <a:rPr lang="en-NZ" sz="1400" dirty="0" err="1" smtClean="0">
-                <a:latin typeface="Consolas" pitchFamily="49" charset="0"/>
-                <a:cs typeface="Consolas" pitchFamily="49" charset="0"/>
-              </a:rPr>
-              <a:t>IOException</a:t>
-            </a:r>
-            <a:r>
-              <a:rPr lang="en-NZ" sz="1400" dirty="0" smtClean="0">
-                <a:latin typeface="Consolas" pitchFamily="49" charset="0"/>
-                <a:cs typeface="Consolas" pitchFamily="49" charset="0"/>
-              </a:rPr>
-              <a:t> e)</a:t>
-            </a:r>
-          </a:p>
-          <a:p>
-            <a:pPr>
-              <a:spcBef>
-                <a:spcPts val="0"/>
-              </a:spcBef>
-              <a:buNone/>
-            </a:pPr>
-            <a:r>
-              <a:rPr lang="en-NZ" sz="1400" dirty="0" smtClean="0">
-                <a:latin typeface="Consolas" pitchFamily="49" charset="0"/>
-                <a:cs typeface="Consolas" pitchFamily="49" charset="0"/>
-              </a:rPr>
-              <a:t>        {</a:t>
-            </a:r>
-          </a:p>
-          <a:p>
-            <a:pPr>
-              <a:spcBef>
-                <a:spcPts val="0"/>
-              </a:spcBef>
-              <a:buNone/>
-            </a:pPr>
-            <a:r>
-              <a:rPr lang="en-NZ" sz="1400" dirty="0" smtClean="0">
-                <a:latin typeface="Consolas" pitchFamily="49" charset="0"/>
-                <a:cs typeface="Consolas" pitchFamily="49" charset="0"/>
-              </a:rPr>
-              <a:t>            </a:t>
-            </a:r>
-            <a:r>
-              <a:rPr lang="en-NZ" sz="1400" dirty="0" err="1" smtClean="0">
-                <a:latin typeface="Consolas" pitchFamily="49" charset="0"/>
-                <a:cs typeface="Consolas" pitchFamily="49" charset="0"/>
-              </a:rPr>
-              <a:t>e.printStackTrace</a:t>
-            </a:r>
-            <a:r>
-              <a:rPr lang="en-NZ" sz="1400" dirty="0" smtClean="0">
-                <a:latin typeface="Consolas" pitchFamily="49" charset="0"/>
-                <a:cs typeface="Consolas" pitchFamily="49" charset="0"/>
-              </a:rPr>
-              <a:t>();</a:t>
-            </a:r>
-          </a:p>
-          <a:p>
-            <a:pPr>
-              <a:spcBef>
-                <a:spcPts val="0"/>
-              </a:spcBef>
-              <a:buNone/>
-            </a:pPr>
-            <a:r>
-              <a:rPr lang="en-NZ" sz="1400" dirty="0" smtClean="0">
-                <a:latin typeface="Consolas" pitchFamily="49" charset="0"/>
-                <a:cs typeface="Consolas" pitchFamily="49" charset="0"/>
-              </a:rPr>
-              <a:t>        }</a:t>
-            </a:r>
-          </a:p>
-          <a:p>
-            <a:pPr>
-              <a:spcBef>
-                <a:spcPts val="0"/>
-              </a:spcBef>
-              <a:buNone/>
-            </a:pPr>
-            <a:r>
-              <a:rPr lang="en-NZ" sz="1400" dirty="0" smtClean="0">
-                <a:latin typeface="Consolas" pitchFamily="49" charset="0"/>
-                <a:cs typeface="Consolas" pitchFamily="49" charset="0"/>
-              </a:rPr>
-              <a:t>    }</a:t>
-            </a:r>
-          </a:p>
-          <a:p>
-            <a:pPr>
-              <a:spcBef>
-                <a:spcPts val="0"/>
-              </a:spcBef>
-              <a:buNone/>
-            </a:pPr>
-            <a:r>
-              <a:rPr lang="en-NZ" sz="1400" dirty="0" smtClean="0">
-                <a:latin typeface="Consolas" pitchFamily="49" charset="0"/>
-                <a:cs typeface="Consolas" pitchFamily="49" charset="0"/>
-              </a:rPr>
-              <a:t>}</a:t>
-            </a:r>
-          </a:p>
-          <a:p>
-            <a:pPr>
-              <a:spcBef>
-                <a:spcPts val="0"/>
-              </a:spcBef>
-              <a:buNone/>
-            </a:pPr>
-            <a:endParaRPr lang="en-AU" sz="1400" dirty="0">
-              <a:latin typeface="Consolas" pitchFamily="49" charset="0"/>
-              <a:cs typeface="Consolas" pitchFamily="49" charset="0"/>
-            </a:endParaRPr>
-          </a:p>
-        </p:txBody>
-      </p:sp>
-      <p:cxnSp>
-        <p:nvCxnSpPr>
-          <p:cNvPr id="6" name="Straight Arrow Connector 5"/>
-          <p:cNvCxnSpPr/>
-          <p:nvPr/>
-        </p:nvCxnSpPr>
-        <p:spPr>
-          <a:xfrm flipH="1">
-            <a:off x="4139952" y="2780928"/>
-            <a:ext cx="1584176" cy="936104"/>
-          </a:xfrm>
-          <a:prstGeom prst="straightConnector1">
-            <a:avLst/>
-          </a:prstGeom>
-          <a:ln>
-            <a:solidFill>
-              <a:schemeClr val="tx1"/>
-            </a:solidFill>
-            <a:tailEnd type="arrow"/>
-          </a:ln>
-        </p:spPr>
-        <p:style>
-          <a:lnRef idx="1">
-            <a:schemeClr val="accent1"/>
-          </a:lnRef>
-          <a:fillRef idx="0">
-            <a:schemeClr val="accent1"/>
-          </a:fillRef>
-          <a:effectRef idx="0">
-            <a:schemeClr val="accent1"/>
-          </a:effectRef>
-          <a:fontRef idx="minor">
-            <a:schemeClr val="tx1"/>
-          </a:fontRef>
-        </p:style>
-      </p:cxnSp>
-      <p:sp>
-        <p:nvSpPr>
-          <p:cNvPr id="11" name="TextBox 10"/>
-          <p:cNvSpPr txBox="1"/>
-          <p:nvPr/>
-        </p:nvSpPr>
-        <p:spPr>
-          <a:xfrm>
-            <a:off x="5724128" y="2348880"/>
-            <a:ext cx="2743200" cy="707886"/>
-          </a:xfrm>
-          <a:prstGeom prst="rect">
-            <a:avLst/>
-          </a:prstGeom>
-          <a:noFill/>
-        </p:spPr>
-        <p:txBody>
-          <a:bodyPr wrap="square" rtlCol="0">
-            <a:spAutoFit/>
-          </a:bodyPr>
-          <a:lstStyle/>
-          <a:p>
-            <a:r>
-              <a:rPr lang="en-NZ" dirty="0" smtClean="0"/>
-              <a:t>Open socket connection to </a:t>
-            </a:r>
-            <a:r>
-              <a:rPr lang="en-NZ" dirty="0" err="1" smtClean="0"/>
-              <a:t>localhost</a:t>
-            </a:r>
-            <a:r>
-              <a:rPr lang="en-NZ" dirty="0" smtClean="0"/>
-              <a:t> on port 5000</a:t>
-            </a:r>
-            <a:endParaRPr lang="en-NZ" dirty="0"/>
-          </a:p>
-        </p:txBody>
-      </p:sp>
-      <p:sp>
-        <p:nvSpPr>
-          <p:cNvPr id="13" name="TextBox 12"/>
-          <p:cNvSpPr txBox="1"/>
-          <p:nvPr/>
-        </p:nvSpPr>
-        <p:spPr>
-          <a:xfrm>
-            <a:off x="6400800" y="3068960"/>
-            <a:ext cx="2743200" cy="707886"/>
-          </a:xfrm>
-          <a:prstGeom prst="rect">
-            <a:avLst/>
-          </a:prstGeom>
-          <a:noFill/>
-        </p:spPr>
-        <p:txBody>
-          <a:bodyPr wrap="square" rtlCol="0">
-            <a:spAutoFit/>
-          </a:bodyPr>
-          <a:lstStyle/>
-          <a:p>
-            <a:r>
-              <a:rPr lang="en-NZ" dirty="0" smtClean="0"/>
-              <a:t>Get a reference to Socket’s Output Stream</a:t>
-            </a:r>
-            <a:endParaRPr lang="en-NZ" dirty="0"/>
-          </a:p>
-        </p:txBody>
-      </p:sp>
-      <p:cxnSp>
-        <p:nvCxnSpPr>
-          <p:cNvPr id="14" name="Straight Arrow Connector 13"/>
-          <p:cNvCxnSpPr/>
-          <p:nvPr/>
-        </p:nvCxnSpPr>
-        <p:spPr>
-          <a:xfrm flipH="1">
-            <a:off x="6156176" y="3717032"/>
-            <a:ext cx="1440160" cy="504056"/>
-          </a:xfrm>
-          <a:prstGeom prst="straightConnector1">
-            <a:avLst/>
-          </a:prstGeom>
-          <a:ln>
-            <a:solidFill>
-              <a:schemeClr val="tx1"/>
-            </a:solidFill>
-            <a:tailEnd type="arrow"/>
-          </a:ln>
-        </p:spPr>
-        <p:style>
-          <a:lnRef idx="1">
-            <a:schemeClr val="accent1"/>
-          </a:lnRef>
-          <a:fillRef idx="0">
-            <a:schemeClr val="accent1"/>
-          </a:fillRef>
-          <a:effectRef idx="0">
-            <a:schemeClr val="accent1"/>
-          </a:effectRef>
-          <a:fontRef idx="minor">
-            <a:schemeClr val="tx1"/>
-          </a:fontRef>
-        </p:style>
-      </p:cxnSp>
-      <p:cxnSp>
-        <p:nvCxnSpPr>
-          <p:cNvPr id="19" name="Straight Arrow Connector 18"/>
-          <p:cNvCxnSpPr/>
-          <p:nvPr/>
-        </p:nvCxnSpPr>
-        <p:spPr>
-          <a:xfrm flipH="1" flipV="1">
-            <a:off x="3851920" y="4653136"/>
-            <a:ext cx="1939280" cy="452264"/>
-          </a:xfrm>
-          <a:prstGeom prst="straightConnector1">
-            <a:avLst/>
-          </a:prstGeom>
-          <a:ln>
-            <a:solidFill>
-              <a:schemeClr val="tx1"/>
-            </a:solidFill>
-            <a:tailEnd type="arrow"/>
-          </a:ln>
-        </p:spPr>
-        <p:style>
-          <a:lnRef idx="1">
-            <a:schemeClr val="accent1"/>
-          </a:lnRef>
-          <a:fillRef idx="0">
-            <a:schemeClr val="accent1"/>
-          </a:fillRef>
-          <a:effectRef idx="0">
-            <a:schemeClr val="accent1"/>
-          </a:effectRef>
-          <a:fontRef idx="minor">
-            <a:schemeClr val="tx1"/>
-          </a:fontRef>
-        </p:style>
-      </p:cxnSp>
-      <p:sp>
-        <p:nvSpPr>
-          <p:cNvPr id="28" name="TextBox 27"/>
-          <p:cNvSpPr txBox="1"/>
-          <p:nvPr/>
-        </p:nvSpPr>
-        <p:spPr>
-          <a:xfrm>
-            <a:off x="5943600" y="4800600"/>
-            <a:ext cx="2743200" cy="1323439"/>
-          </a:xfrm>
-          <a:prstGeom prst="rect">
-            <a:avLst/>
-          </a:prstGeom>
-          <a:noFill/>
-        </p:spPr>
-        <p:txBody>
-          <a:bodyPr wrap="square" rtlCol="0">
-            <a:spAutoFit/>
-          </a:bodyPr>
-          <a:lstStyle/>
-          <a:p>
-            <a:r>
-              <a:rPr lang="en-NZ" dirty="0" smtClean="0"/>
-              <a:t>Use Output Stream’s write(byte[] data) method to send string data to server</a:t>
-            </a:r>
-            <a:endParaRPr lang="en-NZ" dirty="0"/>
-          </a:p>
-        </p:txBody>
-      </p:sp>
-    </p:spTree>
-  </p:cSld>
-  <p:clrMapOvr>
-    <a:masterClrMapping/>
-  </p:clrMapOvr>
-  <p:timing>
-    <p:tnLst>
-      <p:par>
-        <p:cTn id="1" dur="indefinite" restart="never" nodeType="tmRoot"/>
-      </p:par>
-    </p:tnLst>
-  </p:timing>
-</p:sld>
-</file>
-
 <file path=ppt/slides/slide7.xml><?xml version="1.0" encoding="utf-8"?>
 <p:sld xmlns:a="http://schemas.openxmlformats.org/drawingml/2006/main" xmlns:r="http://schemas.openxmlformats.org/officeDocument/2006/relationships" xmlns:p="http://schemas.openxmlformats.org/presentationml/2006/main">
   <p:cSld>
@@ -9560,9 +12436,9 @@
       </p:grpSpPr>
       <p:sp>
         <p:nvSpPr>
-          <p:cNvPr id="2" name="Title 1"/>
-          <p:cNvSpPr>
-            <a:spLocks noGrp="1"/>
+          <p:cNvPr id="56322" name="Rectangle 2"/>
+          <p:cNvSpPr>
+            <a:spLocks noGrp="1" noChangeArrowheads="1"/>
           </p:cNvSpPr>
           <p:nvPr>
             <p:ph type="title"/>
@@ -9570,22 +12446,23 @@
         </p:nvSpPr>
         <p:spPr/>
         <p:txBody>
-          <a:bodyPr/>
+          <a:bodyPr>
+            <a:normAutofit/>
+          </a:bodyPr>
           <a:lstStyle/>
           <a:p>
             <a:r>
-              <a:rPr lang="en-NZ" dirty="0" smtClean="0"/>
-              <a:t>Data Streams</a:t>
-            </a:r>
-            <a:endParaRPr lang="en-NZ" dirty="0"/>
-          </a:p>
-        </p:txBody>
-      </p:sp>
-      <p:sp>
-        <p:nvSpPr>
-          <p:cNvPr id="4" name="Content Placeholder 3"/>
-          <p:cNvSpPr>
-            <a:spLocks noGrp="1"/>
+              <a:rPr lang="en-US" altLang="zh-CN" dirty="0"/>
+              <a:t>Server Sockets</a:t>
+            </a:r>
+          </a:p>
+        </p:txBody>
+      </p:sp>
+      <p:sp>
+        <p:nvSpPr>
+          <p:cNvPr id="56323" name="Rectangle 3"/>
+          <p:cNvSpPr>
+            <a:spLocks noGrp="1" noChangeArrowheads="1"/>
           </p:cNvSpPr>
           <p:nvPr>
             <p:ph sz="quarter" idx="13"/>
@@ -9599,70 +12476,106 @@
           <a:lstStyle/>
           <a:p>
             <a:r>
-              <a:rPr lang="en-NZ" dirty="0" smtClean="0"/>
-              <a:t>Client and Server must observe the same protocol</a:t>
-            </a:r>
-          </a:p>
-          <a:p>
-            <a:r>
-              <a:rPr lang="en-NZ" dirty="0" smtClean="0"/>
-              <a:t>Socket Input/Output is data stream oriented</a:t>
-            </a:r>
-          </a:p>
-          <a:p>
-            <a:r>
-              <a:rPr lang="en-NZ" dirty="0" err="1" smtClean="0"/>
-              <a:t>InputStream</a:t>
-            </a:r>
-            <a:r>
-              <a:rPr lang="en-NZ" dirty="0" smtClean="0"/>
-              <a:t> and </a:t>
-            </a:r>
-            <a:r>
-              <a:rPr lang="en-NZ" dirty="0" err="1" smtClean="0"/>
-              <a:t>OutputStream</a:t>
-            </a:r>
-            <a:r>
-              <a:rPr lang="en-NZ" dirty="0" smtClean="0"/>
-              <a:t> objects operate on bytes and byte[] arrays</a:t>
+              <a:rPr lang="en-US" altLang="zh-CN" sz="2800" dirty="0" smtClean="0">
+                <a:ea typeface="宋体" pitchFamily="2" charset="-122"/>
+              </a:rPr>
+              <a:t>Clients and servers are connected by sockets.</a:t>
             </a:r>
           </a:p>
           <a:p>
             <a:pPr lvl="1"/>
             <a:r>
-              <a:rPr lang="en-NZ" dirty="0" smtClean="0"/>
-              <a:t>Using the read(byte[] data) and write(byte[] data) methods</a:t>
-            </a:r>
-          </a:p>
-          <a:p>
-            <a:r>
-              <a:rPr lang="en-NZ" dirty="0" smtClean="0"/>
-              <a:t>Primitive data types need to be converted to and from bytes to be transferred across the network</a:t>
-            </a:r>
-          </a:p>
-          <a:p>
-            <a:r>
-              <a:rPr lang="en-NZ" dirty="0" smtClean="0"/>
-              <a:t>Problems arise if there is a data type mismatch. All the data types are bytes so can be interpreted as any other data type.</a:t>
-            </a:r>
-          </a:p>
-          <a:p>
-            <a:endParaRPr lang="en-NZ" dirty="0"/>
+              <a:rPr lang="en-US" altLang="zh-CN" sz="2400" dirty="0" smtClean="0">
+                <a:ea typeface="宋体" pitchFamily="2" charset="-122"/>
+              </a:rPr>
+              <a:t>There are two ends to each connection: the client, that is the host that initiates the connection, and the server, that is the host that responds to the connection.</a:t>
+            </a:r>
+          </a:p>
+          <a:p>
+            <a:r>
+              <a:rPr lang="en-US" altLang="zh-CN" sz="2800" dirty="0" smtClean="0">
+                <a:ea typeface="宋体" pitchFamily="2" charset="-122"/>
+              </a:rPr>
+              <a:t>The server side will passively wait for a remote host to connect</a:t>
+            </a:r>
+          </a:p>
+          <a:p>
+            <a:pPr lvl="1"/>
+            <a:r>
+              <a:rPr lang="en-US" altLang="zh-CN" sz="2400" dirty="0" smtClean="0">
+                <a:ea typeface="宋体" pitchFamily="2" charset="-122"/>
+              </a:rPr>
+              <a:t>A </a:t>
+            </a:r>
+            <a:r>
+              <a:rPr lang="en-US" altLang="zh-CN" sz="2400" dirty="0" smtClean="0">
+                <a:ea typeface="宋体" pitchFamily="2" charset="-122"/>
+              </a:rPr>
+              <a:t>server socket binds to a particular port on the local machine. </a:t>
+            </a:r>
+          </a:p>
+          <a:p>
+            <a:pPr lvl="1"/>
+            <a:r>
+              <a:rPr lang="en-US" altLang="zh-CN" sz="2400" dirty="0" smtClean="0">
+                <a:ea typeface="宋体" pitchFamily="2" charset="-122"/>
+              </a:rPr>
+              <a:t>Once it has successfully bound to a port, it </a:t>
+            </a:r>
+            <a:r>
+              <a:rPr lang="en-US" altLang="zh-CN" sz="2400" i="1" dirty="0">
+                <a:ea typeface="宋体" pitchFamily="2" charset="-122"/>
+              </a:rPr>
+              <a:t>listens</a:t>
+            </a:r>
+            <a:r>
+              <a:rPr lang="en-US" altLang="zh-CN" sz="2400" dirty="0" smtClean="0">
+                <a:ea typeface="宋体" pitchFamily="2" charset="-122"/>
+              </a:rPr>
+              <a:t> for incoming connection attempts. </a:t>
+            </a:r>
+          </a:p>
+          <a:p>
+            <a:r>
+              <a:rPr lang="en-US" altLang="zh-CN" sz="2800" dirty="0" smtClean="0">
+                <a:ea typeface="宋体" pitchFamily="2" charset="-122"/>
+              </a:rPr>
+              <a:t>When it detects a connection attempt, it </a:t>
+            </a:r>
+            <a:r>
+              <a:rPr lang="en-US" altLang="zh-CN" sz="2400" i="1" dirty="0">
+                <a:ea typeface="宋体" pitchFamily="2" charset="-122"/>
+              </a:rPr>
+              <a:t>accepts</a:t>
+            </a:r>
+            <a:r>
+              <a:rPr lang="en-US" altLang="zh-CN" sz="2800" dirty="0" smtClean="0">
+                <a:ea typeface="宋体" pitchFamily="2" charset="-122"/>
+              </a:rPr>
+              <a:t> the </a:t>
+            </a:r>
+            <a:r>
+              <a:rPr lang="en-US" altLang="zh-CN" sz="2800" dirty="0" smtClean="0">
+                <a:ea typeface="宋体" pitchFamily="2" charset="-122"/>
+              </a:rPr>
+              <a:t>connection</a:t>
+            </a:r>
+            <a:endParaRPr lang="en-US" altLang="zh-CN" sz="2800" dirty="0" smtClean="0">
+              <a:ea typeface="宋体" pitchFamily="2" charset="-122"/>
+            </a:endParaRPr>
           </a:p>
         </p:txBody>
       </p:sp>
     </p:spTree>
+    <p:extLst>
+      <p:ext uri="{BB962C8B-B14F-4D97-AF65-F5344CB8AC3E}">
+        <p14:creationId xmlns:p14="http://schemas.microsoft.com/office/powerpoint/2010/main" val="2208759712"/>
+      </p:ext>
+    </p:extLst>
   </p:cSld>
   <p:clrMapOvr>
     <a:masterClrMapping/>
   </p:clrMapOvr>
-  <p:timing>
-    <p:tnLst>
-      <p:par>
-        <p:cTn id="1" dur="indefinite" restart="never" nodeType="tmRoot"/>
-      </p:par>
-    </p:tnLst>
-  </p:timing>
 </p:sld>
 </file>
 
@@ -9685,9 +12598,9 @@
       </p:grpSpPr>
       <p:sp>
         <p:nvSpPr>
-          <p:cNvPr id="2" name="Title 1"/>
-          <p:cNvSpPr>
-            <a:spLocks noGrp="1"/>
+          <p:cNvPr id="57346" name="Rectangle 2"/>
+          <p:cNvSpPr>
+            <a:spLocks noGrp="1" noChangeArrowheads="1"/>
           </p:cNvSpPr>
           <p:nvPr>
             <p:ph type="title"/>
@@ -9699,16 +12612,23 @@
           <a:lstStyle/>
           <a:p>
             <a:r>
-              <a:rPr lang="en-NZ" dirty="0" smtClean="0"/>
-              <a:t>Data Streams</a:t>
-            </a:r>
-            <a:endParaRPr lang="en-NZ" dirty="0"/>
-          </a:p>
-        </p:txBody>
-      </p:sp>
-      <p:sp>
-        <p:nvSpPr>
-          <p:cNvPr id="4" name="Content Placeholder 3"/>
+              <a:rPr lang="en-US" altLang="zh-CN" dirty="0" smtClean="0">
+                <a:ea typeface="宋体" pitchFamily="2" charset="-122"/>
+              </a:rPr>
+              <a:t>Server </a:t>
+            </a:r>
+            <a:r>
+              <a:rPr lang="en-US" altLang="zh-CN" dirty="0" smtClean="0">
+                <a:ea typeface="宋体" pitchFamily="2" charset="-122"/>
+              </a:rPr>
+              <a:t>Sockets</a:t>
+            </a:r>
+          </a:p>
+        </p:txBody>
+      </p:sp>
+      <p:sp>
+        <p:nvSpPr>
+          <p:cNvPr id="2" name="Content Placeholder 1"/>
           <p:cNvSpPr>
             <a:spLocks noGrp="1"/>
           </p:cNvSpPr>
@@ -9716,91 +12636,155 @@
             <p:ph sz="quarter" idx="13"/>
           </p:nvPr>
         </p:nvSpPr>
-        <p:spPr/>
+        <p:spPr>
+          <a:xfrm>
+            <a:off x="609600" y="5805264"/>
+            <a:ext cx="8153400" cy="864096"/>
+          </a:xfrm>
+        </p:spPr>
         <p:txBody>
           <a:bodyPr>
-            <a:normAutofit fontScale="92500" lnSpcReduction="20000"/>
+            <a:normAutofit/>
           </a:bodyPr>
           <a:lstStyle/>
           <a:p>
             <a:r>
-              <a:rPr lang="en-NZ" dirty="0" smtClean="0"/>
-              <a:t>Helper classes that do all the leg work in converting data to and from bytes</a:t>
-            </a:r>
-          </a:p>
-          <a:p>
-            <a:pPr lvl="1"/>
-            <a:r>
-              <a:rPr lang="en-NZ" dirty="0" err="1" smtClean="0"/>
-              <a:t>DataInputStream</a:t>
-            </a:r>
-            <a:endParaRPr lang="en-NZ" dirty="0" smtClean="0"/>
-          </a:p>
-          <a:p>
-            <a:pPr lvl="1"/>
-            <a:r>
-              <a:rPr lang="en-NZ" dirty="0" err="1" smtClean="0"/>
-              <a:t>DataOutputStream</a:t>
-            </a:r>
-            <a:endParaRPr lang="en-NZ" dirty="0" smtClean="0"/>
-          </a:p>
-          <a:p>
-            <a:r>
-              <a:rPr lang="en-NZ" dirty="0" smtClean="0"/>
-              <a:t>Have methods to read / write a variety of primitive data types</a:t>
-            </a:r>
-          </a:p>
-          <a:p>
-            <a:pPr lvl="1"/>
-            <a:r>
-              <a:rPr lang="en-NZ" dirty="0" smtClean="0"/>
-              <a:t>Strings</a:t>
-            </a:r>
-          </a:p>
-          <a:p>
-            <a:pPr lvl="1"/>
-            <a:r>
-              <a:rPr lang="en-NZ" dirty="0" smtClean="0"/>
-              <a:t>byte</a:t>
-            </a:r>
-          </a:p>
-          <a:p>
-            <a:pPr lvl="1"/>
-            <a:r>
-              <a:rPr lang="en-NZ" dirty="0" err="1" smtClean="0"/>
-              <a:t>int</a:t>
-            </a:r>
-            <a:endParaRPr lang="en-NZ" dirty="0" smtClean="0"/>
-          </a:p>
-          <a:p>
-            <a:pPr lvl="1"/>
-            <a:r>
-              <a:rPr lang="en-NZ" dirty="0" smtClean="0"/>
-              <a:t>short</a:t>
-            </a:r>
-          </a:p>
-          <a:p>
-            <a:pPr lvl="1"/>
-            <a:r>
-              <a:rPr lang="en-NZ" dirty="0" smtClean="0"/>
-              <a:t>float</a:t>
-            </a:r>
-            <a:endParaRPr lang="en-NZ" dirty="0"/>
+              <a:rPr lang="en-US" altLang="zh-CN" sz="2000" dirty="0" smtClean="0">
+                <a:ea typeface="宋体" pitchFamily="2" charset="-122"/>
+              </a:rPr>
+              <a:t>This </a:t>
+            </a:r>
+            <a:r>
+              <a:rPr lang="en-US" altLang="zh-CN" sz="2000" dirty="0">
+                <a:ea typeface="宋体" pitchFamily="2" charset="-122"/>
+              </a:rPr>
+              <a:t>creates a socket between the client and the server over which the client and the server </a:t>
+            </a:r>
+            <a:r>
+              <a:rPr lang="en-US" altLang="zh-CN" sz="2000" dirty="0" smtClean="0">
+                <a:ea typeface="宋体" pitchFamily="2" charset="-122"/>
+              </a:rPr>
+              <a:t>communicate</a:t>
+            </a:r>
+            <a:endParaRPr lang="en-AU" sz="2000" dirty="0"/>
+          </a:p>
+        </p:txBody>
+      </p:sp>
+      <p:pic>
+        <p:nvPicPr>
+          <p:cNvPr id="57351" name="Picture 5" descr="server-socket"/>
+          <p:cNvPicPr>
+            <a:picLocks noChangeAspect="1" noChangeArrowheads="1"/>
+          </p:cNvPicPr>
+          <p:nvPr/>
+        </p:nvPicPr>
+        <p:blipFill>
+          <a:blip r:embed="rId3" cstate="print">
+            <a:extLst>
+              <a:ext uri="{28A0092B-C50C-407E-A947-70E740481C1C}">
+                <a14:useLocalDpi xmlns:a14="http://schemas.microsoft.com/office/drawing/2010/main" val="0"/>
+              </a:ext>
+            </a:extLst>
+          </a:blip>
+          <a:srcRect/>
+          <a:stretch>
+            <a:fillRect/>
+          </a:stretch>
+        </p:blipFill>
+        <p:spPr bwMode="auto">
+          <a:xfrm>
+            <a:off x="1835696" y="1700808"/>
+            <a:ext cx="6471138" cy="4159920"/>
+          </a:xfrm>
+          <a:prstGeom prst="rect">
+            <a:avLst/>
+          </a:prstGeom>
+          <a:noFill/>
+          <a:ln>
+            <a:noFill/>
+          </a:ln>
+          <a:extLst>
+            <a:ext uri="{909E8E84-426E-40DD-AFC4-6F175D3DCCD1}">
+              <a14:hiddenFill xmlns:a14="http://schemas.microsoft.com/office/drawing/2010/main">
+                <a:solidFill>
+                  <a:srgbClr val="FFFFFF"/>
+                </a:solidFill>
+              </a14:hiddenFill>
+            </a:ext>
+            <a:ext uri="{91240B29-F687-4F45-9708-019B960494DF}">
+              <a14:hiddenLine xmlns:a14="http://schemas.microsoft.com/office/drawing/2010/main" w="9525">
+                <a:solidFill>
+                  <a:srgbClr val="000000"/>
+                </a:solidFill>
+                <a:miter lim="800000"/>
+                <a:headEnd/>
+                <a:tailEnd/>
+              </a14:hiddenLine>
+            </a:ext>
+          </a:extLst>
+        </p:spPr>
+      </p:pic>
+      <p:sp>
+        <p:nvSpPr>
+          <p:cNvPr id="57350" name="Line 9"/>
+          <p:cNvSpPr>
+            <a:spLocks noChangeShapeType="1"/>
+          </p:cNvSpPr>
+          <p:nvPr/>
+        </p:nvSpPr>
+        <p:spPr bwMode="auto">
+          <a:xfrm flipV="1">
+            <a:off x="3031450" y="5021288"/>
+            <a:ext cx="3069981" cy="7202"/>
+          </a:xfrm>
+          <a:prstGeom prst="line">
+            <a:avLst/>
+          </a:prstGeom>
+          <a:noFill/>
+          <a:ln w="38100">
+            <a:solidFill>
+              <a:schemeClr val="accent1"/>
+            </a:solidFill>
+            <a:round/>
+            <a:headEnd/>
+            <a:tailEnd/>
+          </a:ln>
+          <a:effectLst/>
+          <a:extLst>
+            <a:ext uri="{909E8E84-426E-40DD-AFC4-6F175D3DCCD1}">
+              <a14:hiddenFill xmlns:a14="http://schemas.microsoft.com/office/drawing/2010/main">
+                <a:noFill/>
+              </a14:hiddenFill>
+            </a:ext>
+            <a:ext uri="{AF507438-7753-43E0-B8FC-AC1667EBCBE1}">
+              <a14:hiddenEffects xmlns:a14="http://schemas.microsoft.com/office/drawing/2010/main">
+                <a:effectLst>
+                  <a:outerShdw dist="35921" dir="2700000" algn="ctr" rotWithShape="0">
+                    <a:schemeClr val="bg2"/>
+                  </a:outerShdw>
+                </a:effectLst>
+              </a14:hiddenEffects>
+            </a:ext>
+          </a:extLst>
+        </p:spPr>
+        <p:txBody>
+          <a:bodyPr wrap="none" lIns="0" tIns="0" rIns="0" bIns="0" anchor="ctr"/>
+          <a:lstStyle/>
+          <a:p>
+            <a:endParaRPr lang="en-NZ"/>
           </a:p>
         </p:txBody>
       </p:sp>
     </p:spTree>
+    <p:extLst>
+      <p:ext uri="{BB962C8B-B14F-4D97-AF65-F5344CB8AC3E}">
+        <p14:creationId xmlns:p14="http://schemas.microsoft.com/office/powerpoint/2010/main" val="1859388857"/>
+      </p:ext>
+    </p:extLst>
   </p:cSld>
   <p:clrMapOvr>
     <a:masterClrMapping/>
   </p:clrMapOvr>
-  <p:timing>
-    <p:tnLst>
-      <p:par>
-        <p:cTn id="1" dur="indefinite" restart="never" nodeType="tmRoot"/>
-      </p:par>
-    </p:tnLst>
-  </p:timing>
 </p:sld>
 </file>
 
@@ -9823,9 +12807,9 @@
       </p:grpSpPr>
       <p:sp>
         <p:nvSpPr>
-          <p:cNvPr id="2" name="Title 1"/>
-          <p:cNvSpPr>
-            <a:spLocks noGrp="1"/>
+          <p:cNvPr id="58370" name="Rectangle 2"/>
+          <p:cNvSpPr>
+            <a:spLocks noGrp="1" noChangeArrowheads="1"/>
           </p:cNvSpPr>
           <p:nvPr>
             <p:ph type="title"/>
@@ -9837,18 +12821,22 @@
           <a:lstStyle/>
           <a:p>
             <a:r>
-              <a:rPr lang="en-NZ" dirty="0" smtClean="0"/>
-              <a:t>Echo Server</a:t>
-            </a:r>
-            <a:endParaRPr lang="en-NZ" dirty="0"/>
-          </a:p>
-        </p:txBody>
-      </p:sp>
-      <p:sp>
-        <p:nvSpPr>
-          <p:cNvPr id="4" name="Content Placeholder 3"/>
-          <p:cNvSpPr>
-            <a:spLocks noGrp="1"/>
+              <a:rPr lang="en-US" altLang="zh-CN" dirty="0" err="1" smtClean="0">
+                <a:ea typeface="宋体" pitchFamily="2" charset="-122"/>
+              </a:rPr>
+              <a:t>java.net.ServerSocket</a:t>
+            </a:r>
+            <a:endParaRPr lang="en-US" altLang="zh-CN" dirty="0" smtClean="0">
+              <a:ea typeface="宋体" pitchFamily="2" charset="-122"/>
+            </a:endParaRPr>
+          </a:p>
+        </p:txBody>
+      </p:sp>
+      <p:sp>
+        <p:nvSpPr>
+          <p:cNvPr id="58371" name="Rectangle 3"/>
+          <p:cNvSpPr>
+            <a:spLocks noGrp="1" noChangeArrowheads="1"/>
           </p:cNvSpPr>
           <p:nvPr>
             <p:ph sz="quarter" idx="13"/>
@@ -9857,576 +12845,208 @@
         <p:spPr/>
         <p:txBody>
           <a:bodyPr>
-            <a:noAutofit/>
+            <a:normAutofit/>
           </a:bodyPr>
           <a:lstStyle/>
           <a:p>
-            <a:pPr>
-              <a:buNone/>
+            <a:pPr marL="609600" indent="-609600">
+              <a:tabLst/>
             </a:pPr>
             <a:r>
-              <a:rPr lang="en-NZ" sz="1400" dirty="0" smtClean="0">
-                <a:solidFill>
-                  <a:srgbClr val="000000"/>
-                </a:solidFill>
-                <a:latin typeface="Courier New"/>
-              </a:rPr>
-              <a:t>Socket </a:t>
-            </a:r>
-            <a:r>
-              <a:rPr lang="en-NZ" sz="1400" dirty="0" err="1" smtClean="0">
-                <a:solidFill>
-                  <a:srgbClr val="000000"/>
-                </a:solidFill>
-                <a:latin typeface="Courier New"/>
-              </a:rPr>
-              <a:t>socket</a:t>
-            </a:r>
-            <a:r>
-              <a:rPr lang="en-NZ" sz="1400" dirty="0" smtClean="0">
-                <a:solidFill>
-                  <a:srgbClr val="000000"/>
-                </a:solidFill>
-                <a:latin typeface="Courier New"/>
-              </a:rPr>
-              <a:t> = </a:t>
-            </a:r>
-            <a:r>
-              <a:rPr lang="en-NZ" sz="1400" dirty="0" err="1" smtClean="0">
-                <a:solidFill>
-                  <a:srgbClr val="000000"/>
-                </a:solidFill>
-                <a:latin typeface="Courier New"/>
-              </a:rPr>
-              <a:t>server.accept</a:t>
-            </a:r>
-            <a:r>
-              <a:rPr lang="en-NZ" sz="1400" dirty="0" smtClean="0">
-                <a:solidFill>
-                  <a:srgbClr val="000000"/>
-                </a:solidFill>
-                <a:latin typeface="Courier New"/>
-              </a:rPr>
-              <a:t>();</a:t>
-            </a:r>
-          </a:p>
-          <a:p>
-            <a:pPr>
-              <a:buNone/>
+              <a:rPr lang="en-US" altLang="zh-CN" sz="2800" dirty="0" smtClean="0">
+                <a:ea typeface="宋体" pitchFamily="2" charset="-122"/>
+              </a:rPr>
+              <a:t>The </a:t>
+            </a:r>
+            <a:r>
+              <a:rPr lang="en-US" altLang="zh-CN" sz="2800" dirty="0" err="1" smtClean="0">
+                <a:ea typeface="宋体" pitchFamily="2" charset="-122"/>
+              </a:rPr>
+              <a:t>java.net.ServerSocket</a:t>
+            </a:r>
+            <a:r>
+              <a:rPr lang="en-US" altLang="zh-CN" sz="2800" dirty="0" smtClean="0">
+                <a:ea typeface="宋体" pitchFamily="2" charset="-122"/>
+              </a:rPr>
+              <a:t> class represents a </a:t>
+            </a:r>
+            <a:r>
+              <a:rPr lang="en-US" altLang="zh-CN" sz="2800" dirty="0" smtClean="0">
+                <a:ea typeface="宋体" pitchFamily="2" charset="-122"/>
+              </a:rPr>
+              <a:t>Server Socket</a:t>
+            </a:r>
+            <a:endParaRPr lang="en-US" altLang="zh-CN" sz="2800" dirty="0" smtClean="0">
+              <a:ea typeface="宋体" pitchFamily="2" charset="-122"/>
+            </a:endParaRPr>
+          </a:p>
+          <a:p>
+            <a:pPr marL="990600" lvl="1" indent="-533400">
+              <a:buSzTx/>
+              <a:buFont typeface="Wingdings" pitchFamily="2" charset="2"/>
+              <a:buAutoNum type="arabicPeriod"/>
+              <a:tabLst/>
             </a:pPr>
-            <a:endParaRPr lang="en-NZ" sz="1400" dirty="0" smtClean="0">
-              <a:latin typeface="Courier New"/>
+            <a:r>
+              <a:rPr lang="en-US" altLang="zh-CN" sz="2800" dirty="0" smtClean="0">
+                <a:ea typeface="宋体" pitchFamily="2" charset="-122"/>
+              </a:rPr>
+              <a:t>It is </a:t>
+            </a:r>
+            <a:r>
+              <a:rPr lang="en-US" altLang="zh-CN" sz="2800" dirty="0" smtClean="0">
+                <a:solidFill>
+                  <a:schemeClr val="accent1"/>
+                </a:solidFill>
+                <a:ea typeface="宋体" pitchFamily="2" charset="-122"/>
+              </a:rPr>
+              <a:t>constructed</a:t>
+            </a:r>
+            <a:r>
+              <a:rPr lang="en-US" altLang="zh-CN" sz="2800" dirty="0" smtClean="0">
+                <a:ea typeface="宋体" pitchFamily="2" charset="-122"/>
+              </a:rPr>
+              <a:t> on a particular </a:t>
+            </a:r>
+            <a:r>
+              <a:rPr lang="en-US" altLang="zh-CN" sz="2800" dirty="0" smtClean="0">
+                <a:ea typeface="宋体" pitchFamily="2" charset="-122"/>
+              </a:rPr>
+              <a:t>port </a:t>
+            </a:r>
+            <a:endParaRPr lang="en-US" altLang="zh-CN" sz="2800" dirty="0" smtClean="0">
+              <a:ea typeface="宋体" pitchFamily="2" charset="-122"/>
             </a:endParaRPr>
           </a:p>
           <a:p>
-            <a:pPr>
-              <a:buNone/>
+            <a:pPr marL="990600" lvl="1" indent="-533400">
+              <a:buSzTx/>
+              <a:buFont typeface="Wingdings" pitchFamily="2" charset="2"/>
+              <a:buAutoNum type="arabicPeriod"/>
+              <a:tabLst/>
             </a:pPr>
             <a:r>
-              <a:rPr lang="en-NZ" sz="1400" dirty="0" err="1" smtClean="0">
-                <a:solidFill>
-                  <a:srgbClr val="000000"/>
-                </a:solidFill>
-                <a:latin typeface="Courier New"/>
-              </a:rPr>
-              <a:t>DataInputStream</a:t>
-            </a:r>
-            <a:r>
-              <a:rPr lang="en-NZ" sz="1400" dirty="0" smtClean="0">
-                <a:solidFill>
-                  <a:srgbClr val="000000"/>
-                </a:solidFill>
-                <a:latin typeface="Courier New"/>
-              </a:rPr>
-              <a:t> </a:t>
-            </a:r>
-            <a:r>
-              <a:rPr lang="en-NZ" sz="1400" dirty="0" err="1" smtClean="0">
-                <a:solidFill>
-                  <a:srgbClr val="000000"/>
-                </a:solidFill>
-                <a:latin typeface="Courier New"/>
-              </a:rPr>
-              <a:t>dis</a:t>
-            </a:r>
-            <a:r>
-              <a:rPr lang="en-NZ" sz="1400" dirty="0" smtClean="0">
-                <a:solidFill>
-                  <a:srgbClr val="000000"/>
-                </a:solidFill>
-                <a:latin typeface="Courier New"/>
-              </a:rPr>
-              <a:t> = </a:t>
-            </a:r>
-            <a:r>
-              <a:rPr lang="en-NZ" sz="1400" dirty="0" smtClean="0">
-                <a:solidFill>
-                  <a:srgbClr val="7F0055"/>
-                </a:solidFill>
-                <a:latin typeface="Courier New"/>
-              </a:rPr>
-              <a:t>new</a:t>
-            </a:r>
-            <a:r>
-              <a:rPr lang="en-NZ" sz="1400" dirty="0" smtClean="0">
-                <a:solidFill>
-                  <a:srgbClr val="000000"/>
-                </a:solidFill>
-                <a:latin typeface="Courier New"/>
-              </a:rPr>
-              <a:t> </a:t>
-            </a:r>
-            <a:r>
-              <a:rPr lang="en-NZ" sz="1400" dirty="0" err="1" smtClean="0">
-                <a:solidFill>
-                  <a:srgbClr val="000000"/>
-                </a:solidFill>
-                <a:latin typeface="Courier New"/>
-              </a:rPr>
-              <a:t>DataInputStream</a:t>
-            </a:r>
-            <a:r>
-              <a:rPr lang="en-NZ" sz="1400" dirty="0" smtClean="0">
-                <a:solidFill>
-                  <a:srgbClr val="000000"/>
-                </a:solidFill>
-                <a:latin typeface="Courier New"/>
-              </a:rPr>
-              <a:t>(</a:t>
-            </a:r>
-            <a:r>
-              <a:rPr lang="en-NZ" sz="1400" dirty="0" err="1" smtClean="0">
-                <a:solidFill>
-                  <a:srgbClr val="000000"/>
-                </a:solidFill>
-                <a:latin typeface="Courier New"/>
-              </a:rPr>
-              <a:t>socket.getInputStream</a:t>
-            </a:r>
-            <a:r>
-              <a:rPr lang="en-NZ" sz="1400" dirty="0" smtClean="0">
-                <a:solidFill>
-                  <a:srgbClr val="000000"/>
-                </a:solidFill>
-                <a:latin typeface="Courier New"/>
-              </a:rPr>
-              <a:t>());</a:t>
-            </a:r>
-          </a:p>
-          <a:p>
-            <a:pPr>
-              <a:buNone/>
+              <a:rPr lang="en-US" altLang="zh-CN" sz="2800" dirty="0" smtClean="0">
+                <a:ea typeface="宋体" pitchFamily="2" charset="-122"/>
+              </a:rPr>
+              <a:t>Then it calls </a:t>
+            </a:r>
+            <a:r>
+              <a:rPr lang="en-US" altLang="zh-CN" sz="2800" dirty="0" smtClean="0">
+                <a:solidFill>
+                  <a:schemeClr val="accent1"/>
+                </a:solidFill>
+                <a:ea typeface="宋体" pitchFamily="2" charset="-122"/>
+              </a:rPr>
+              <a:t>accept()</a:t>
+            </a:r>
+            <a:r>
+              <a:rPr lang="en-US" altLang="zh-CN" sz="2800" dirty="0" smtClean="0">
+                <a:ea typeface="宋体" pitchFamily="2" charset="-122"/>
+              </a:rPr>
+              <a:t> to listen for incoming </a:t>
+            </a:r>
+            <a:r>
+              <a:rPr lang="en-US" altLang="zh-CN" sz="2800" dirty="0" smtClean="0">
+                <a:ea typeface="宋体" pitchFamily="2" charset="-122"/>
+              </a:rPr>
+              <a:t>connections</a:t>
+            </a:r>
+            <a:endParaRPr lang="en-US" altLang="zh-CN" sz="2800" dirty="0" smtClean="0">
+              <a:ea typeface="宋体" pitchFamily="2" charset="-122"/>
+            </a:endParaRPr>
+          </a:p>
+          <a:p>
+            <a:pPr marL="990600" lvl="1" indent="-533400">
+              <a:buSzTx/>
+              <a:buFont typeface="Wingdings" pitchFamily="2" charset="2"/>
+              <a:buAutoNum type="arabicPeriod"/>
+              <a:tabLst/>
             </a:pPr>
             <a:r>
-              <a:rPr lang="en-NZ" sz="1400" dirty="0" err="1" smtClean="0">
-                <a:solidFill>
-                  <a:srgbClr val="000000"/>
-                </a:solidFill>
-                <a:latin typeface="Courier New"/>
-              </a:rPr>
-              <a:t>DataOutputStream</a:t>
-            </a:r>
-            <a:r>
-              <a:rPr lang="en-NZ" sz="1400" dirty="0" smtClean="0">
-                <a:solidFill>
-                  <a:srgbClr val="000000"/>
-                </a:solidFill>
-                <a:latin typeface="Courier New"/>
-              </a:rPr>
-              <a:t> dos = </a:t>
-            </a:r>
-            <a:r>
-              <a:rPr lang="en-NZ" sz="1400" dirty="0" smtClean="0">
-                <a:solidFill>
-                  <a:srgbClr val="7F0055"/>
-                </a:solidFill>
-                <a:latin typeface="Courier New"/>
-              </a:rPr>
-              <a:t>new</a:t>
-            </a:r>
-            <a:r>
-              <a:rPr lang="en-NZ" sz="1400" dirty="0" smtClean="0">
-                <a:solidFill>
-                  <a:srgbClr val="000000"/>
-                </a:solidFill>
-                <a:latin typeface="Courier New"/>
-              </a:rPr>
-              <a:t> </a:t>
-            </a:r>
-            <a:r>
-              <a:rPr lang="en-NZ" sz="1400" dirty="0" err="1" smtClean="0">
-                <a:solidFill>
-                  <a:srgbClr val="000000"/>
-                </a:solidFill>
-                <a:latin typeface="Courier New"/>
-              </a:rPr>
-              <a:t>DataOutputStream</a:t>
-            </a:r>
-            <a:r>
-              <a:rPr lang="en-NZ" sz="1400" dirty="0" smtClean="0">
-                <a:solidFill>
-                  <a:srgbClr val="000000"/>
-                </a:solidFill>
-                <a:latin typeface="Courier New"/>
-              </a:rPr>
-              <a:t>(</a:t>
-            </a:r>
-            <a:r>
-              <a:rPr lang="en-NZ" sz="1400" dirty="0" err="1" smtClean="0">
-                <a:solidFill>
-                  <a:srgbClr val="000000"/>
-                </a:solidFill>
-                <a:latin typeface="Courier New"/>
-              </a:rPr>
-              <a:t>socket.getOutputStream</a:t>
-            </a:r>
-            <a:r>
-              <a:rPr lang="en-NZ" sz="1400" dirty="0" smtClean="0">
-                <a:solidFill>
-                  <a:srgbClr val="000000"/>
-                </a:solidFill>
-                <a:latin typeface="Courier New"/>
-              </a:rPr>
-              <a:t>());</a:t>
-            </a:r>
-          </a:p>
-          <a:p>
-            <a:pPr>
-              <a:buNone/>
+              <a:rPr lang="en-US" altLang="zh-CN" sz="2800" dirty="0" smtClean="0">
+                <a:ea typeface="宋体" pitchFamily="2" charset="-122"/>
+              </a:rPr>
+              <a:t>accept() blocks until a connection is </a:t>
+            </a:r>
+            <a:r>
+              <a:rPr lang="en-US" altLang="zh-CN" sz="2800" dirty="0" smtClean="0">
+                <a:ea typeface="宋体" pitchFamily="2" charset="-122"/>
+              </a:rPr>
+              <a:t>detected</a:t>
+            </a:r>
+            <a:endParaRPr lang="en-US" altLang="zh-CN" sz="2800" dirty="0" smtClean="0">
+              <a:ea typeface="宋体" pitchFamily="2" charset="-122"/>
+            </a:endParaRPr>
+          </a:p>
+          <a:p>
+            <a:pPr marL="990600" lvl="1" indent="-533400">
+              <a:buSzTx/>
+              <a:buFont typeface="Wingdings" pitchFamily="2" charset="2"/>
+              <a:buAutoNum type="arabicPeriod"/>
+              <a:tabLst/>
             </a:pPr>
-            <a:endParaRPr lang="en-NZ" sz="1400" dirty="0" smtClean="0">
-              <a:latin typeface="Courier New"/>
+            <a:r>
+              <a:rPr lang="en-US" altLang="zh-CN" sz="2800" dirty="0" smtClean="0">
+                <a:ea typeface="宋体" pitchFamily="2" charset="-122"/>
+              </a:rPr>
+              <a:t>Then accept() returns a </a:t>
+            </a:r>
+            <a:r>
+              <a:rPr lang="en-US" altLang="zh-CN" sz="2800" dirty="0" err="1" smtClean="0">
+                <a:ea typeface="宋体" pitchFamily="2" charset="-122"/>
+              </a:rPr>
+              <a:t>java.net.</a:t>
+            </a:r>
+            <a:r>
+              <a:rPr lang="en-US" altLang="zh-CN" sz="2800" dirty="0" err="1" smtClean="0">
+                <a:solidFill>
+                  <a:schemeClr val="accent1"/>
+                </a:solidFill>
+                <a:ea typeface="宋体" pitchFamily="2" charset="-122"/>
+              </a:rPr>
+              <a:t>Socket</a:t>
+            </a:r>
+            <a:r>
+              <a:rPr lang="en-US" altLang="zh-CN" sz="2800" dirty="0" smtClean="0">
+                <a:ea typeface="宋体" pitchFamily="2" charset="-122"/>
+              </a:rPr>
+              <a:t> object </a:t>
+            </a:r>
+            <a:r>
+              <a:rPr lang="en-US" altLang="zh-CN" sz="2800" dirty="0" smtClean="0">
+                <a:ea typeface="宋体" pitchFamily="2" charset="-122"/>
+              </a:rPr>
+              <a:t>to </a:t>
+            </a:r>
+            <a:r>
+              <a:rPr lang="en-US" altLang="zh-CN" sz="2800" dirty="0" smtClean="0">
+                <a:ea typeface="宋体" pitchFamily="2" charset="-122"/>
+              </a:rPr>
+              <a:t>perform the actual communication with the </a:t>
+            </a:r>
+            <a:r>
+              <a:rPr lang="en-US" altLang="zh-CN" sz="2800" dirty="0" smtClean="0">
+                <a:ea typeface="宋体" pitchFamily="2" charset="-122"/>
+              </a:rPr>
+              <a:t>client</a:t>
+            </a:r>
+            <a:endParaRPr lang="en-US" altLang="zh-CN" sz="2800" dirty="0" smtClean="0">
+              <a:ea typeface="宋体" pitchFamily="2" charset="-122"/>
             </a:endParaRPr>
           </a:p>
-          <a:p>
-            <a:pPr>
-              <a:buNone/>
-            </a:pPr>
-            <a:r>
-              <a:rPr lang="en-NZ" sz="1400" dirty="0" smtClean="0">
-                <a:solidFill>
-                  <a:srgbClr val="7F0055"/>
-                </a:solidFill>
-                <a:latin typeface="Courier New"/>
-              </a:rPr>
-              <a:t>while</a:t>
-            </a:r>
-            <a:r>
-              <a:rPr lang="en-NZ" sz="1400" dirty="0" smtClean="0">
-                <a:solidFill>
-                  <a:srgbClr val="000000"/>
-                </a:solidFill>
-                <a:latin typeface="Courier New"/>
-              </a:rPr>
-              <a:t>(</a:t>
-            </a:r>
-            <a:r>
-              <a:rPr lang="en-NZ" sz="1400" dirty="0" smtClean="0">
-                <a:solidFill>
-                  <a:srgbClr val="7F0055"/>
-                </a:solidFill>
-                <a:latin typeface="Courier New"/>
-              </a:rPr>
-              <a:t>true</a:t>
-            </a:r>
-            <a:r>
-              <a:rPr lang="en-NZ" sz="1400" dirty="0" smtClean="0">
-                <a:solidFill>
-                  <a:srgbClr val="000000"/>
-                </a:solidFill>
-                <a:latin typeface="Courier New"/>
-              </a:rPr>
-              <a:t>)</a:t>
-            </a:r>
-          </a:p>
-          <a:p>
-            <a:pPr>
-              <a:buNone/>
-            </a:pPr>
-            <a:r>
-              <a:rPr lang="en-NZ" sz="1400" dirty="0" smtClean="0">
-                <a:solidFill>
-                  <a:srgbClr val="000000"/>
-                </a:solidFill>
-                <a:latin typeface="Courier New"/>
-              </a:rPr>
-              <a:t>{</a:t>
-            </a:r>
-          </a:p>
-          <a:p>
-            <a:pPr lvl="1">
-              <a:buNone/>
-            </a:pPr>
-            <a:r>
-              <a:rPr lang="en-NZ" sz="1400" dirty="0" smtClean="0">
-                <a:solidFill>
-                  <a:srgbClr val="7F0055"/>
-                </a:solidFill>
-                <a:latin typeface="Courier New"/>
-              </a:rPr>
-              <a:t>try</a:t>
-            </a:r>
-          </a:p>
-          <a:p>
-            <a:pPr lvl="1">
-              <a:buNone/>
-            </a:pPr>
-            <a:r>
-              <a:rPr lang="en-NZ" sz="1400" dirty="0" smtClean="0">
-                <a:solidFill>
-                  <a:srgbClr val="000000"/>
-                </a:solidFill>
-                <a:latin typeface="Courier New"/>
-              </a:rPr>
-              <a:t>{</a:t>
-            </a:r>
-          </a:p>
-          <a:p>
-            <a:pPr lvl="2">
-              <a:buNone/>
-            </a:pPr>
-            <a:r>
-              <a:rPr lang="en-NZ" sz="1400" dirty="0" smtClean="0">
-                <a:solidFill>
-                  <a:srgbClr val="000000"/>
-                </a:solidFill>
-                <a:latin typeface="Courier New"/>
-              </a:rPr>
-              <a:t>String </a:t>
-            </a:r>
-            <a:r>
-              <a:rPr lang="en-NZ" sz="1400" dirty="0" err="1" smtClean="0">
-                <a:solidFill>
-                  <a:srgbClr val="000000"/>
-                </a:solidFill>
-                <a:latin typeface="Courier New"/>
-              </a:rPr>
-              <a:t>mesg</a:t>
-            </a:r>
-            <a:r>
-              <a:rPr lang="en-NZ" sz="1400" dirty="0" smtClean="0">
-                <a:solidFill>
-                  <a:srgbClr val="000000"/>
-                </a:solidFill>
-                <a:latin typeface="Courier New"/>
-              </a:rPr>
-              <a:t> = </a:t>
-            </a:r>
-            <a:r>
-              <a:rPr lang="en-NZ" sz="1400" dirty="0" err="1" smtClean="0">
-                <a:solidFill>
-                  <a:srgbClr val="000000"/>
-                </a:solidFill>
-                <a:latin typeface="Courier New"/>
-              </a:rPr>
-              <a:t>dis.readUTF</a:t>
-            </a:r>
-            <a:r>
-              <a:rPr lang="en-NZ" sz="1400" dirty="0" smtClean="0">
-                <a:solidFill>
-                  <a:srgbClr val="000000"/>
-                </a:solidFill>
-                <a:latin typeface="Courier New"/>
-              </a:rPr>
-              <a:t>();</a:t>
-            </a:r>
-          </a:p>
-          <a:p>
-            <a:pPr lvl="2">
-              <a:buNone/>
-            </a:pPr>
-            <a:r>
-              <a:rPr lang="en-NZ" sz="1400" dirty="0" err="1" smtClean="0">
-                <a:solidFill>
-                  <a:srgbClr val="000000"/>
-                </a:solidFill>
-                <a:latin typeface="Courier New"/>
-              </a:rPr>
-              <a:t>dos.writeUTF</a:t>
-            </a:r>
-            <a:r>
-              <a:rPr lang="en-NZ" sz="1400" dirty="0" smtClean="0">
-                <a:solidFill>
-                  <a:srgbClr val="000000"/>
-                </a:solidFill>
-                <a:latin typeface="Courier New"/>
-              </a:rPr>
-              <a:t>(</a:t>
-            </a:r>
-            <a:r>
-              <a:rPr lang="en-NZ" sz="1400" dirty="0" smtClean="0">
-                <a:solidFill>
-                  <a:srgbClr val="2A00FF"/>
-                </a:solidFill>
-                <a:latin typeface="Courier New"/>
-              </a:rPr>
-              <a:t>"Echo </a:t>
-            </a:r>
-            <a:r>
-              <a:rPr lang="en-NZ" sz="1400" dirty="0" err="1" smtClean="0">
-                <a:solidFill>
-                  <a:srgbClr val="2A00FF"/>
-                </a:solidFill>
-                <a:latin typeface="Courier New"/>
-              </a:rPr>
-              <a:t>response:"</a:t>
-            </a:r>
-            <a:r>
-              <a:rPr lang="en-NZ" sz="1400" dirty="0" err="1" smtClean="0">
-                <a:solidFill>
-                  <a:srgbClr val="000000"/>
-                </a:solidFill>
-                <a:latin typeface="Courier New"/>
-              </a:rPr>
-              <a:t>+mesg</a:t>
-            </a:r>
-            <a:r>
-              <a:rPr lang="en-NZ" sz="1400" dirty="0" smtClean="0">
-                <a:solidFill>
-                  <a:srgbClr val="000000"/>
-                </a:solidFill>
-                <a:latin typeface="Courier New"/>
-              </a:rPr>
-              <a:t>);</a:t>
-            </a:r>
-          </a:p>
-          <a:p>
-            <a:pPr lvl="1">
-              <a:buNone/>
-            </a:pPr>
-            <a:r>
-              <a:rPr lang="en-NZ" sz="1400" dirty="0" smtClean="0">
-                <a:solidFill>
-                  <a:srgbClr val="000000"/>
-                </a:solidFill>
-                <a:latin typeface="Courier New"/>
-              </a:rPr>
-              <a:t>}</a:t>
-            </a:r>
-          </a:p>
-          <a:p>
-            <a:pPr lvl="1">
-              <a:buNone/>
-            </a:pPr>
-            <a:r>
-              <a:rPr lang="en-NZ" sz="1400" dirty="0" smtClean="0">
-                <a:solidFill>
-                  <a:srgbClr val="7F0055"/>
-                </a:solidFill>
-                <a:latin typeface="Courier New"/>
-              </a:rPr>
-              <a:t>catch</a:t>
-            </a:r>
-            <a:r>
-              <a:rPr lang="en-NZ" sz="1400" dirty="0" smtClean="0">
-                <a:solidFill>
-                  <a:srgbClr val="000000"/>
-                </a:solidFill>
-                <a:latin typeface="Courier New"/>
-              </a:rPr>
-              <a:t>(</a:t>
-            </a:r>
-            <a:r>
-              <a:rPr lang="en-NZ" sz="1400" dirty="0" err="1" smtClean="0">
-                <a:solidFill>
-                  <a:srgbClr val="000000"/>
-                </a:solidFill>
-                <a:latin typeface="Courier New"/>
-              </a:rPr>
-              <a:t>EOFException</a:t>
-            </a:r>
-            <a:r>
-              <a:rPr lang="en-NZ" sz="1400" dirty="0" smtClean="0">
-                <a:solidFill>
-                  <a:srgbClr val="000000"/>
-                </a:solidFill>
-                <a:latin typeface="Courier New"/>
-              </a:rPr>
-              <a:t> e)</a:t>
-            </a:r>
-          </a:p>
-          <a:p>
-            <a:pPr lvl="1">
-              <a:buNone/>
-            </a:pPr>
-            <a:r>
-              <a:rPr lang="en-NZ" sz="1400" dirty="0" smtClean="0">
-                <a:solidFill>
-                  <a:srgbClr val="000000"/>
-                </a:solidFill>
-                <a:latin typeface="Courier New"/>
-              </a:rPr>
-              <a:t>{</a:t>
-            </a:r>
-          </a:p>
-          <a:p>
-            <a:pPr lvl="1">
-              <a:buNone/>
-            </a:pPr>
-            <a:r>
-              <a:rPr lang="en-NZ" sz="1400" dirty="0" smtClean="0">
-                <a:solidFill>
-                  <a:srgbClr val="7F0055"/>
-                </a:solidFill>
-                <a:latin typeface="Courier New"/>
-              </a:rPr>
-              <a:t>	break</a:t>
-            </a:r>
-            <a:r>
-              <a:rPr lang="en-NZ" sz="1400" dirty="0" smtClean="0">
-                <a:solidFill>
-                  <a:srgbClr val="000000"/>
-                </a:solidFill>
-                <a:latin typeface="Courier New"/>
-              </a:rPr>
-              <a:t>;</a:t>
-            </a:r>
-          </a:p>
-          <a:p>
-            <a:pPr lvl="1">
-              <a:buNone/>
-            </a:pPr>
-            <a:r>
-              <a:rPr lang="en-NZ" sz="1400" dirty="0" smtClean="0">
-                <a:solidFill>
-                  <a:srgbClr val="000000"/>
-                </a:solidFill>
-                <a:latin typeface="Courier New"/>
-              </a:rPr>
-              <a:t>}</a:t>
-            </a:r>
-          </a:p>
-          <a:p>
-            <a:pPr>
-              <a:buNone/>
-            </a:pPr>
-            <a:r>
-              <a:rPr lang="en-NZ" sz="1400" dirty="0" smtClean="0">
-                <a:solidFill>
-                  <a:srgbClr val="000000"/>
-                </a:solidFill>
-                <a:latin typeface="Courier New"/>
-              </a:rPr>
-              <a:t>}</a:t>
-            </a:r>
-            <a:endParaRPr lang="en-NZ" sz="1400" dirty="0">
-              <a:latin typeface="Consolas" pitchFamily="49" charset="0"/>
-            </a:endParaRPr>
-          </a:p>
         </p:txBody>
       </p:sp>
     </p:spTree>
+    <p:extLst>
+      <p:ext uri="{BB962C8B-B14F-4D97-AF65-F5344CB8AC3E}">
+        <p14:creationId xmlns:p14="http://schemas.microsoft.com/office/powerpoint/2010/main" val="4087621793"/>
+      </p:ext>
+    </p:extLst>
   </p:cSld>
   <p:clrMapOvr>
     <a:masterClrMapping/>
   </p:clrMapOvr>
-  <p:timing>
-    <p:tnLst>
-      <p:par>
-        <p:cTn id="1" dur="indefinite" restart="never" nodeType="tmRoot"/>
-      </p:par>
-    </p:tnLst>
-  </p:timing>
 </p:sld>
 </file>
 
